--- a/CloudStorage.pptx
+++ b/CloudStorage.pptx
@@ -8,6 +8,7 @@
     <p:sldId id="256" r:id="rId2"/>
     <p:sldId id="257" r:id="rId3"/>
     <p:sldId id="258" r:id="rId4"/>
+    <p:sldId id="259" r:id="rId5"/>
   </p:sldIdLst>
   <p:sldSz cx="12192000" cy="6858000"/>
   <p:notesSz cx="6858000" cy="9144000"/>
@@ -261,7 +262,7 @@
           <a:p>
             <a:fld id="{F8CF6AE2-A0FC-44DC-A05B-B063A26E2107}" type="datetimeFigureOut">
               <a:rPr lang="en-US" smtClean="0"/>
-              <a:t>3/22/2022</a:t>
+              <a:t>3/24/2022</a:t>
             </a:fld>
             <a:endParaRPr lang="en-US"/>
           </a:p>
@@ -459,7 +460,7 @@
           <a:p>
             <a:fld id="{F8CF6AE2-A0FC-44DC-A05B-B063A26E2107}" type="datetimeFigureOut">
               <a:rPr lang="en-US" smtClean="0"/>
-              <a:t>3/22/2022</a:t>
+              <a:t>3/24/2022</a:t>
             </a:fld>
             <a:endParaRPr lang="en-US"/>
           </a:p>
@@ -667,7 +668,7 @@
           <a:p>
             <a:fld id="{F8CF6AE2-A0FC-44DC-A05B-B063A26E2107}" type="datetimeFigureOut">
               <a:rPr lang="en-US" smtClean="0"/>
-              <a:t>3/22/2022</a:t>
+              <a:t>3/24/2022</a:t>
             </a:fld>
             <a:endParaRPr lang="en-US"/>
           </a:p>
@@ -865,7 +866,7 @@
           <a:p>
             <a:fld id="{F8CF6AE2-A0FC-44DC-A05B-B063A26E2107}" type="datetimeFigureOut">
               <a:rPr lang="en-US" smtClean="0"/>
-              <a:t>3/22/2022</a:t>
+              <a:t>3/24/2022</a:t>
             </a:fld>
             <a:endParaRPr lang="en-US"/>
           </a:p>
@@ -1140,7 +1141,7 @@
           <a:p>
             <a:fld id="{F8CF6AE2-A0FC-44DC-A05B-B063A26E2107}" type="datetimeFigureOut">
               <a:rPr lang="en-US" smtClean="0"/>
-              <a:t>3/22/2022</a:t>
+              <a:t>3/24/2022</a:t>
             </a:fld>
             <a:endParaRPr lang="en-US"/>
           </a:p>
@@ -1405,7 +1406,7 @@
           <a:p>
             <a:fld id="{F8CF6AE2-A0FC-44DC-A05B-B063A26E2107}" type="datetimeFigureOut">
               <a:rPr lang="en-US" smtClean="0"/>
-              <a:t>3/22/2022</a:t>
+              <a:t>3/24/2022</a:t>
             </a:fld>
             <a:endParaRPr lang="en-US"/>
           </a:p>
@@ -1817,7 +1818,7 @@
           <a:p>
             <a:fld id="{F8CF6AE2-A0FC-44DC-A05B-B063A26E2107}" type="datetimeFigureOut">
               <a:rPr lang="en-US" smtClean="0"/>
-              <a:t>3/22/2022</a:t>
+              <a:t>3/24/2022</a:t>
             </a:fld>
             <a:endParaRPr lang="en-US"/>
           </a:p>
@@ -1958,7 +1959,7 @@
           <a:p>
             <a:fld id="{F8CF6AE2-A0FC-44DC-A05B-B063A26E2107}" type="datetimeFigureOut">
               <a:rPr lang="en-US" smtClean="0"/>
-              <a:t>3/22/2022</a:t>
+              <a:t>3/24/2022</a:t>
             </a:fld>
             <a:endParaRPr lang="en-US"/>
           </a:p>
@@ -2071,7 +2072,7 @@
           <a:p>
             <a:fld id="{F8CF6AE2-A0FC-44DC-A05B-B063A26E2107}" type="datetimeFigureOut">
               <a:rPr lang="en-US" smtClean="0"/>
-              <a:t>3/22/2022</a:t>
+              <a:t>3/24/2022</a:t>
             </a:fld>
             <a:endParaRPr lang="en-US"/>
           </a:p>
@@ -2382,7 +2383,7 @@
           <a:p>
             <a:fld id="{F8CF6AE2-A0FC-44DC-A05B-B063A26E2107}" type="datetimeFigureOut">
               <a:rPr lang="en-US" smtClean="0"/>
-              <a:t>3/22/2022</a:t>
+              <a:t>3/24/2022</a:t>
             </a:fld>
             <a:endParaRPr lang="en-US"/>
           </a:p>
@@ -2670,7 +2671,7 @@
           <a:p>
             <a:fld id="{F8CF6AE2-A0FC-44DC-A05B-B063A26E2107}" type="datetimeFigureOut">
               <a:rPr lang="en-US" smtClean="0"/>
-              <a:t>3/22/2022</a:t>
+              <a:t>3/24/2022</a:t>
             </a:fld>
             <a:endParaRPr lang="en-US"/>
           </a:p>
@@ -2911,7 +2912,7 @@
           <a:p>
             <a:fld id="{F8CF6AE2-A0FC-44DC-A05B-B063A26E2107}" type="datetimeFigureOut">
               <a:rPr lang="en-US" smtClean="0"/>
-              <a:t>3/22/2022</a:t>
+              <a:t>3/24/2022</a:t>
             </a:fld>
             <a:endParaRPr lang="en-US"/>
           </a:p>
@@ -3641,8 +3642,8 @@
         </p:nvSpPr>
         <p:spPr>
           <a:xfrm>
-            <a:off x="432021" y="1183479"/>
-            <a:ext cx="6096000" cy="1754326"/>
+            <a:off x="432021" y="763282"/>
+            <a:ext cx="6096000" cy="5909310"/>
           </a:xfrm>
           <a:prstGeom prst="rect">
             <a:avLst/>
@@ -3659,7 +3660,7 @@
               <a:buAutoNum type="arabicPeriod"/>
             </a:pPr>
             <a:r>
-              <a:rPr lang="en-US" b="0" i="0" dirty="0">
+              <a:rPr lang="en-US" sz="1600" b="0" i="0" dirty="0">
                 <a:solidFill>
                   <a:srgbClr val="424242"/>
                 </a:solidFill>
@@ -3669,7 +3670,7 @@
               <a:t> </a:t>
             </a:r>
             <a:r>
-              <a:rPr lang="ko-KR" altLang="en-US" b="0" i="0" dirty="0">
+              <a:rPr lang="ko-KR" altLang="en-US" sz="1600" b="0" i="0" dirty="0">
                 <a:solidFill>
                   <a:srgbClr val="424242"/>
                 </a:solidFill>
@@ -3679,7 +3680,7 @@
               <a:t>동기화 속도</a:t>
             </a:r>
             <a:br>
-              <a:rPr lang="en-US" altLang="ko-KR" b="0" i="0" dirty="0">
+              <a:rPr lang="en-US" altLang="ko-KR" sz="1600" b="0" i="0" dirty="0">
                 <a:solidFill>
                   <a:srgbClr val="424242"/>
                 </a:solidFill>
@@ -3688,7 +3689,7 @@
               </a:rPr>
             </a:br>
             <a:r>
-              <a:rPr lang="en-US" altLang="ko-KR" b="0" i="0" dirty="0">
+              <a:rPr lang="en-US" altLang="ko-KR" sz="1400" b="0" i="0" dirty="0">
                 <a:solidFill>
                   <a:srgbClr val="424242"/>
                 </a:solidFill>
@@ -3698,7 +3699,7 @@
               <a:t>-&gt; </a:t>
             </a:r>
             <a:r>
-              <a:rPr lang="ko-KR" altLang="en-US" b="0" i="0" dirty="0" err="1">
+              <a:rPr lang="ko-KR" altLang="en-US" sz="1400" b="0" i="0" dirty="0" err="1">
                 <a:solidFill>
                   <a:srgbClr val="424242"/>
                 </a:solidFill>
@@ -3708,7 +3709,7 @@
               <a:t>머클</a:t>
             </a:r>
             <a:r>
-              <a:rPr lang="ko-KR" altLang="en-US" b="0" i="0" dirty="0">
+              <a:rPr lang="ko-KR" altLang="en-US" sz="1400" b="0" i="0" dirty="0">
                 <a:solidFill>
                   <a:srgbClr val="424242"/>
                 </a:solidFill>
@@ -3718,7 +3719,7 @@
               <a:t> 트리 사용</a:t>
             </a:r>
             <a:r>
-              <a:rPr lang="ko-KR" altLang="en-US" dirty="0">
+              <a:rPr lang="ko-KR" altLang="en-US" sz="1400" dirty="0">
                 <a:solidFill>
                   <a:srgbClr val="424242"/>
                 </a:solidFill>
@@ -3727,7 +3728,7 @@
               <a:t>해서 변경된 부분만 반영</a:t>
             </a:r>
             <a:br>
-              <a:rPr lang="en-US" altLang="ko-KR" dirty="0">
+              <a:rPr lang="en-US" altLang="ko-KR" sz="1600" dirty="0">
                 <a:solidFill>
                   <a:srgbClr val="424242"/>
                 </a:solidFill>
@@ -3735,7 +3736,60 @@
               </a:rPr>
             </a:br>
             <a:r>
-              <a:rPr lang="en-US" altLang="ko-KR" dirty="0">
+              <a:rPr lang="en-US" altLang="ko-KR" sz="1600" dirty="0">
+                <a:solidFill>
+                  <a:srgbClr val="424242"/>
+                </a:solidFill>
+                <a:latin typeface="-apple-system"/>
+              </a:rPr>
+              <a:t>   </a:t>
+            </a:r>
+            <a:r>
+              <a:rPr lang="en-US" altLang="ko-KR" sz="1200" dirty="0">
+                <a:solidFill>
+                  <a:srgbClr val="424242"/>
+                </a:solidFill>
+                <a:latin typeface="-apple-system"/>
+              </a:rPr>
+              <a:t>-&gt; One</a:t>
+            </a:r>
+            <a:r>
+              <a:rPr lang="ko-KR" altLang="en-US" sz="1200" dirty="0">
+                <a:solidFill>
+                  <a:srgbClr val="424242"/>
+                </a:solidFill>
+                <a:latin typeface="-apple-system"/>
+              </a:rPr>
+              <a:t>노트같은 경우 가능하겠지만 한 파일에 대해 </a:t>
+            </a:r>
+            <a:r>
+              <a:rPr lang="ko-KR" altLang="en-US" sz="1200" dirty="0" err="1">
+                <a:solidFill>
+                  <a:srgbClr val="424242"/>
+                </a:solidFill>
+                <a:latin typeface="-apple-system"/>
+              </a:rPr>
+              <a:t>머클트리</a:t>
+            </a:r>
+            <a:r>
+              <a:rPr lang="ko-KR" altLang="en-US" sz="1200" dirty="0">
+                <a:solidFill>
+                  <a:srgbClr val="424242"/>
+                </a:solidFill>
+                <a:latin typeface="-apple-system"/>
+              </a:rPr>
+              <a:t> 구성이 힘들어 불가능</a:t>
+            </a:r>
+            <a:br>
+              <a:rPr lang="en-US" altLang="ko-KR" sz="1600" dirty="0">
+                <a:solidFill>
+                  <a:srgbClr val="424242"/>
+                </a:solidFill>
+                <a:latin typeface="-apple-system"/>
+              </a:rPr>
+            </a:br>
+            <a:r>
+              <a:rPr lang="en-US" altLang="ko-KR" sz="1400" dirty="0">
                 <a:solidFill>
                   <a:srgbClr val="424242"/>
                 </a:solidFill>
@@ -3744,7 +3798,7 @@
               <a:t>-&gt; </a:t>
             </a:r>
             <a:r>
-              <a:rPr lang="ko-KR" altLang="en-US" dirty="0">
+              <a:rPr lang="ko-KR" altLang="en-US" sz="1400" dirty="0">
                 <a:solidFill>
                   <a:srgbClr val="424242"/>
                 </a:solidFill>
@@ -3752,7 +3806,33 @@
               </a:rPr>
               <a:t>업데이트 날짜 기준 변경된 파일만 반영</a:t>
             </a:r>
-            <a:endParaRPr lang="en-US" altLang="ko-KR" dirty="0">
+            <a:br>
+              <a:rPr lang="en-US" altLang="ko-KR" sz="1600" dirty="0">
+                <a:solidFill>
+                  <a:srgbClr val="424242"/>
+                </a:solidFill>
+                <a:latin typeface="-apple-system"/>
+              </a:rPr>
+            </a:br>
+            <a:r>
+              <a:rPr lang="en-US" altLang="ko-KR" sz="1600" dirty="0">
+                <a:solidFill>
+                  <a:srgbClr val="424242"/>
+                </a:solidFill>
+                <a:latin typeface="-apple-system"/>
+              </a:rPr>
+              <a:t>   </a:t>
+            </a:r>
+            <a:r>
+              <a:rPr lang="en-US" altLang="ko-KR" sz="1200" dirty="0">
+                <a:solidFill>
+                  <a:srgbClr val="424242"/>
+                </a:solidFill>
+                <a:latin typeface="-apple-system"/>
+              </a:rPr>
+              <a:t>-&gt; Make sense</a:t>
+            </a:r>
+            <a:endParaRPr lang="en-US" altLang="ko-KR" sz="1600" dirty="0">
               <a:solidFill>
                 <a:srgbClr val="424242"/>
               </a:solidFill>
@@ -3765,7 +3845,7 @@
               <a:buAutoNum type="arabicPeriod"/>
             </a:pPr>
             <a:r>
-              <a:rPr lang="en-US" altLang="ko-KR" dirty="0">
+              <a:rPr lang="en-US" altLang="ko-KR" sz="1600" dirty="0">
                 <a:solidFill>
                   <a:srgbClr val="424242"/>
                 </a:solidFill>
@@ -3774,7 +3854,7 @@
               <a:t> </a:t>
             </a:r>
             <a:r>
-              <a:rPr lang="ko-KR" altLang="en-US" dirty="0" err="1">
+              <a:rPr lang="ko-KR" altLang="en-US" sz="1600" dirty="0" err="1">
                 <a:solidFill>
                   <a:srgbClr val="424242"/>
                 </a:solidFill>
@@ -3783,7 +3863,7 @@
               <a:t>파일별</a:t>
             </a:r>
             <a:r>
-              <a:rPr lang="ko-KR" altLang="en-US" dirty="0">
+              <a:rPr lang="ko-KR" altLang="en-US" sz="1600" dirty="0">
                 <a:solidFill>
                   <a:srgbClr val="424242"/>
                 </a:solidFill>
@@ -3792,7 +3872,7 @@
               <a:t> 버전관리 여부</a:t>
             </a:r>
             <a:r>
-              <a:rPr lang="en-US" altLang="ko-KR" dirty="0">
+              <a:rPr lang="en-US" altLang="ko-KR" sz="1600" dirty="0">
                 <a:solidFill>
                   <a:srgbClr val="424242"/>
                 </a:solidFill>
@@ -3800,7 +3880,51 @@
               </a:rPr>
               <a:t>?</a:t>
             </a:r>
-            <a:endParaRPr lang="en-US" altLang="ko-KR" b="0" i="0" dirty="0">
+            <a:br>
+              <a:rPr lang="en-US" altLang="ko-KR" sz="1600" dirty="0">
+                <a:solidFill>
+                  <a:srgbClr val="424242"/>
+                </a:solidFill>
+                <a:latin typeface="-apple-system"/>
+              </a:rPr>
+            </a:br>
+            <a:r>
+              <a:rPr lang="en-US" altLang="ko-KR" sz="1600" dirty="0">
+                <a:solidFill>
+                  <a:srgbClr val="424242"/>
+                </a:solidFill>
+                <a:latin typeface="-apple-system"/>
+              </a:rPr>
+              <a:t>    </a:t>
+            </a:r>
+            <a:r>
+              <a:rPr lang="en-US" altLang="ko-KR" sz="1400" dirty="0">
+                <a:solidFill>
+                  <a:srgbClr val="424242"/>
+                </a:solidFill>
+                <a:latin typeface="-apple-system"/>
+              </a:rPr>
+              <a:t>-&gt; 10</a:t>
+            </a:r>
+            <a:r>
+              <a:rPr lang="ko-KR" altLang="en-US" sz="1400" dirty="0">
+                <a:solidFill>
+                  <a:srgbClr val="424242"/>
+                </a:solidFill>
+                <a:latin typeface="-apple-system"/>
+              </a:rPr>
+              <a:t>개 정도만 보여주자</a:t>
+            </a:r>
+            <a:r>
+              <a:rPr lang="en-US" altLang="ko-KR" sz="1600" dirty="0">
+                <a:solidFill>
+                  <a:srgbClr val="424242"/>
+                </a:solidFill>
+                <a:latin typeface="-apple-system"/>
+              </a:rPr>
+              <a:t>.</a:t>
+            </a:r>
+            <a:endParaRPr lang="en-US" altLang="ko-KR" sz="1600" b="0" i="0" dirty="0">
               <a:solidFill>
                 <a:srgbClr val="424242"/>
               </a:solidFill>
@@ -3814,7 +3938,7 @@
               <a:buAutoNum type="arabicPeriod"/>
             </a:pPr>
             <a:r>
-              <a:rPr lang="en-US" b="0" i="0" dirty="0">
+              <a:rPr lang="en-US" sz="1600" b="0" i="0" dirty="0">
                 <a:solidFill>
                   <a:srgbClr val="424242"/>
                 </a:solidFill>
@@ -3824,7 +3948,7 @@
               <a:t> </a:t>
             </a:r>
             <a:r>
-              <a:rPr lang="ko-KR" altLang="en-US" b="0" i="0" dirty="0">
+              <a:rPr lang="ko-KR" altLang="en-US" sz="1600" b="0" i="0" dirty="0">
                 <a:solidFill>
                   <a:srgbClr val="424242"/>
                 </a:solidFill>
@@ -3833,7 +3957,56 @@
               </a:rPr>
               <a:t>제한 용량</a:t>
             </a:r>
-            <a:endParaRPr lang="en-US" altLang="ko-KR" b="0" i="0" dirty="0">
+            <a:br>
+              <a:rPr lang="en-US" altLang="ko-KR" sz="1600" b="0" i="0" dirty="0">
+                <a:solidFill>
+                  <a:srgbClr val="424242"/>
+                </a:solidFill>
+                <a:effectLst/>
+                <a:latin typeface="-apple-system"/>
+              </a:rPr>
+            </a:br>
+            <a:r>
+              <a:rPr lang="en-US" altLang="ko-KR" sz="1600" b="0" i="0" dirty="0">
+                <a:solidFill>
+                  <a:srgbClr val="424242"/>
+                </a:solidFill>
+                <a:effectLst/>
+                <a:latin typeface="-apple-system"/>
+              </a:rPr>
+              <a:t>     </a:t>
+            </a:r>
+            <a:r>
+              <a:rPr lang="en-US" altLang="ko-KR" sz="1400" b="0" i="0" dirty="0">
+                <a:solidFill>
+                  <a:srgbClr val="424242"/>
+                </a:solidFill>
+                <a:effectLst/>
+                <a:latin typeface="-apple-system"/>
+              </a:rPr>
+              <a:t>-&gt; </a:t>
+            </a:r>
+            <a:r>
+              <a:rPr lang="ko-KR" altLang="en-US" sz="1400" b="0" i="0" dirty="0">
+                <a:solidFill>
+                  <a:srgbClr val="424242"/>
+                </a:solidFill>
+                <a:effectLst/>
+                <a:latin typeface="-apple-system"/>
+              </a:rPr>
+              <a:t>파일당 </a:t>
+            </a:r>
+            <a:r>
+              <a:rPr lang="en-US" altLang="ko-KR" sz="1400" b="0" i="0" dirty="0">
+                <a:solidFill>
+                  <a:srgbClr val="424242"/>
+                </a:solidFill>
+                <a:effectLst/>
+                <a:latin typeface="-apple-system"/>
+              </a:rPr>
+              <a:t>1GB</a:t>
+            </a:r>
+            <a:endParaRPr lang="en-US" altLang="ko-KR" sz="1600" b="0" i="0" dirty="0">
               <a:solidFill>
                 <a:srgbClr val="424242"/>
               </a:solidFill>
@@ -3847,7 +4020,7 @@
               <a:buAutoNum type="arabicPeriod"/>
             </a:pPr>
             <a:r>
-              <a:rPr lang="en-US" dirty="0">
+              <a:rPr lang="en-US" sz="1600" dirty="0">
                 <a:solidFill>
                   <a:srgbClr val="424242"/>
                 </a:solidFill>
@@ -3856,7 +4029,7 @@
               <a:t> </a:t>
             </a:r>
             <a:r>
-              <a:rPr lang="ko-KR" altLang="en-US" dirty="0">
+              <a:rPr lang="ko-KR" altLang="en-US" sz="1600" dirty="0">
                 <a:solidFill>
                   <a:srgbClr val="424242"/>
                 </a:solidFill>
@@ -3864,11 +4037,546 @@
               </a:rPr>
               <a:t>스토리지 공간</a:t>
             </a:r>
-            <a:endParaRPr lang="en-US" b="0" i="0" dirty="0">
+            <a:br>
+              <a:rPr lang="en-US" altLang="ko-KR" sz="1600" dirty="0">
+                <a:solidFill>
+                  <a:srgbClr val="424242"/>
+                </a:solidFill>
+                <a:latin typeface="-apple-system"/>
+              </a:rPr>
+            </a:br>
+            <a:r>
+              <a:rPr lang="en-US" altLang="ko-KR" sz="1600" dirty="0">
+                <a:solidFill>
+                  <a:srgbClr val="424242"/>
+                </a:solidFill>
+                <a:latin typeface="-apple-system"/>
+              </a:rPr>
+              <a:t>    </a:t>
+            </a:r>
+            <a:r>
+              <a:rPr lang="en-US" altLang="ko-KR" sz="1400" dirty="0">
+                <a:solidFill>
+                  <a:srgbClr val="424242"/>
+                </a:solidFill>
+                <a:latin typeface="-apple-system"/>
+              </a:rPr>
+              <a:t>-&gt; </a:t>
+            </a:r>
+            <a:r>
+              <a:rPr lang="ko-KR" altLang="en-US" sz="1400" dirty="0">
+                <a:solidFill>
+                  <a:srgbClr val="424242"/>
+                </a:solidFill>
+                <a:latin typeface="-apple-system"/>
+              </a:rPr>
+              <a:t>인당 </a:t>
+            </a:r>
+            <a:r>
+              <a:rPr lang="en-US" altLang="ko-KR" sz="1400" dirty="0">
+                <a:solidFill>
+                  <a:srgbClr val="424242"/>
+                </a:solidFill>
+                <a:latin typeface="-apple-system"/>
+              </a:rPr>
+              <a:t>500GB</a:t>
+            </a:r>
+            <a:endParaRPr lang="en-US" altLang="ko-KR" sz="1600" dirty="0">
               <a:solidFill>
                 <a:srgbClr val="424242"/>
               </a:solidFill>
-              <a:effectLst/>
+              <a:latin typeface="-apple-system"/>
+            </a:endParaRPr>
+          </a:p>
+          <a:p>
+            <a:pPr>
+              <a:buFont typeface="+mj-lt"/>
+              <a:buAutoNum type="arabicPeriod"/>
+            </a:pPr>
+            <a:r>
+              <a:rPr lang="ko-KR" altLang="en-US" sz="1600" dirty="0">
+                <a:solidFill>
+                  <a:srgbClr val="424242"/>
+                </a:solidFill>
+                <a:latin typeface="-apple-system"/>
+              </a:rPr>
+              <a:t> 주요 기능</a:t>
+            </a:r>
+            <a:br>
+              <a:rPr lang="en-US" altLang="ko-KR" sz="1600" dirty="0">
+                <a:solidFill>
+                  <a:srgbClr val="424242"/>
+                </a:solidFill>
+                <a:latin typeface="-apple-system"/>
+              </a:rPr>
+            </a:br>
+            <a:r>
+              <a:rPr lang="en-US" altLang="ko-KR" sz="1600" dirty="0">
+                <a:solidFill>
+                  <a:srgbClr val="424242"/>
+                </a:solidFill>
+                <a:latin typeface="-apple-system"/>
+              </a:rPr>
+              <a:t>    </a:t>
+            </a:r>
+            <a:r>
+              <a:rPr lang="en-US" altLang="ko-KR" sz="1400" dirty="0">
+                <a:solidFill>
+                  <a:srgbClr val="424242"/>
+                </a:solidFill>
+                <a:latin typeface="-apple-system"/>
+              </a:rPr>
+              <a:t>-&gt; </a:t>
+            </a:r>
+            <a:r>
+              <a:rPr lang="ko-KR" altLang="en-US" sz="1400" dirty="0">
+                <a:solidFill>
+                  <a:srgbClr val="424242"/>
+                </a:solidFill>
+                <a:latin typeface="-apple-system"/>
+              </a:rPr>
+              <a:t>파일 업로드</a:t>
+            </a:r>
+            <a:br>
+              <a:rPr lang="en-US" altLang="ko-KR" sz="1400" dirty="0">
+                <a:solidFill>
+                  <a:srgbClr val="424242"/>
+                </a:solidFill>
+                <a:latin typeface="-apple-system"/>
+              </a:rPr>
+            </a:br>
+            <a:r>
+              <a:rPr lang="en-US" altLang="ko-KR" sz="1400" dirty="0">
+                <a:solidFill>
+                  <a:srgbClr val="424242"/>
+                </a:solidFill>
+                <a:latin typeface="-apple-system"/>
+              </a:rPr>
+              <a:t>    -&gt; </a:t>
+            </a:r>
+            <a:r>
+              <a:rPr lang="ko-KR" altLang="en-US" sz="1400" dirty="0">
+                <a:solidFill>
+                  <a:srgbClr val="424242"/>
+                </a:solidFill>
+                <a:latin typeface="-apple-system"/>
+              </a:rPr>
+              <a:t>파일 다운로드</a:t>
+            </a:r>
+            <a:endParaRPr lang="en-US" altLang="ko-KR" sz="1400" dirty="0">
+              <a:solidFill>
+                <a:srgbClr val="424242"/>
+              </a:solidFill>
+              <a:latin typeface="-apple-system"/>
+            </a:endParaRPr>
+          </a:p>
+          <a:p>
+            <a:pPr>
+              <a:buFont typeface="+mj-lt"/>
+              <a:buAutoNum type="arabicPeriod"/>
+            </a:pPr>
+            <a:r>
+              <a:rPr lang="en-US" altLang="ko-KR" sz="1600" dirty="0">
+                <a:solidFill>
+                  <a:srgbClr val="424242"/>
+                </a:solidFill>
+                <a:latin typeface="-apple-system"/>
+              </a:rPr>
+              <a:t> </a:t>
+            </a:r>
+            <a:r>
+              <a:rPr lang="ko-KR" altLang="en-US" sz="1600" dirty="0">
+                <a:solidFill>
+                  <a:srgbClr val="424242"/>
+                </a:solidFill>
+                <a:latin typeface="-apple-system"/>
+              </a:rPr>
+              <a:t>업다운로드 중간 네트워크 끊기면 어떡해</a:t>
+            </a:r>
+            <a:r>
+              <a:rPr lang="en-US" altLang="ko-KR" sz="1600" dirty="0">
+                <a:solidFill>
+                  <a:srgbClr val="424242"/>
+                </a:solidFill>
+                <a:latin typeface="-apple-system"/>
+              </a:rPr>
+              <a:t>?</a:t>
+            </a:r>
+            <a:br>
+              <a:rPr lang="en-US" altLang="ko-KR" sz="1600" dirty="0">
+                <a:solidFill>
+                  <a:srgbClr val="424242"/>
+                </a:solidFill>
+                <a:latin typeface="-apple-system"/>
+              </a:rPr>
+            </a:br>
+            <a:r>
+              <a:rPr lang="en-US" altLang="ko-KR" sz="1600" dirty="0">
+                <a:solidFill>
+                  <a:srgbClr val="424242"/>
+                </a:solidFill>
+                <a:latin typeface="-apple-system"/>
+              </a:rPr>
+              <a:t>    -&gt; </a:t>
+            </a:r>
+            <a:r>
+              <a:rPr lang="ko-KR" altLang="en-US" sz="1400" dirty="0">
+                <a:solidFill>
+                  <a:srgbClr val="424242"/>
+                </a:solidFill>
+                <a:latin typeface="-apple-system"/>
+              </a:rPr>
+              <a:t>알림 주고 대기</a:t>
+            </a:r>
+            <a:r>
+              <a:rPr lang="en-US" altLang="ko-KR" sz="1400" dirty="0">
+                <a:solidFill>
+                  <a:srgbClr val="424242"/>
+                </a:solidFill>
+                <a:latin typeface="-apple-system"/>
+              </a:rPr>
+              <a:t>.</a:t>
+            </a:r>
+            <a:br>
+              <a:rPr lang="en-US" altLang="ko-KR" sz="1600" dirty="0">
+                <a:solidFill>
+                  <a:srgbClr val="424242"/>
+                </a:solidFill>
+                <a:latin typeface="-apple-system"/>
+              </a:rPr>
+            </a:br>
+            <a:r>
+              <a:rPr lang="en-US" altLang="ko-KR" sz="1600" dirty="0">
+                <a:solidFill>
+                  <a:srgbClr val="424242"/>
+                </a:solidFill>
+                <a:latin typeface="-apple-system"/>
+              </a:rPr>
+              <a:t>    -&gt;</a:t>
+            </a:r>
+            <a:r>
+              <a:rPr lang="en-US" altLang="ko-KR" sz="1400" dirty="0">
+                <a:solidFill>
+                  <a:srgbClr val="424242"/>
+                </a:solidFill>
+                <a:latin typeface="-apple-system"/>
+              </a:rPr>
+              <a:t> </a:t>
+            </a:r>
+            <a:r>
+              <a:rPr lang="ko-KR" altLang="en-US" sz="1400" dirty="0">
+                <a:solidFill>
+                  <a:srgbClr val="424242"/>
+                </a:solidFill>
+                <a:latin typeface="-apple-system"/>
+              </a:rPr>
+              <a:t>버전 </a:t>
+            </a:r>
+            <a:r>
+              <a:rPr lang="ko-KR" altLang="en-US" sz="1400" dirty="0" err="1">
+                <a:solidFill>
+                  <a:srgbClr val="424242"/>
+                </a:solidFill>
+                <a:latin typeface="-apple-system"/>
+              </a:rPr>
+              <a:t>충돌시</a:t>
+            </a:r>
+            <a:r>
+              <a:rPr lang="ko-KR" altLang="en-US" sz="1400" dirty="0">
+                <a:solidFill>
+                  <a:srgbClr val="424242"/>
+                </a:solidFill>
+                <a:latin typeface="-apple-system"/>
+              </a:rPr>
+              <a:t> 어떡해</a:t>
+            </a:r>
+            <a:r>
+              <a:rPr lang="en-US" altLang="ko-KR" sz="1400" dirty="0">
+                <a:solidFill>
+                  <a:srgbClr val="424242"/>
+                </a:solidFill>
+                <a:latin typeface="-apple-system"/>
+              </a:rPr>
+              <a:t>? </a:t>
+            </a:r>
+            <a:r>
+              <a:rPr lang="ko-KR" altLang="en-US" sz="1400" dirty="0">
+                <a:solidFill>
+                  <a:srgbClr val="424242"/>
+                </a:solidFill>
+                <a:latin typeface="-apple-system"/>
+              </a:rPr>
+              <a:t>버전관리 </a:t>
+            </a:r>
+            <a:r>
+              <a:rPr lang="en-US" altLang="ko-KR" sz="1400" dirty="0">
+                <a:solidFill>
+                  <a:srgbClr val="424242"/>
+                </a:solidFill>
+                <a:latin typeface="-apple-system"/>
+              </a:rPr>
+              <a:t>10</a:t>
+            </a:r>
+            <a:r>
+              <a:rPr lang="ko-KR" altLang="en-US" sz="1400" dirty="0">
+                <a:solidFill>
+                  <a:srgbClr val="424242"/>
+                </a:solidFill>
+                <a:latin typeface="-apple-system"/>
+              </a:rPr>
+              <a:t>개까지 하니까 그냥 올리면 돼 늦게 </a:t>
+            </a:r>
+            <a:r>
+              <a:rPr lang="ko-KR" altLang="en-US" sz="1400" dirty="0" err="1">
+                <a:solidFill>
+                  <a:srgbClr val="424242"/>
+                </a:solidFill>
+                <a:latin typeface="-apple-system"/>
+              </a:rPr>
+              <a:t>올라간게</a:t>
+            </a:r>
+            <a:r>
+              <a:rPr lang="ko-KR" altLang="en-US" sz="1400" dirty="0">
+                <a:solidFill>
+                  <a:srgbClr val="424242"/>
+                </a:solidFill>
+                <a:latin typeface="-apple-system"/>
+              </a:rPr>
+              <a:t> 최신 버전으로 보이겠지</a:t>
+            </a:r>
+            <a:endParaRPr lang="en-US" altLang="ko-KR" sz="1400" dirty="0">
+              <a:solidFill>
+                <a:srgbClr val="424242"/>
+              </a:solidFill>
+              <a:latin typeface="-apple-system"/>
+            </a:endParaRPr>
+          </a:p>
+          <a:p>
+            <a:pPr>
+              <a:buFont typeface="+mj-lt"/>
+              <a:buAutoNum type="arabicPeriod"/>
+            </a:pPr>
+            <a:endParaRPr lang="en-US" altLang="ko-KR" sz="1400" dirty="0">
+              <a:solidFill>
+                <a:srgbClr val="424242"/>
+              </a:solidFill>
+              <a:latin typeface="-apple-system"/>
+            </a:endParaRPr>
+          </a:p>
+          <a:p>
+            <a:pPr>
+              <a:buFont typeface="+mj-lt"/>
+              <a:buAutoNum type="arabicPeriod"/>
+            </a:pPr>
+            <a:r>
+              <a:rPr lang="en-US" altLang="ko-KR" sz="1600" dirty="0">
+                <a:solidFill>
+                  <a:srgbClr val="424242"/>
+                </a:solidFill>
+                <a:latin typeface="-apple-system"/>
+              </a:rPr>
+              <a:t> Band Width</a:t>
+            </a:r>
+          </a:p>
+          <a:p>
+            <a:r>
+              <a:rPr lang="en-US" altLang="ko-KR" sz="1600" dirty="0">
+                <a:solidFill>
+                  <a:srgbClr val="424242"/>
+                </a:solidFill>
+                <a:latin typeface="-apple-system"/>
+              </a:rPr>
+              <a:t>    </a:t>
+            </a:r>
+            <a:r>
+              <a:rPr lang="en-US" altLang="ko-KR" sz="1200" dirty="0">
+                <a:solidFill>
+                  <a:srgbClr val="424242"/>
+                </a:solidFill>
+                <a:latin typeface="-apple-system"/>
+              </a:rPr>
+              <a:t>-&gt; 100</a:t>
+            </a:r>
+            <a:r>
+              <a:rPr lang="ko-KR" altLang="en-US" sz="1200" dirty="0">
+                <a:solidFill>
+                  <a:srgbClr val="424242"/>
+                </a:solidFill>
+                <a:latin typeface="-apple-system"/>
+              </a:rPr>
+              <a:t>만명이 매일 평균 </a:t>
+            </a:r>
+            <a:r>
+              <a:rPr lang="en-US" altLang="ko-KR" sz="1200" dirty="0">
+                <a:solidFill>
+                  <a:srgbClr val="424242"/>
+                </a:solidFill>
+                <a:latin typeface="-apple-system"/>
+              </a:rPr>
+              <a:t>10</a:t>
+            </a:r>
+            <a:r>
+              <a:rPr lang="ko-KR" altLang="en-US" sz="1200" dirty="0">
+                <a:solidFill>
+                  <a:srgbClr val="424242"/>
+                </a:solidFill>
+                <a:latin typeface="-apple-system"/>
+              </a:rPr>
+              <a:t>개 파일 업로드</a:t>
+            </a:r>
+            <a:r>
+              <a:rPr lang="en-US" altLang="ko-KR" sz="1200" dirty="0">
+                <a:solidFill>
+                  <a:srgbClr val="424242"/>
+                </a:solidFill>
+                <a:latin typeface="-apple-system"/>
+              </a:rPr>
+              <a:t>.</a:t>
+            </a:r>
+            <a:br>
+              <a:rPr lang="en-US" altLang="ko-KR" sz="1200" dirty="0">
+                <a:solidFill>
+                  <a:srgbClr val="424242"/>
+                </a:solidFill>
+                <a:latin typeface="-apple-system"/>
+              </a:rPr>
+            </a:br>
+            <a:r>
+              <a:rPr lang="en-US" altLang="ko-KR" sz="1200" dirty="0">
+                <a:solidFill>
+                  <a:srgbClr val="424242"/>
+                </a:solidFill>
+                <a:latin typeface="-apple-system"/>
+              </a:rPr>
+              <a:t>    </a:t>
+            </a:r>
+            <a:r>
+              <a:rPr lang="ko-KR" altLang="en-US" sz="1200" dirty="0">
+                <a:solidFill>
+                  <a:srgbClr val="424242"/>
+                </a:solidFill>
+                <a:latin typeface="-apple-system"/>
+              </a:rPr>
+              <a:t>파일 크기는 보통 </a:t>
+            </a:r>
+            <a:r>
+              <a:rPr lang="en-US" altLang="ko-KR" sz="1200" dirty="0">
+                <a:solidFill>
+                  <a:srgbClr val="424242"/>
+                </a:solidFill>
+                <a:latin typeface="-apple-system"/>
+              </a:rPr>
+              <a:t>5mb.</a:t>
+            </a:r>
+            <a:br>
+              <a:rPr lang="en-US" altLang="ko-KR" sz="1200" dirty="0">
+                <a:solidFill>
+                  <a:srgbClr val="424242"/>
+                </a:solidFill>
+                <a:latin typeface="-apple-system"/>
+              </a:rPr>
+            </a:br>
+            <a:r>
+              <a:rPr lang="en-US" altLang="ko-KR" sz="1200" dirty="0">
+                <a:solidFill>
+                  <a:srgbClr val="424242"/>
+                </a:solidFill>
+                <a:latin typeface="-apple-system"/>
+              </a:rPr>
+              <a:t>     </a:t>
+            </a:r>
+            <a:r>
+              <a:rPr lang="ko-KR" altLang="en-US" sz="1200" dirty="0">
+                <a:solidFill>
+                  <a:srgbClr val="424242"/>
+                </a:solidFill>
+                <a:latin typeface="-apple-system"/>
+              </a:rPr>
+              <a:t>한명이 하루에 </a:t>
+            </a:r>
+            <a:r>
+              <a:rPr lang="en-US" altLang="ko-KR" sz="1200" dirty="0">
+                <a:solidFill>
+                  <a:srgbClr val="424242"/>
+                </a:solidFill>
+                <a:latin typeface="-apple-system"/>
+              </a:rPr>
+              <a:t>50mb</a:t>
+            </a:r>
+            <a:br>
+              <a:rPr lang="en-US" altLang="ko-KR" sz="1200" dirty="0">
+                <a:solidFill>
+                  <a:srgbClr val="424242"/>
+                </a:solidFill>
+                <a:latin typeface="-apple-system"/>
+              </a:rPr>
+            </a:br>
+            <a:r>
+              <a:rPr lang="en-US" altLang="ko-KR" sz="1200" dirty="0">
+                <a:solidFill>
+                  <a:srgbClr val="424242"/>
+                </a:solidFill>
+                <a:latin typeface="-apple-system"/>
+              </a:rPr>
+              <a:t>     </a:t>
+            </a:r>
+            <a:r>
+              <a:rPr lang="ko-KR" altLang="en-US" sz="1200" dirty="0">
+                <a:solidFill>
+                  <a:srgbClr val="424242"/>
+                </a:solidFill>
+                <a:latin typeface="-apple-system"/>
+              </a:rPr>
+              <a:t>백만이면 하루에 </a:t>
+            </a:r>
+            <a:r>
+              <a:rPr lang="en-US" altLang="ko-KR" sz="1200" dirty="0">
+                <a:solidFill>
+                  <a:srgbClr val="424242"/>
+                </a:solidFill>
+                <a:latin typeface="-apple-system"/>
+              </a:rPr>
+              <a:t>50tb</a:t>
+            </a:r>
+            <a:br>
+              <a:rPr lang="en-US" altLang="ko-KR" sz="1200" dirty="0">
+                <a:solidFill>
+                  <a:srgbClr val="424242"/>
+                </a:solidFill>
+                <a:latin typeface="-apple-system"/>
+              </a:rPr>
+            </a:br>
+            <a:r>
+              <a:rPr lang="en-US" altLang="ko-KR" sz="1200" dirty="0">
+                <a:solidFill>
+                  <a:srgbClr val="424242"/>
+                </a:solidFill>
+                <a:latin typeface="-apple-system"/>
+              </a:rPr>
+              <a:t>     </a:t>
+            </a:r>
+            <a:r>
+              <a:rPr lang="ko-KR" altLang="en-US" sz="1200" dirty="0">
+                <a:solidFill>
+                  <a:srgbClr val="424242"/>
+                </a:solidFill>
+                <a:latin typeface="-apple-system"/>
+              </a:rPr>
+              <a:t>한달이면 </a:t>
+            </a:r>
+            <a:r>
+              <a:rPr lang="en-US" altLang="ko-KR" sz="1200" dirty="0">
+                <a:solidFill>
+                  <a:srgbClr val="424242"/>
+                </a:solidFill>
+                <a:latin typeface="-apple-system"/>
+              </a:rPr>
+              <a:t>1.5Pb</a:t>
+            </a:r>
+            <a:endParaRPr lang="en-US" altLang="ko-KR" sz="1600" dirty="0">
+              <a:solidFill>
+                <a:srgbClr val="424242"/>
+              </a:solidFill>
               <a:latin typeface="-apple-system"/>
             </a:endParaRPr>
           </a:p>
@@ -4371,10 +5079,1171 @@
           </a:fontRef>
         </p:style>
       </p:cxnSp>
+      <p:sp>
+        <p:nvSpPr>
+          <p:cNvPr id="16" name="TextBox 15">
+            <a:extLst>
+              <a:ext uri="{FF2B5EF4-FFF2-40B4-BE49-F238E27FC236}">
+                <a16:creationId xmlns:a16="http://schemas.microsoft.com/office/drawing/2014/main" id="{181747FD-E054-42F7-9FC2-888282C3E5B5}"/>
+              </a:ext>
+            </a:extLst>
+          </p:cNvPr>
+          <p:cNvSpPr txBox="1"/>
+          <p:nvPr/>
+        </p:nvSpPr>
+        <p:spPr>
+          <a:xfrm>
+            <a:off x="6136392" y="2938205"/>
+            <a:ext cx="817916" cy="338554"/>
+          </a:xfrm>
+          <a:prstGeom prst="rect">
+            <a:avLst/>
+          </a:prstGeom>
+          <a:noFill/>
+        </p:spPr>
+        <p:txBody>
+          <a:bodyPr wrap="none" rtlCol="0">
+            <a:spAutoFit/>
+          </a:bodyPr>
+          <a:lstStyle/>
+          <a:p>
+            <a:r>
+              <a:rPr lang="en-US" sz="1600" dirty="0"/>
+              <a:t>Storage</a:t>
+            </a:r>
+          </a:p>
+        </p:txBody>
+      </p:sp>
     </p:spTree>
     <p:extLst>
       <p:ext uri="{BB962C8B-B14F-4D97-AF65-F5344CB8AC3E}">
         <p14:creationId xmlns:p14="http://schemas.microsoft.com/office/powerpoint/2010/main" val="1430467737"/>
+      </p:ext>
+    </p:extLst>
+  </p:cSld>
+  <p:clrMapOvr>
+    <a:masterClrMapping/>
+  </p:clrMapOvr>
+</p:sld>
+</file>
+
+<file path=ppt/slides/slide4.xml><?xml version="1.0" encoding="utf-8"?>
+<p:sld xmlns:a="http://schemas.openxmlformats.org/drawingml/2006/main" xmlns:r="http://schemas.openxmlformats.org/officeDocument/2006/relationships" xmlns:p="http://schemas.openxmlformats.org/presentationml/2006/main">
+  <p:cSld>
+    <p:spTree>
+      <p:nvGrpSpPr>
+        <p:cNvPr id="1" name=""/>
+        <p:cNvGrpSpPr/>
+        <p:nvPr/>
+      </p:nvGrpSpPr>
+      <p:grpSpPr>
+        <a:xfrm>
+          <a:off x="0" y="0"/>
+          <a:ext cx="0" cy="0"/>
+          <a:chOff x="0" y="0"/>
+          <a:chExt cx="0" cy="0"/>
+        </a:xfrm>
+      </p:grpSpPr>
+      <p:sp>
+        <p:nvSpPr>
+          <p:cNvPr id="5" name="TextBox 4">
+            <a:extLst>
+              <a:ext uri="{FF2B5EF4-FFF2-40B4-BE49-F238E27FC236}">
+                <a16:creationId xmlns:a16="http://schemas.microsoft.com/office/drawing/2014/main" id="{DB8AA6BF-FD21-4A3B-9B8B-0265549D2DD1}"/>
+              </a:ext>
+            </a:extLst>
+          </p:cNvPr>
+          <p:cNvSpPr txBox="1"/>
+          <p:nvPr/>
+        </p:nvSpPr>
+        <p:spPr>
+          <a:xfrm>
+            <a:off x="127221" y="151075"/>
+            <a:ext cx="1686744" cy="400110"/>
+          </a:xfrm>
+          <a:prstGeom prst="rect">
+            <a:avLst/>
+          </a:prstGeom>
+          <a:noFill/>
+        </p:spPr>
+        <p:txBody>
+          <a:bodyPr wrap="none" rtlCol="0">
+            <a:spAutoFit/>
+          </a:bodyPr>
+          <a:lstStyle/>
+          <a:p>
+            <a:r>
+              <a:rPr lang="en-US" sz="2000" dirty="0"/>
+              <a:t>System Design</a:t>
+            </a:r>
+          </a:p>
+        </p:txBody>
+      </p:sp>
+      <p:cxnSp>
+        <p:nvCxnSpPr>
+          <p:cNvPr id="7" name="Straight Connector 6">
+            <a:extLst>
+              <a:ext uri="{FF2B5EF4-FFF2-40B4-BE49-F238E27FC236}">
+                <a16:creationId xmlns:a16="http://schemas.microsoft.com/office/drawing/2014/main" id="{30480E4C-5ABA-4A65-BF11-FD3A49EBDC63}"/>
+              </a:ext>
+            </a:extLst>
+          </p:cNvPr>
+          <p:cNvCxnSpPr/>
+          <p:nvPr/>
+        </p:nvCxnSpPr>
+        <p:spPr>
+          <a:xfrm>
+            <a:off x="227805" y="597700"/>
+            <a:ext cx="11600953" cy="0"/>
+          </a:xfrm>
+          <a:prstGeom prst="line">
+            <a:avLst/>
+          </a:prstGeom>
+          <a:ln w="19050">
+            <a:solidFill>
+              <a:schemeClr val="accent1">
+                <a:lumMod val="75000"/>
+              </a:schemeClr>
+            </a:solidFill>
+          </a:ln>
+        </p:spPr>
+        <p:style>
+          <a:lnRef idx="1">
+            <a:schemeClr val="accent1"/>
+          </a:lnRef>
+          <a:fillRef idx="0">
+            <a:schemeClr val="accent1"/>
+          </a:fillRef>
+          <a:effectRef idx="0">
+            <a:schemeClr val="accent1"/>
+          </a:effectRef>
+          <a:fontRef idx="minor">
+            <a:schemeClr val="tx1"/>
+          </a:fontRef>
+        </p:style>
+      </p:cxnSp>
+      <p:pic>
+        <p:nvPicPr>
+          <p:cNvPr id="6" name="Picture 5">
+            <a:extLst>
+              <a:ext uri="{FF2B5EF4-FFF2-40B4-BE49-F238E27FC236}">
+                <a16:creationId xmlns:a16="http://schemas.microsoft.com/office/drawing/2014/main" id="{0EBEB792-D8D0-4275-A506-9B92DFB021C5}"/>
+              </a:ext>
+            </a:extLst>
+          </p:cNvPr>
+          <p:cNvPicPr>
+            <a:picLocks noChangeAspect="1"/>
+          </p:cNvPicPr>
+          <p:nvPr/>
+        </p:nvPicPr>
+        <p:blipFill>
+          <a:blip r:embed="rId2">
+            <a:extLst>
+              <a:ext uri="{28A0092B-C50C-407E-A947-70E740481C1C}">
+                <a14:useLocalDpi xmlns:a14="http://schemas.microsoft.com/office/drawing/2010/main" val="0"/>
+              </a:ext>
+            </a:extLst>
+          </a:blip>
+          <a:stretch>
+            <a:fillRect/>
+          </a:stretch>
+        </p:blipFill>
+        <p:spPr>
+          <a:xfrm>
+            <a:off x="1489353" y="1136904"/>
+            <a:ext cx="649224" cy="649224"/>
+          </a:xfrm>
+          <a:prstGeom prst="rect">
+            <a:avLst/>
+          </a:prstGeom>
+        </p:spPr>
+      </p:pic>
+      <p:pic>
+        <p:nvPicPr>
+          <p:cNvPr id="14" name="Picture 13">
+            <a:extLst>
+              <a:ext uri="{FF2B5EF4-FFF2-40B4-BE49-F238E27FC236}">
+                <a16:creationId xmlns:a16="http://schemas.microsoft.com/office/drawing/2014/main" id="{1A434581-E6ED-4882-BA7E-A419699CDEF4}"/>
+              </a:ext>
+            </a:extLst>
+          </p:cNvPr>
+          <p:cNvPicPr>
+            <a:picLocks noChangeAspect="1"/>
+          </p:cNvPicPr>
+          <p:nvPr/>
+        </p:nvPicPr>
+        <p:blipFill>
+          <a:blip r:embed="rId3">
+            <a:extLst>
+              <a:ext uri="{28A0092B-C50C-407E-A947-70E740481C1C}">
+                <a14:useLocalDpi xmlns:a14="http://schemas.microsoft.com/office/drawing/2010/main" val="0"/>
+              </a:ext>
+            </a:extLst>
+          </a:blip>
+          <a:stretch>
+            <a:fillRect/>
+          </a:stretch>
+        </p:blipFill>
+        <p:spPr>
+          <a:xfrm>
+            <a:off x="4005072" y="2167981"/>
+            <a:ext cx="762000" cy="762000"/>
+          </a:xfrm>
+          <a:prstGeom prst="rect">
+            <a:avLst/>
+          </a:prstGeom>
+        </p:spPr>
+      </p:pic>
+      <p:sp>
+        <p:nvSpPr>
+          <p:cNvPr id="15" name="TextBox 14">
+            <a:extLst>
+              <a:ext uri="{FF2B5EF4-FFF2-40B4-BE49-F238E27FC236}">
+                <a16:creationId xmlns:a16="http://schemas.microsoft.com/office/drawing/2014/main" id="{2305F911-4E56-49D4-8BF2-B25F31EBBD5C}"/>
+              </a:ext>
+            </a:extLst>
+          </p:cNvPr>
+          <p:cNvSpPr txBox="1"/>
+          <p:nvPr/>
+        </p:nvSpPr>
+        <p:spPr>
+          <a:xfrm>
+            <a:off x="4205389" y="2938205"/>
+            <a:ext cx="375424" cy="338554"/>
+          </a:xfrm>
+          <a:prstGeom prst="rect">
+            <a:avLst/>
+          </a:prstGeom>
+          <a:noFill/>
+        </p:spPr>
+        <p:txBody>
+          <a:bodyPr wrap="none" rtlCol="0">
+            <a:spAutoFit/>
+          </a:bodyPr>
+          <a:lstStyle/>
+          <a:p>
+            <a:r>
+              <a:rPr lang="en-US" sz="1600" dirty="0"/>
+              <a:t>L4</a:t>
+            </a:r>
+          </a:p>
+        </p:txBody>
+      </p:sp>
+      <p:cxnSp>
+        <p:nvCxnSpPr>
+          <p:cNvPr id="25" name="Straight Arrow Connector 24">
+            <a:extLst>
+              <a:ext uri="{FF2B5EF4-FFF2-40B4-BE49-F238E27FC236}">
+                <a16:creationId xmlns:a16="http://schemas.microsoft.com/office/drawing/2014/main" id="{55483834-283C-4B36-B9F0-09CF248E64D1}"/>
+              </a:ext>
+            </a:extLst>
+          </p:cNvPr>
+          <p:cNvCxnSpPr>
+            <a:cxnSpLocks/>
+            <a:endCxn id="21" idx="1"/>
+          </p:cNvCxnSpPr>
+          <p:nvPr/>
+        </p:nvCxnSpPr>
+        <p:spPr>
+          <a:xfrm flipV="1">
+            <a:off x="6028281" y="2529963"/>
+            <a:ext cx="2365646" cy="19018"/>
+          </a:xfrm>
+          <a:prstGeom prst="straightConnector1">
+            <a:avLst/>
+          </a:prstGeom>
+          <a:ln>
+            <a:tailEnd type="triangle"/>
+          </a:ln>
+        </p:spPr>
+        <p:style>
+          <a:lnRef idx="1">
+            <a:schemeClr val="accent1"/>
+          </a:lnRef>
+          <a:fillRef idx="0">
+            <a:schemeClr val="accent1"/>
+          </a:fillRef>
+          <a:effectRef idx="0">
+            <a:schemeClr val="accent1"/>
+          </a:effectRef>
+          <a:fontRef idx="minor">
+            <a:schemeClr val="tx1"/>
+          </a:fontRef>
+        </p:style>
+      </p:cxnSp>
+      <p:pic>
+        <p:nvPicPr>
+          <p:cNvPr id="3" name="Picture 2">
+            <a:extLst>
+              <a:ext uri="{FF2B5EF4-FFF2-40B4-BE49-F238E27FC236}">
+                <a16:creationId xmlns:a16="http://schemas.microsoft.com/office/drawing/2014/main" id="{D0236DBD-C6EF-4666-8314-3B1333D93D16}"/>
+              </a:ext>
+            </a:extLst>
+          </p:cNvPr>
+          <p:cNvPicPr>
+            <a:picLocks noChangeAspect="1"/>
+          </p:cNvPicPr>
+          <p:nvPr/>
+        </p:nvPicPr>
+        <p:blipFill>
+          <a:blip r:embed="rId4">
+            <a:extLst>
+              <a:ext uri="{28A0092B-C50C-407E-A947-70E740481C1C}">
+                <a14:useLocalDpi xmlns:a14="http://schemas.microsoft.com/office/drawing/2010/main" val="0"/>
+              </a:ext>
+            </a:extLst>
+          </a:blip>
+          <a:stretch>
+            <a:fillRect/>
+          </a:stretch>
+        </p:blipFill>
+        <p:spPr>
+          <a:xfrm>
+            <a:off x="1450430" y="2252405"/>
+            <a:ext cx="609600" cy="609600"/>
+          </a:xfrm>
+          <a:prstGeom prst="rect">
+            <a:avLst/>
+          </a:prstGeom>
+        </p:spPr>
+      </p:pic>
+      <p:pic>
+        <p:nvPicPr>
+          <p:cNvPr id="13" name="Picture 12">
+            <a:extLst>
+              <a:ext uri="{FF2B5EF4-FFF2-40B4-BE49-F238E27FC236}">
+                <a16:creationId xmlns:a16="http://schemas.microsoft.com/office/drawing/2014/main" id="{FB378A14-75EF-4D5F-AC87-B2A1D8252912}"/>
+              </a:ext>
+            </a:extLst>
+          </p:cNvPr>
+          <p:cNvPicPr>
+            <a:picLocks noChangeAspect="1"/>
+          </p:cNvPicPr>
+          <p:nvPr/>
+        </p:nvPicPr>
+        <p:blipFill>
+          <a:blip r:embed="rId5">
+            <a:extLst>
+              <a:ext uri="{28A0092B-C50C-407E-A947-70E740481C1C}">
+                <a14:useLocalDpi xmlns:a14="http://schemas.microsoft.com/office/drawing/2010/main" val="0"/>
+              </a:ext>
+            </a:extLst>
+          </a:blip>
+          <a:stretch>
+            <a:fillRect/>
+          </a:stretch>
+        </p:blipFill>
+        <p:spPr>
+          <a:xfrm>
+            <a:off x="1376577" y="3099258"/>
+            <a:ext cx="762000" cy="762000"/>
+          </a:xfrm>
+          <a:prstGeom prst="rect">
+            <a:avLst/>
+          </a:prstGeom>
+        </p:spPr>
+      </p:pic>
+      <p:pic>
+        <p:nvPicPr>
+          <p:cNvPr id="21" name="Picture 20">
+            <a:extLst>
+              <a:ext uri="{FF2B5EF4-FFF2-40B4-BE49-F238E27FC236}">
+                <a16:creationId xmlns:a16="http://schemas.microsoft.com/office/drawing/2014/main" id="{93174603-C87D-4291-847F-AE2B1741DD8E}"/>
+              </a:ext>
+            </a:extLst>
+          </p:cNvPr>
+          <p:cNvPicPr>
+            <a:picLocks noChangeAspect="1"/>
+          </p:cNvPicPr>
+          <p:nvPr/>
+        </p:nvPicPr>
+        <p:blipFill>
+          <a:blip r:embed="rId6">
+            <a:extLst>
+              <a:ext uri="{28A0092B-C50C-407E-A947-70E740481C1C}">
+                <a14:useLocalDpi xmlns:a14="http://schemas.microsoft.com/office/drawing/2010/main" val="0"/>
+              </a:ext>
+            </a:extLst>
+          </a:blip>
+          <a:stretch>
+            <a:fillRect/>
+          </a:stretch>
+        </p:blipFill>
+        <p:spPr>
+          <a:xfrm>
+            <a:off x="8393927" y="2148963"/>
+            <a:ext cx="762000" cy="762000"/>
+          </a:xfrm>
+          <a:prstGeom prst="rect">
+            <a:avLst/>
+          </a:prstGeom>
+        </p:spPr>
+      </p:pic>
+      <p:cxnSp>
+        <p:nvCxnSpPr>
+          <p:cNvPr id="26" name="Straight Arrow Connector 25">
+            <a:extLst>
+              <a:ext uri="{FF2B5EF4-FFF2-40B4-BE49-F238E27FC236}">
+                <a16:creationId xmlns:a16="http://schemas.microsoft.com/office/drawing/2014/main" id="{76DB3B7F-BDF2-4DA5-B7CD-A8954B1A286F}"/>
+              </a:ext>
+            </a:extLst>
+          </p:cNvPr>
+          <p:cNvCxnSpPr>
+            <a:stCxn id="3" idx="3"/>
+            <a:endCxn id="14" idx="1"/>
+          </p:cNvCxnSpPr>
+          <p:nvPr/>
+        </p:nvCxnSpPr>
+        <p:spPr>
+          <a:xfrm flipV="1">
+            <a:off x="2060030" y="2548981"/>
+            <a:ext cx="1945042" cy="8224"/>
+          </a:xfrm>
+          <a:prstGeom prst="straightConnector1">
+            <a:avLst/>
+          </a:prstGeom>
+          <a:ln>
+            <a:headEnd type="triangle"/>
+            <a:tailEnd type="triangle"/>
+          </a:ln>
+        </p:spPr>
+        <p:style>
+          <a:lnRef idx="1">
+            <a:schemeClr val="accent1"/>
+          </a:lnRef>
+          <a:fillRef idx="0">
+            <a:schemeClr val="accent1"/>
+          </a:fillRef>
+          <a:effectRef idx="0">
+            <a:schemeClr val="accent1"/>
+          </a:effectRef>
+          <a:fontRef idx="minor">
+            <a:schemeClr val="tx1"/>
+          </a:fontRef>
+        </p:style>
+      </p:cxnSp>
+      <p:cxnSp>
+        <p:nvCxnSpPr>
+          <p:cNvPr id="28" name="Straight Arrow Connector 27">
+            <a:extLst>
+              <a:ext uri="{FF2B5EF4-FFF2-40B4-BE49-F238E27FC236}">
+                <a16:creationId xmlns:a16="http://schemas.microsoft.com/office/drawing/2014/main" id="{E64F958E-596C-4454-90DD-84AFF9C2ABB3}"/>
+              </a:ext>
+            </a:extLst>
+          </p:cNvPr>
+          <p:cNvCxnSpPr>
+            <a:cxnSpLocks/>
+            <a:stCxn id="13" idx="3"/>
+            <a:endCxn id="14" idx="1"/>
+          </p:cNvCxnSpPr>
+          <p:nvPr/>
+        </p:nvCxnSpPr>
+        <p:spPr>
+          <a:xfrm flipV="1">
+            <a:off x="2138577" y="2548981"/>
+            <a:ext cx="1866495" cy="931277"/>
+          </a:xfrm>
+          <a:prstGeom prst="straightConnector1">
+            <a:avLst/>
+          </a:prstGeom>
+          <a:ln>
+            <a:headEnd type="triangle"/>
+            <a:tailEnd type="triangle"/>
+          </a:ln>
+        </p:spPr>
+        <p:style>
+          <a:lnRef idx="1">
+            <a:schemeClr val="accent1"/>
+          </a:lnRef>
+          <a:fillRef idx="0">
+            <a:schemeClr val="accent1"/>
+          </a:fillRef>
+          <a:effectRef idx="0">
+            <a:schemeClr val="accent1"/>
+          </a:effectRef>
+          <a:fontRef idx="minor">
+            <a:schemeClr val="tx1"/>
+          </a:fontRef>
+        </p:style>
+      </p:cxnSp>
+      <p:cxnSp>
+        <p:nvCxnSpPr>
+          <p:cNvPr id="31" name="Straight Arrow Connector 30">
+            <a:extLst>
+              <a:ext uri="{FF2B5EF4-FFF2-40B4-BE49-F238E27FC236}">
+                <a16:creationId xmlns:a16="http://schemas.microsoft.com/office/drawing/2014/main" id="{B9B1C215-4FBD-4DAE-AB8B-515F320D047F}"/>
+              </a:ext>
+            </a:extLst>
+          </p:cNvPr>
+          <p:cNvCxnSpPr>
+            <a:cxnSpLocks/>
+            <a:stCxn id="6" idx="3"/>
+            <a:endCxn id="14" idx="1"/>
+          </p:cNvCxnSpPr>
+          <p:nvPr/>
+        </p:nvCxnSpPr>
+        <p:spPr>
+          <a:xfrm>
+            <a:off x="2138577" y="1461516"/>
+            <a:ext cx="1866495" cy="1087465"/>
+          </a:xfrm>
+          <a:prstGeom prst="straightConnector1">
+            <a:avLst/>
+          </a:prstGeom>
+          <a:ln>
+            <a:headEnd type="triangle"/>
+            <a:tailEnd type="triangle"/>
+          </a:ln>
+        </p:spPr>
+        <p:style>
+          <a:lnRef idx="1">
+            <a:schemeClr val="accent1"/>
+          </a:lnRef>
+          <a:fillRef idx="0">
+            <a:schemeClr val="accent1"/>
+          </a:fillRef>
+          <a:effectRef idx="0">
+            <a:schemeClr val="accent1"/>
+          </a:effectRef>
+          <a:fontRef idx="minor">
+            <a:schemeClr val="tx1"/>
+          </a:fontRef>
+        </p:style>
+      </p:cxnSp>
+      <p:pic>
+        <p:nvPicPr>
+          <p:cNvPr id="17" name="Picture 16">
+            <a:extLst>
+              <a:ext uri="{FF2B5EF4-FFF2-40B4-BE49-F238E27FC236}">
+                <a16:creationId xmlns:a16="http://schemas.microsoft.com/office/drawing/2014/main" id="{8324D0C8-1F10-4B1B-86D4-A0F6B929C795}"/>
+              </a:ext>
+            </a:extLst>
+          </p:cNvPr>
+          <p:cNvPicPr>
+            <a:picLocks noChangeAspect="1"/>
+          </p:cNvPicPr>
+          <p:nvPr/>
+        </p:nvPicPr>
+        <p:blipFill>
+          <a:blip r:embed="rId7">
+            <a:extLst>
+              <a:ext uri="{28A0092B-C50C-407E-A947-70E740481C1C}">
+                <a14:useLocalDpi xmlns:a14="http://schemas.microsoft.com/office/drawing/2010/main" val="0"/>
+              </a:ext>
+            </a:extLst>
+          </a:blip>
+          <a:stretch>
+            <a:fillRect/>
+          </a:stretch>
+        </p:blipFill>
+        <p:spPr>
+          <a:xfrm>
+            <a:off x="2556710" y="787049"/>
+            <a:ext cx="515114" cy="515114"/>
+          </a:xfrm>
+          <a:prstGeom prst="rect">
+            <a:avLst/>
+          </a:prstGeom>
+        </p:spPr>
+      </p:pic>
+      <p:pic>
+        <p:nvPicPr>
+          <p:cNvPr id="22" name="Picture 21">
+            <a:extLst>
+              <a:ext uri="{FF2B5EF4-FFF2-40B4-BE49-F238E27FC236}">
+                <a16:creationId xmlns:a16="http://schemas.microsoft.com/office/drawing/2014/main" id="{3D811FDA-C309-47EA-B69F-F83B1AD910AB}"/>
+              </a:ext>
+            </a:extLst>
+          </p:cNvPr>
+          <p:cNvPicPr>
+            <a:picLocks noChangeAspect="1"/>
+          </p:cNvPicPr>
+          <p:nvPr/>
+        </p:nvPicPr>
+        <p:blipFill>
+          <a:blip r:embed="rId3">
+            <a:extLst>
+              <a:ext uri="{28A0092B-C50C-407E-A947-70E740481C1C}">
+                <a14:useLocalDpi xmlns:a14="http://schemas.microsoft.com/office/drawing/2010/main" val="0"/>
+              </a:ext>
+            </a:extLst>
+          </a:blip>
+          <a:stretch>
+            <a:fillRect/>
+          </a:stretch>
+        </p:blipFill>
+        <p:spPr>
+          <a:xfrm>
+            <a:off x="5156555" y="2176205"/>
+            <a:ext cx="380998" cy="380998"/>
+          </a:xfrm>
+          <a:prstGeom prst="rect">
+            <a:avLst/>
+          </a:prstGeom>
+        </p:spPr>
+      </p:pic>
+      <p:sp>
+        <p:nvSpPr>
+          <p:cNvPr id="27" name="TextBox 26">
+            <a:extLst>
+              <a:ext uri="{FF2B5EF4-FFF2-40B4-BE49-F238E27FC236}">
+                <a16:creationId xmlns:a16="http://schemas.microsoft.com/office/drawing/2014/main" id="{8DA58F72-E2F1-4BB7-A451-31EA92EDE44E}"/>
+              </a:ext>
+            </a:extLst>
+          </p:cNvPr>
+          <p:cNvSpPr txBox="1"/>
+          <p:nvPr/>
+        </p:nvSpPr>
+        <p:spPr>
+          <a:xfrm>
+            <a:off x="4927891" y="2977276"/>
+            <a:ext cx="1767150" cy="338554"/>
+          </a:xfrm>
+          <a:prstGeom prst="rect">
+            <a:avLst/>
+          </a:prstGeom>
+          <a:noFill/>
+        </p:spPr>
+        <p:txBody>
+          <a:bodyPr wrap="none" rtlCol="0">
+            <a:spAutoFit/>
+          </a:bodyPr>
+          <a:lstStyle/>
+          <a:p>
+            <a:r>
+              <a:rPr lang="en-US" sz="1600" dirty="0"/>
+              <a:t>File Upload Service</a:t>
+            </a:r>
+          </a:p>
+        </p:txBody>
+      </p:sp>
+      <p:pic>
+        <p:nvPicPr>
+          <p:cNvPr id="29" name="Picture 28">
+            <a:extLst>
+              <a:ext uri="{FF2B5EF4-FFF2-40B4-BE49-F238E27FC236}">
+                <a16:creationId xmlns:a16="http://schemas.microsoft.com/office/drawing/2014/main" id="{2C7457AD-EDF2-43EA-A1C9-DCFA2C6D14AE}"/>
+              </a:ext>
+            </a:extLst>
+          </p:cNvPr>
+          <p:cNvPicPr>
+            <a:picLocks noChangeAspect="1"/>
+          </p:cNvPicPr>
+          <p:nvPr/>
+        </p:nvPicPr>
+        <p:blipFill>
+          <a:blip r:embed="rId3">
+            <a:extLst>
+              <a:ext uri="{28A0092B-C50C-407E-A947-70E740481C1C}">
+                <a14:useLocalDpi xmlns:a14="http://schemas.microsoft.com/office/drawing/2010/main" val="0"/>
+              </a:ext>
+            </a:extLst>
+          </a:blip>
+          <a:stretch>
+            <a:fillRect/>
+          </a:stretch>
+        </p:blipFill>
+        <p:spPr>
+          <a:xfrm>
+            <a:off x="5419010" y="2177110"/>
+            <a:ext cx="380998" cy="380998"/>
+          </a:xfrm>
+          <a:prstGeom prst="rect">
+            <a:avLst/>
+          </a:prstGeom>
+        </p:spPr>
+      </p:pic>
+      <p:pic>
+        <p:nvPicPr>
+          <p:cNvPr id="30" name="Picture 29">
+            <a:extLst>
+              <a:ext uri="{FF2B5EF4-FFF2-40B4-BE49-F238E27FC236}">
+                <a16:creationId xmlns:a16="http://schemas.microsoft.com/office/drawing/2014/main" id="{9389DF74-489D-420C-BFD3-7407D97AC7AB}"/>
+              </a:ext>
+            </a:extLst>
+          </p:cNvPr>
+          <p:cNvPicPr>
+            <a:picLocks noChangeAspect="1"/>
+          </p:cNvPicPr>
+          <p:nvPr/>
+        </p:nvPicPr>
+        <p:blipFill>
+          <a:blip r:embed="rId3">
+            <a:extLst>
+              <a:ext uri="{28A0092B-C50C-407E-A947-70E740481C1C}">
+                <a14:useLocalDpi xmlns:a14="http://schemas.microsoft.com/office/drawing/2010/main" val="0"/>
+              </a:ext>
+            </a:extLst>
+          </a:blip>
+          <a:stretch>
+            <a:fillRect/>
+          </a:stretch>
+        </p:blipFill>
+        <p:spPr>
+          <a:xfrm>
+            <a:off x="5158977" y="2557207"/>
+            <a:ext cx="380998" cy="380998"/>
+          </a:xfrm>
+          <a:prstGeom prst="rect">
+            <a:avLst/>
+          </a:prstGeom>
+        </p:spPr>
+      </p:pic>
+      <p:pic>
+        <p:nvPicPr>
+          <p:cNvPr id="32" name="Picture 31">
+            <a:extLst>
+              <a:ext uri="{FF2B5EF4-FFF2-40B4-BE49-F238E27FC236}">
+                <a16:creationId xmlns:a16="http://schemas.microsoft.com/office/drawing/2014/main" id="{8D8CB5D1-B46C-4DCC-B4CC-C541D05A5399}"/>
+              </a:ext>
+            </a:extLst>
+          </p:cNvPr>
+          <p:cNvPicPr>
+            <a:picLocks noChangeAspect="1"/>
+          </p:cNvPicPr>
+          <p:nvPr/>
+        </p:nvPicPr>
+        <p:blipFill>
+          <a:blip r:embed="rId3">
+            <a:extLst>
+              <a:ext uri="{28A0092B-C50C-407E-A947-70E740481C1C}">
+                <a14:useLocalDpi xmlns:a14="http://schemas.microsoft.com/office/drawing/2010/main" val="0"/>
+              </a:ext>
+            </a:extLst>
+          </a:blip>
+          <a:stretch>
+            <a:fillRect/>
+          </a:stretch>
+        </p:blipFill>
+        <p:spPr>
+          <a:xfrm>
+            <a:off x="5421432" y="2558112"/>
+            <a:ext cx="380998" cy="380998"/>
+          </a:xfrm>
+          <a:prstGeom prst="rect">
+            <a:avLst/>
+          </a:prstGeom>
+        </p:spPr>
+      </p:pic>
+      <p:cxnSp>
+        <p:nvCxnSpPr>
+          <p:cNvPr id="33" name="Straight Arrow Connector 32">
+            <a:extLst>
+              <a:ext uri="{FF2B5EF4-FFF2-40B4-BE49-F238E27FC236}">
+                <a16:creationId xmlns:a16="http://schemas.microsoft.com/office/drawing/2014/main" id="{16082F41-327A-499A-8AC1-F37EE0F0B421}"/>
+              </a:ext>
+            </a:extLst>
+          </p:cNvPr>
+          <p:cNvCxnSpPr>
+            <a:cxnSpLocks/>
+            <a:stCxn id="14" idx="3"/>
+            <a:endCxn id="30" idx="1"/>
+          </p:cNvCxnSpPr>
+          <p:nvPr/>
+        </p:nvCxnSpPr>
+        <p:spPr>
+          <a:xfrm>
+            <a:off x="4767072" y="2548981"/>
+            <a:ext cx="391905" cy="198725"/>
+          </a:xfrm>
+          <a:prstGeom prst="straightConnector1">
+            <a:avLst/>
+          </a:prstGeom>
+          <a:ln>
+            <a:headEnd type="triangle"/>
+            <a:tailEnd type="triangle"/>
+          </a:ln>
+        </p:spPr>
+        <p:style>
+          <a:lnRef idx="1">
+            <a:schemeClr val="accent1"/>
+          </a:lnRef>
+          <a:fillRef idx="0">
+            <a:schemeClr val="accent1"/>
+          </a:fillRef>
+          <a:effectRef idx="0">
+            <a:schemeClr val="accent1"/>
+          </a:effectRef>
+          <a:fontRef idx="minor">
+            <a:schemeClr val="tx1"/>
+          </a:fontRef>
+        </p:style>
+      </p:cxnSp>
+      <p:pic>
+        <p:nvPicPr>
+          <p:cNvPr id="34" name="Picture 33">
+            <a:extLst>
+              <a:ext uri="{FF2B5EF4-FFF2-40B4-BE49-F238E27FC236}">
+                <a16:creationId xmlns:a16="http://schemas.microsoft.com/office/drawing/2014/main" id="{10C4C115-ADDD-4A24-A96C-4D85EBC61FEB}"/>
+              </a:ext>
+            </a:extLst>
+          </p:cNvPr>
+          <p:cNvPicPr>
+            <a:picLocks noChangeAspect="1"/>
+          </p:cNvPicPr>
+          <p:nvPr/>
+        </p:nvPicPr>
+        <p:blipFill>
+          <a:blip r:embed="rId8">
+            <a:extLst>
+              <a:ext uri="{28A0092B-C50C-407E-A947-70E740481C1C}">
+                <a14:useLocalDpi xmlns:a14="http://schemas.microsoft.com/office/drawing/2010/main" val="0"/>
+              </a:ext>
+            </a:extLst>
+          </a:blip>
+          <a:stretch>
+            <a:fillRect/>
+          </a:stretch>
+        </p:blipFill>
+        <p:spPr>
+          <a:xfrm>
+            <a:off x="8554391" y="2527171"/>
+            <a:ext cx="220535" cy="220535"/>
+          </a:xfrm>
+          <a:prstGeom prst="rect">
+            <a:avLst/>
+          </a:prstGeom>
+        </p:spPr>
+      </p:pic>
+      <p:pic>
+        <p:nvPicPr>
+          <p:cNvPr id="36" name="Picture 35">
+            <a:extLst>
+              <a:ext uri="{FF2B5EF4-FFF2-40B4-BE49-F238E27FC236}">
+                <a16:creationId xmlns:a16="http://schemas.microsoft.com/office/drawing/2014/main" id="{FB772AA8-A3E2-46FD-A6CD-E3DC3D7E26A5}"/>
+              </a:ext>
+            </a:extLst>
+          </p:cNvPr>
+          <p:cNvPicPr>
+            <a:picLocks noChangeAspect="1"/>
+          </p:cNvPicPr>
+          <p:nvPr/>
+        </p:nvPicPr>
+        <p:blipFill>
+          <a:blip r:embed="rId8">
+            <a:extLst>
+              <a:ext uri="{28A0092B-C50C-407E-A947-70E740481C1C}">
+                <a14:useLocalDpi xmlns:a14="http://schemas.microsoft.com/office/drawing/2010/main" val="0"/>
+              </a:ext>
+            </a:extLst>
+          </a:blip>
+          <a:stretch>
+            <a:fillRect/>
+          </a:stretch>
+        </p:blipFill>
+        <p:spPr>
+          <a:xfrm>
+            <a:off x="8682690" y="2336668"/>
+            <a:ext cx="220535" cy="220535"/>
+          </a:xfrm>
+          <a:prstGeom prst="rect">
+            <a:avLst/>
+          </a:prstGeom>
+        </p:spPr>
+      </p:pic>
+      <p:pic>
+        <p:nvPicPr>
+          <p:cNvPr id="37" name="Picture 36">
+            <a:extLst>
+              <a:ext uri="{FF2B5EF4-FFF2-40B4-BE49-F238E27FC236}">
+                <a16:creationId xmlns:a16="http://schemas.microsoft.com/office/drawing/2014/main" id="{07CE1CF4-6E40-46B4-8086-0D0B3BBB3B78}"/>
+              </a:ext>
+            </a:extLst>
+          </p:cNvPr>
+          <p:cNvPicPr>
+            <a:picLocks noChangeAspect="1"/>
+          </p:cNvPicPr>
+          <p:nvPr/>
+        </p:nvPicPr>
+        <p:blipFill>
+          <a:blip r:embed="rId8">
+            <a:extLst>
+              <a:ext uri="{28A0092B-C50C-407E-A947-70E740481C1C}">
+                <a14:useLocalDpi xmlns:a14="http://schemas.microsoft.com/office/drawing/2010/main" val="0"/>
+              </a:ext>
+            </a:extLst>
+          </a:blip>
+          <a:stretch>
+            <a:fillRect/>
+          </a:stretch>
+        </p:blipFill>
+        <p:spPr>
+          <a:xfrm>
+            <a:off x="8785949" y="2527171"/>
+            <a:ext cx="220535" cy="220535"/>
+          </a:xfrm>
+          <a:prstGeom prst="rect">
+            <a:avLst/>
+          </a:prstGeom>
+        </p:spPr>
+      </p:pic>
+      <p:pic>
+        <p:nvPicPr>
+          <p:cNvPr id="38" name="Picture 37">
+            <a:extLst>
+              <a:ext uri="{FF2B5EF4-FFF2-40B4-BE49-F238E27FC236}">
+                <a16:creationId xmlns:a16="http://schemas.microsoft.com/office/drawing/2014/main" id="{2885A3D5-C7F2-4F77-B2D1-6E3030C060F7}"/>
+              </a:ext>
+            </a:extLst>
+          </p:cNvPr>
+          <p:cNvPicPr>
+            <a:picLocks noChangeAspect="1"/>
+          </p:cNvPicPr>
+          <p:nvPr/>
+        </p:nvPicPr>
+        <p:blipFill>
+          <a:blip r:embed="rId3">
+            <a:extLst>
+              <a:ext uri="{28A0092B-C50C-407E-A947-70E740481C1C}">
+                <a14:useLocalDpi xmlns:a14="http://schemas.microsoft.com/office/drawing/2010/main" val="0"/>
+              </a:ext>
+            </a:extLst>
+          </a:blip>
+          <a:stretch>
+            <a:fillRect/>
+          </a:stretch>
+        </p:blipFill>
+        <p:spPr>
+          <a:xfrm>
+            <a:off x="5168013" y="3760011"/>
+            <a:ext cx="380998" cy="380998"/>
+          </a:xfrm>
+          <a:prstGeom prst="rect">
+            <a:avLst/>
+          </a:prstGeom>
+        </p:spPr>
+      </p:pic>
+      <p:pic>
+        <p:nvPicPr>
+          <p:cNvPr id="39" name="Picture 38">
+            <a:extLst>
+              <a:ext uri="{FF2B5EF4-FFF2-40B4-BE49-F238E27FC236}">
+                <a16:creationId xmlns:a16="http://schemas.microsoft.com/office/drawing/2014/main" id="{75639B65-F607-48CB-B356-9148B049421F}"/>
+              </a:ext>
+            </a:extLst>
+          </p:cNvPr>
+          <p:cNvPicPr>
+            <a:picLocks noChangeAspect="1"/>
+          </p:cNvPicPr>
+          <p:nvPr/>
+        </p:nvPicPr>
+        <p:blipFill>
+          <a:blip r:embed="rId3">
+            <a:extLst>
+              <a:ext uri="{28A0092B-C50C-407E-A947-70E740481C1C}">
+                <a14:useLocalDpi xmlns:a14="http://schemas.microsoft.com/office/drawing/2010/main" val="0"/>
+              </a:ext>
+            </a:extLst>
+          </a:blip>
+          <a:stretch>
+            <a:fillRect/>
+          </a:stretch>
+        </p:blipFill>
+        <p:spPr>
+          <a:xfrm>
+            <a:off x="5430468" y="3760916"/>
+            <a:ext cx="380998" cy="380998"/>
+          </a:xfrm>
+          <a:prstGeom prst="rect">
+            <a:avLst/>
+          </a:prstGeom>
+        </p:spPr>
+      </p:pic>
+      <p:pic>
+        <p:nvPicPr>
+          <p:cNvPr id="40" name="Picture 39">
+            <a:extLst>
+              <a:ext uri="{FF2B5EF4-FFF2-40B4-BE49-F238E27FC236}">
+                <a16:creationId xmlns:a16="http://schemas.microsoft.com/office/drawing/2014/main" id="{F7529474-0F4A-4622-A16A-B83B543EABF7}"/>
+              </a:ext>
+            </a:extLst>
+          </p:cNvPr>
+          <p:cNvPicPr>
+            <a:picLocks noChangeAspect="1"/>
+          </p:cNvPicPr>
+          <p:nvPr/>
+        </p:nvPicPr>
+        <p:blipFill>
+          <a:blip r:embed="rId3">
+            <a:extLst>
+              <a:ext uri="{28A0092B-C50C-407E-A947-70E740481C1C}">
+                <a14:useLocalDpi xmlns:a14="http://schemas.microsoft.com/office/drawing/2010/main" val="0"/>
+              </a:ext>
+            </a:extLst>
+          </a:blip>
+          <a:stretch>
+            <a:fillRect/>
+          </a:stretch>
+        </p:blipFill>
+        <p:spPr>
+          <a:xfrm>
+            <a:off x="5170435" y="4141013"/>
+            <a:ext cx="380998" cy="380998"/>
+          </a:xfrm>
+          <a:prstGeom prst="rect">
+            <a:avLst/>
+          </a:prstGeom>
+        </p:spPr>
+      </p:pic>
+      <p:pic>
+        <p:nvPicPr>
+          <p:cNvPr id="41" name="Picture 40">
+            <a:extLst>
+              <a:ext uri="{FF2B5EF4-FFF2-40B4-BE49-F238E27FC236}">
+                <a16:creationId xmlns:a16="http://schemas.microsoft.com/office/drawing/2014/main" id="{A0D52036-36CF-4171-A235-FC53C8F7A453}"/>
+              </a:ext>
+            </a:extLst>
+          </p:cNvPr>
+          <p:cNvPicPr>
+            <a:picLocks noChangeAspect="1"/>
+          </p:cNvPicPr>
+          <p:nvPr/>
+        </p:nvPicPr>
+        <p:blipFill>
+          <a:blip r:embed="rId3">
+            <a:extLst>
+              <a:ext uri="{28A0092B-C50C-407E-A947-70E740481C1C}">
+                <a14:useLocalDpi xmlns:a14="http://schemas.microsoft.com/office/drawing/2010/main" val="0"/>
+              </a:ext>
+            </a:extLst>
+          </a:blip>
+          <a:stretch>
+            <a:fillRect/>
+          </a:stretch>
+        </p:blipFill>
+        <p:spPr>
+          <a:xfrm>
+            <a:off x="5432890" y="4141918"/>
+            <a:ext cx="380998" cy="380998"/>
+          </a:xfrm>
+          <a:prstGeom prst="rect">
+            <a:avLst/>
+          </a:prstGeom>
+        </p:spPr>
+      </p:pic>
+      <p:sp>
+        <p:nvSpPr>
+          <p:cNvPr id="42" name="TextBox 41">
+            <a:extLst>
+              <a:ext uri="{FF2B5EF4-FFF2-40B4-BE49-F238E27FC236}">
+                <a16:creationId xmlns:a16="http://schemas.microsoft.com/office/drawing/2014/main" id="{C64CA6D8-3637-433E-A7BB-6D2D6D686373}"/>
+              </a:ext>
+            </a:extLst>
+          </p:cNvPr>
+          <p:cNvSpPr txBox="1"/>
+          <p:nvPr/>
+        </p:nvSpPr>
+        <p:spPr>
+          <a:xfrm>
+            <a:off x="4927891" y="4621413"/>
+            <a:ext cx="2017988" cy="338554"/>
+          </a:xfrm>
+          <a:prstGeom prst="rect">
+            <a:avLst/>
+          </a:prstGeom>
+          <a:noFill/>
+        </p:spPr>
+        <p:txBody>
+          <a:bodyPr wrap="none" rtlCol="0">
+            <a:spAutoFit/>
+          </a:bodyPr>
+          <a:lstStyle/>
+          <a:p>
+            <a:r>
+              <a:rPr lang="en-US" sz="1600" dirty="0"/>
+              <a:t>File Download Service</a:t>
+            </a:r>
+          </a:p>
+        </p:txBody>
+      </p:sp>
+      <p:cxnSp>
+        <p:nvCxnSpPr>
+          <p:cNvPr id="43" name="Straight Arrow Connector 42">
+            <a:extLst>
+              <a:ext uri="{FF2B5EF4-FFF2-40B4-BE49-F238E27FC236}">
+                <a16:creationId xmlns:a16="http://schemas.microsoft.com/office/drawing/2014/main" id="{F1C90F01-2A6A-4417-8DEB-34B0973359C6}"/>
+              </a:ext>
+            </a:extLst>
+          </p:cNvPr>
+          <p:cNvCxnSpPr>
+            <a:cxnSpLocks/>
+            <a:stCxn id="21" idx="2"/>
+            <a:endCxn id="41" idx="3"/>
+          </p:cNvCxnSpPr>
+          <p:nvPr/>
+        </p:nvCxnSpPr>
+        <p:spPr>
+          <a:xfrm flipH="1">
+            <a:off x="5813888" y="2910963"/>
+            <a:ext cx="2961039" cy="1421454"/>
+          </a:xfrm>
+          <a:prstGeom prst="straightConnector1">
+            <a:avLst/>
+          </a:prstGeom>
+          <a:ln>
+            <a:tailEnd type="triangle"/>
+          </a:ln>
+        </p:spPr>
+        <p:style>
+          <a:lnRef idx="1">
+            <a:schemeClr val="accent1"/>
+          </a:lnRef>
+          <a:fillRef idx="0">
+            <a:schemeClr val="accent1"/>
+          </a:fillRef>
+          <a:effectRef idx="0">
+            <a:schemeClr val="accent1"/>
+          </a:effectRef>
+          <a:fontRef idx="minor">
+            <a:schemeClr val="tx1"/>
+          </a:fontRef>
+        </p:style>
+      </p:cxnSp>
+      <p:cxnSp>
+        <p:nvCxnSpPr>
+          <p:cNvPr id="46" name="Straight Arrow Connector 45">
+            <a:extLst>
+              <a:ext uri="{FF2B5EF4-FFF2-40B4-BE49-F238E27FC236}">
+                <a16:creationId xmlns:a16="http://schemas.microsoft.com/office/drawing/2014/main" id="{9444415A-F3E8-415D-9EF9-164118F77F1E}"/>
+              </a:ext>
+            </a:extLst>
+          </p:cNvPr>
+          <p:cNvCxnSpPr>
+            <a:cxnSpLocks/>
+          </p:cNvCxnSpPr>
+          <p:nvPr/>
+        </p:nvCxnSpPr>
+        <p:spPr>
+          <a:xfrm flipH="1" flipV="1">
+            <a:off x="3333412" y="3509706"/>
+            <a:ext cx="1707715" cy="633113"/>
+          </a:xfrm>
+          <a:prstGeom prst="straightConnector1">
+            <a:avLst/>
+          </a:prstGeom>
+          <a:ln>
+            <a:tailEnd type="triangle"/>
+          </a:ln>
+        </p:spPr>
+        <p:style>
+          <a:lnRef idx="1">
+            <a:schemeClr val="accent1"/>
+          </a:lnRef>
+          <a:fillRef idx="0">
+            <a:schemeClr val="accent1"/>
+          </a:fillRef>
+          <a:effectRef idx="0">
+            <a:schemeClr val="accent1"/>
+          </a:effectRef>
+          <a:fontRef idx="minor">
+            <a:schemeClr val="tx1"/>
+          </a:fontRef>
+        </p:style>
+      </p:cxnSp>
+    </p:spTree>
+    <p:extLst>
+      <p:ext uri="{BB962C8B-B14F-4D97-AF65-F5344CB8AC3E}">
+        <p14:creationId xmlns:p14="http://schemas.microsoft.com/office/powerpoint/2010/main" val="1774794477"/>
       </p:ext>
     </p:extLst>
   </p:cSld>

--- a/CloudStorage.pptx
+++ b/CloudStorage.pptx
@@ -7,8 +7,9 @@
   <p:sldIdLst>
     <p:sldId id="256" r:id="rId2"/>
     <p:sldId id="257" r:id="rId3"/>
-    <p:sldId id="258" r:id="rId4"/>
-    <p:sldId id="259" r:id="rId5"/>
+    <p:sldId id="259" r:id="rId4"/>
+    <p:sldId id="260" r:id="rId5"/>
+    <p:sldId id="261" r:id="rId6"/>
   </p:sldIdLst>
   <p:sldSz cx="12192000" cy="6858000"/>
   <p:notesSz cx="6858000" cy="9144000"/>
@@ -262,7 +263,7 @@
           <a:p>
             <a:fld id="{F8CF6AE2-A0FC-44DC-A05B-B063A26E2107}" type="datetimeFigureOut">
               <a:rPr lang="en-US" smtClean="0"/>
-              <a:t>3/24/2022</a:t>
+              <a:t>3/26/2022</a:t>
             </a:fld>
             <a:endParaRPr lang="en-US"/>
           </a:p>
@@ -460,7 +461,7 @@
           <a:p>
             <a:fld id="{F8CF6AE2-A0FC-44DC-A05B-B063A26E2107}" type="datetimeFigureOut">
               <a:rPr lang="en-US" smtClean="0"/>
-              <a:t>3/24/2022</a:t>
+              <a:t>3/26/2022</a:t>
             </a:fld>
             <a:endParaRPr lang="en-US"/>
           </a:p>
@@ -668,7 +669,7 @@
           <a:p>
             <a:fld id="{F8CF6AE2-A0FC-44DC-A05B-B063A26E2107}" type="datetimeFigureOut">
               <a:rPr lang="en-US" smtClean="0"/>
-              <a:t>3/24/2022</a:t>
+              <a:t>3/26/2022</a:t>
             </a:fld>
             <a:endParaRPr lang="en-US"/>
           </a:p>
@@ -866,7 +867,7 @@
           <a:p>
             <a:fld id="{F8CF6AE2-A0FC-44DC-A05B-B063A26E2107}" type="datetimeFigureOut">
               <a:rPr lang="en-US" smtClean="0"/>
-              <a:t>3/24/2022</a:t>
+              <a:t>3/26/2022</a:t>
             </a:fld>
             <a:endParaRPr lang="en-US"/>
           </a:p>
@@ -1141,7 +1142,7 @@
           <a:p>
             <a:fld id="{F8CF6AE2-A0FC-44DC-A05B-B063A26E2107}" type="datetimeFigureOut">
               <a:rPr lang="en-US" smtClean="0"/>
-              <a:t>3/24/2022</a:t>
+              <a:t>3/26/2022</a:t>
             </a:fld>
             <a:endParaRPr lang="en-US"/>
           </a:p>
@@ -1406,7 +1407,7 @@
           <a:p>
             <a:fld id="{F8CF6AE2-A0FC-44DC-A05B-B063A26E2107}" type="datetimeFigureOut">
               <a:rPr lang="en-US" smtClean="0"/>
-              <a:t>3/24/2022</a:t>
+              <a:t>3/26/2022</a:t>
             </a:fld>
             <a:endParaRPr lang="en-US"/>
           </a:p>
@@ -1818,7 +1819,7 @@
           <a:p>
             <a:fld id="{F8CF6AE2-A0FC-44DC-A05B-B063A26E2107}" type="datetimeFigureOut">
               <a:rPr lang="en-US" smtClean="0"/>
-              <a:t>3/24/2022</a:t>
+              <a:t>3/26/2022</a:t>
             </a:fld>
             <a:endParaRPr lang="en-US"/>
           </a:p>
@@ -1959,7 +1960,7 @@
           <a:p>
             <a:fld id="{F8CF6AE2-A0FC-44DC-A05B-B063A26E2107}" type="datetimeFigureOut">
               <a:rPr lang="en-US" smtClean="0"/>
-              <a:t>3/24/2022</a:t>
+              <a:t>3/26/2022</a:t>
             </a:fld>
             <a:endParaRPr lang="en-US"/>
           </a:p>
@@ -2072,7 +2073,7 @@
           <a:p>
             <a:fld id="{F8CF6AE2-A0FC-44DC-A05B-B063A26E2107}" type="datetimeFigureOut">
               <a:rPr lang="en-US" smtClean="0"/>
-              <a:t>3/24/2022</a:t>
+              <a:t>3/26/2022</a:t>
             </a:fld>
             <a:endParaRPr lang="en-US"/>
           </a:p>
@@ -2383,7 +2384,7 @@
           <a:p>
             <a:fld id="{F8CF6AE2-A0FC-44DC-A05B-B063A26E2107}" type="datetimeFigureOut">
               <a:rPr lang="en-US" smtClean="0"/>
-              <a:t>3/24/2022</a:t>
+              <a:t>3/26/2022</a:t>
             </a:fld>
             <a:endParaRPr lang="en-US"/>
           </a:p>
@@ -2671,7 +2672,7 @@
           <a:p>
             <a:fld id="{F8CF6AE2-A0FC-44DC-A05B-B063A26E2107}" type="datetimeFigureOut">
               <a:rPr lang="en-US" smtClean="0"/>
-              <a:t>3/24/2022</a:t>
+              <a:t>3/26/2022</a:t>
             </a:fld>
             <a:endParaRPr lang="en-US"/>
           </a:p>
@@ -2912,7 +2913,7 @@
           <a:p>
             <a:fld id="{F8CF6AE2-A0FC-44DC-A05B-B063A26E2107}" type="datetimeFigureOut">
               <a:rPr lang="en-US" smtClean="0"/>
-              <a:t>3/24/2022</a:t>
+              <a:t>3/26/2022</a:t>
             </a:fld>
             <a:endParaRPr lang="en-US"/>
           </a:p>
@@ -3467,183 +3468,20 @@
       </p:cxnSp>
       <p:sp>
         <p:nvSpPr>
-          <p:cNvPr id="8" name="TextBox 7">
-            <a:extLst>
-              <a:ext uri="{FF2B5EF4-FFF2-40B4-BE49-F238E27FC236}">
-                <a16:creationId xmlns:a16="http://schemas.microsoft.com/office/drawing/2014/main" id="{BD95596C-DBC0-418D-A9AE-9F90496E09C8}"/>
-              </a:ext>
-            </a:extLst>
-          </p:cNvPr>
-          <p:cNvSpPr txBox="1"/>
+          <p:cNvPr id="2" name="Rectangle 1">
+            <a:extLst>
+              <a:ext uri="{FF2B5EF4-FFF2-40B4-BE49-F238E27FC236}">
+                <a16:creationId xmlns:a16="http://schemas.microsoft.com/office/drawing/2014/main" id="{EF97E8D7-327D-4C96-BB1D-70228FCF55AB}"/>
+              </a:ext>
+            </a:extLst>
+          </p:cNvPr>
+          <p:cNvSpPr/>
           <p:nvPr/>
         </p:nvSpPr>
         <p:spPr>
           <a:xfrm>
-            <a:off x="7752920" y="1100859"/>
-            <a:ext cx="3450945" cy="2246769"/>
-          </a:xfrm>
-          <a:prstGeom prst="rect">
-            <a:avLst/>
-          </a:prstGeom>
-          <a:noFill/>
-        </p:spPr>
-        <p:txBody>
-          <a:bodyPr wrap="none" rtlCol="0">
-            <a:spAutoFit/>
-          </a:bodyPr>
-          <a:lstStyle/>
-          <a:p>
-            <a:r>
-              <a:rPr lang="en-US" sz="2000" dirty="0"/>
-              <a:t>Functional</a:t>
-            </a:r>
-          </a:p>
-          <a:p>
-            <a:pPr marL="342900" indent="-342900">
-              <a:buFontTx/>
-              <a:buChar char="-"/>
-            </a:pPr>
-            <a:r>
-              <a:rPr lang="en-US" sz="2000" dirty="0"/>
-              <a:t>1M user connections</a:t>
-            </a:r>
-          </a:p>
-          <a:p>
-            <a:pPr marL="342900" indent="-342900">
-              <a:buFontTx/>
-              <a:buChar char="-"/>
-            </a:pPr>
-            <a:r>
-              <a:rPr lang="en-US" sz="2000" dirty="0"/>
-              <a:t>Mobile </a:t>
-            </a:r>
-            <a:r>
-              <a:rPr lang="en-US" sz="2000" dirty="0" err="1"/>
-              <a:t>Targetted</a:t>
-            </a:r>
-            <a:endParaRPr lang="en-US" sz="2000" dirty="0"/>
-          </a:p>
-          <a:p>
-            <a:pPr marL="342900" indent="-342900">
-              <a:buFontTx/>
-              <a:buChar char="-"/>
-            </a:pPr>
-            <a:r>
-              <a:rPr lang="en-US" sz="2000" dirty="0"/>
-              <a:t>Save location data on 1 year</a:t>
-            </a:r>
-          </a:p>
-          <a:p>
-            <a:pPr marL="342900" indent="-342900">
-              <a:buFontTx/>
-              <a:buChar char="-"/>
-            </a:pPr>
-            <a:r>
-              <a:rPr lang="en-US" sz="2000" dirty="0"/>
-              <a:t>GPS based location sharing</a:t>
-            </a:r>
-          </a:p>
-          <a:p>
-            <a:pPr marL="342900" indent="-342900">
-              <a:buFontTx/>
-              <a:buChar char="-"/>
-            </a:pPr>
-            <a:r>
-              <a:rPr lang="en-US" sz="2000" dirty="0"/>
-              <a:t>5 seconds term</a:t>
-            </a:r>
-          </a:p>
-          <a:p>
-            <a:pPr marL="342900" indent="-342900">
-              <a:buFontTx/>
-              <a:buChar char="-"/>
-            </a:pPr>
-            <a:endParaRPr lang="en-US" sz="2000" dirty="0"/>
-          </a:p>
-        </p:txBody>
-      </p:sp>
-      <p:sp>
-        <p:nvSpPr>
-          <p:cNvPr id="9" name="TextBox 8">
-            <a:extLst>
-              <a:ext uri="{FF2B5EF4-FFF2-40B4-BE49-F238E27FC236}">
-                <a16:creationId xmlns:a16="http://schemas.microsoft.com/office/drawing/2014/main" id="{7AC1A8C8-C0F1-405A-BF02-009E996025B9}"/>
-              </a:ext>
-            </a:extLst>
-          </p:cNvPr>
-          <p:cNvSpPr txBox="1"/>
-          <p:nvPr/>
-        </p:nvSpPr>
-        <p:spPr>
-          <a:xfrm>
-            <a:off x="7752920" y="3717937"/>
-            <a:ext cx="1792478" cy="1323439"/>
-          </a:xfrm>
-          <a:prstGeom prst="rect">
-            <a:avLst/>
-          </a:prstGeom>
-          <a:noFill/>
-        </p:spPr>
-        <p:txBody>
-          <a:bodyPr wrap="none" rtlCol="0">
-            <a:spAutoFit/>
-          </a:bodyPr>
-          <a:lstStyle/>
-          <a:p>
-            <a:r>
-              <a:rPr lang="en-US" sz="2000" dirty="0"/>
-              <a:t>Non-Functional</a:t>
-            </a:r>
-          </a:p>
-          <a:p>
-            <a:pPr marL="342900" indent="-342900">
-              <a:buFontTx/>
-              <a:buChar char="-"/>
-            </a:pPr>
-            <a:r>
-              <a:rPr lang="en-US" sz="2000" dirty="0"/>
-              <a:t>Reliable</a:t>
-            </a:r>
-          </a:p>
-          <a:p>
-            <a:pPr marL="342900" indent="-342900">
-              <a:buFontTx/>
-              <a:buChar char="-"/>
-            </a:pPr>
-            <a:r>
-              <a:rPr lang="en-US" sz="2000" dirty="0"/>
-              <a:t>Sustainable</a:t>
-            </a:r>
-          </a:p>
-          <a:p>
-            <a:pPr marL="342900" indent="-342900">
-              <a:buFontTx/>
-              <a:buChar char="-"/>
-            </a:pPr>
-            <a:r>
-              <a:rPr lang="en-US" sz="2000" dirty="0" err="1"/>
-              <a:t>Scaleable</a:t>
-            </a:r>
-            <a:endParaRPr lang="en-US" sz="2000" dirty="0"/>
-          </a:p>
-        </p:txBody>
-      </p:sp>
-      <p:sp>
-        <p:nvSpPr>
-          <p:cNvPr id="2" name="Rectangle 1">
-            <a:extLst>
-              <a:ext uri="{FF2B5EF4-FFF2-40B4-BE49-F238E27FC236}">
-                <a16:creationId xmlns:a16="http://schemas.microsoft.com/office/drawing/2014/main" id="{EF97E8D7-327D-4C96-BB1D-70228FCF55AB}"/>
-              </a:ext>
-            </a:extLst>
-          </p:cNvPr>
-          <p:cNvSpPr/>
-          <p:nvPr/>
-        </p:nvSpPr>
-        <p:spPr>
-          <a:xfrm>
-            <a:off x="432021" y="763282"/>
-            <a:ext cx="6096000" cy="5909310"/>
+            <a:off x="227805" y="739428"/>
+            <a:ext cx="6096000" cy="3785652"/>
           </a:xfrm>
           <a:prstGeom prst="rect">
             <a:avLst/>
@@ -3667,17 +3505,95 @@
                 <a:effectLst/>
                 <a:latin typeface="-apple-system"/>
               </a:rPr>
-              <a:t> </a:t>
-            </a:r>
-            <a:r>
-              <a:rPr lang="ko-KR" altLang="en-US" sz="1600" b="0" i="0" dirty="0">
+              <a:t> Target : Mobile, Tablet, PC</a:t>
+            </a:r>
+          </a:p>
+          <a:p>
+            <a:pPr>
+              <a:buFont typeface="+mj-lt"/>
+              <a:buAutoNum type="arabicPeriod"/>
+            </a:pPr>
+            <a:endParaRPr lang="en-US" sz="1600" dirty="0">
+              <a:solidFill>
+                <a:srgbClr val="424242"/>
+              </a:solidFill>
+              <a:latin typeface="-apple-system"/>
+            </a:endParaRPr>
+          </a:p>
+          <a:p>
+            <a:pPr>
+              <a:buFont typeface="+mj-lt"/>
+              <a:buAutoNum type="arabicPeriod"/>
+            </a:pPr>
+            <a:r>
+              <a:rPr lang="en-US" sz="1600" dirty="0">
+                <a:solidFill>
+                  <a:srgbClr val="424242"/>
+                </a:solidFill>
+                <a:latin typeface="-apple-system"/>
+              </a:rPr>
+              <a:t>File Upload : 10Gb size limit</a:t>
+            </a:r>
+            <a:br>
+              <a:rPr lang="en-US" sz="1600" dirty="0">
+                <a:solidFill>
+                  <a:srgbClr val="424242"/>
+                </a:solidFill>
+                <a:latin typeface="-apple-system"/>
+              </a:rPr>
+            </a:br>
+            <a:r>
+              <a:rPr lang="en-US" sz="1600" dirty="0">
+                <a:solidFill>
+                  <a:srgbClr val="424242"/>
+                </a:solidFill>
+                <a:latin typeface="-apple-system"/>
+              </a:rPr>
+              <a:t>  </a:t>
+            </a:r>
+          </a:p>
+          <a:p>
+            <a:pPr>
+              <a:buFont typeface="+mj-lt"/>
+              <a:buAutoNum type="arabicPeriod"/>
+            </a:pPr>
+            <a:r>
+              <a:rPr lang="en-US" sz="1600" dirty="0">
+                <a:solidFill>
+                  <a:srgbClr val="424242"/>
+                </a:solidFill>
+                <a:latin typeface="-apple-system"/>
+              </a:rPr>
+              <a:t> Download</a:t>
+            </a:r>
+          </a:p>
+          <a:p>
+            <a:pPr>
+              <a:buFont typeface="+mj-lt"/>
+              <a:buAutoNum type="arabicPeriod"/>
+            </a:pPr>
+            <a:endParaRPr lang="en-US" altLang="ko-KR" sz="1600" b="0" i="0" dirty="0">
+              <a:solidFill>
+                <a:srgbClr val="424242"/>
+              </a:solidFill>
+              <a:effectLst/>
+              <a:latin typeface="-apple-system"/>
+            </a:endParaRPr>
+          </a:p>
+          <a:p>
+            <a:pPr>
+              <a:buFont typeface="+mj-lt"/>
+              <a:buAutoNum type="arabicPeriod"/>
+            </a:pPr>
+            <a:r>
+              <a:rPr lang="en-US" altLang="ko-KR" sz="1600" b="0" i="0" dirty="0">
                 <a:solidFill>
                   <a:srgbClr val="424242"/>
                 </a:solidFill>
                 <a:effectLst/>
                 <a:latin typeface="-apple-system"/>
               </a:rPr>
-              <a:t>동기화 속도</a:t>
+              <a:t> Automatic synchronize</a:t>
             </a:r>
             <a:br>
               <a:rPr lang="en-US" altLang="ko-KR" sz="1600" b="0" i="0" dirty="0">
@@ -3688,44 +3604,53 @@
                 <a:latin typeface="-apple-system"/>
               </a:rPr>
             </a:br>
-            <a:r>
-              <a:rPr lang="en-US" altLang="ko-KR" sz="1400" b="0" i="0" dirty="0">
-                <a:solidFill>
-                  <a:srgbClr val="424242"/>
-                </a:solidFill>
-                <a:effectLst/>
-                <a:latin typeface="-apple-system"/>
-              </a:rPr>
-              <a:t>-&gt; </a:t>
-            </a:r>
-            <a:r>
-              <a:rPr lang="ko-KR" altLang="en-US" sz="1400" b="0" i="0" dirty="0" err="1">
-                <a:solidFill>
-                  <a:srgbClr val="424242"/>
-                </a:solidFill>
-                <a:effectLst/>
-                <a:latin typeface="-apple-system"/>
-              </a:rPr>
-              <a:t>머클</a:t>
-            </a:r>
-            <a:r>
-              <a:rPr lang="ko-KR" altLang="en-US" sz="1400" b="0" i="0" dirty="0">
-                <a:solidFill>
-                  <a:srgbClr val="424242"/>
-                </a:solidFill>
-                <a:effectLst/>
-                <a:latin typeface="-apple-system"/>
-              </a:rPr>
-              <a:t> 트리 사용</a:t>
-            </a:r>
-            <a:r>
-              <a:rPr lang="ko-KR" altLang="en-US" sz="1400" dirty="0">
+            <a:endParaRPr lang="en-US" altLang="ko-KR" sz="1600" dirty="0">
+              <a:solidFill>
+                <a:srgbClr val="424242"/>
+              </a:solidFill>
+              <a:latin typeface="-apple-system"/>
+            </a:endParaRPr>
+          </a:p>
+          <a:p>
+            <a:pPr>
+              <a:buFont typeface="+mj-lt"/>
+              <a:buAutoNum type="arabicPeriod"/>
+            </a:pPr>
+            <a:r>
+              <a:rPr lang="en-US" altLang="ko-KR" sz="1600" dirty="0">
                 <a:solidFill>
                   <a:srgbClr val="424242"/>
                 </a:solidFill>
                 <a:latin typeface="-apple-system"/>
               </a:rPr>
-              <a:t>해서 변경된 부분만 반영</a:t>
+              <a:t> </a:t>
+            </a:r>
+            <a:r>
+              <a:rPr lang="en-US" altLang="ko-KR" sz="1600" dirty="0" err="1">
+                <a:solidFill>
+                  <a:srgbClr val="424242"/>
+                </a:solidFill>
+                <a:latin typeface="-apple-system"/>
+              </a:rPr>
+              <a:t>Versionable</a:t>
+            </a:r>
+            <a:r>
+              <a:rPr lang="en-US" altLang="ko-KR" sz="1600" dirty="0">
+                <a:solidFill>
+                  <a:srgbClr val="424242"/>
+                </a:solidFill>
+                <a:latin typeface="-apple-system"/>
+              </a:rPr>
+              <a:t> : saving max 10 versions and dealing with </a:t>
+            </a:r>
+            <a:r>
+              <a:rPr lang="en-US" altLang="ko-KR" sz="1600" dirty="0" err="1">
+                <a:solidFill>
+                  <a:srgbClr val="424242"/>
+                </a:solidFill>
+                <a:latin typeface="-apple-system"/>
+              </a:rPr>
+              <a:t>conflic</a:t>
             </a:r>
             <a:br>
               <a:rPr lang="en-US" altLang="ko-KR" sz="1600" dirty="0">
@@ -3742,187 +3667,7 @@
                 </a:solidFill>
                 <a:latin typeface="-apple-system"/>
               </a:rPr>
-              <a:t>   </a:t>
-            </a:r>
-            <a:r>
-              <a:rPr lang="en-US" altLang="ko-KR" sz="1200" dirty="0">
-                <a:solidFill>
-                  <a:srgbClr val="424242"/>
-                </a:solidFill>
-                <a:latin typeface="-apple-system"/>
-              </a:rPr>
-              <a:t>-&gt; One</a:t>
-            </a:r>
-            <a:r>
-              <a:rPr lang="ko-KR" altLang="en-US" sz="1200" dirty="0">
-                <a:solidFill>
-                  <a:srgbClr val="424242"/>
-                </a:solidFill>
-                <a:latin typeface="-apple-system"/>
-              </a:rPr>
-              <a:t>노트같은 경우 가능하겠지만 한 파일에 대해 </a:t>
-            </a:r>
-            <a:r>
-              <a:rPr lang="ko-KR" altLang="en-US" sz="1200" dirty="0" err="1">
-                <a:solidFill>
-                  <a:srgbClr val="424242"/>
-                </a:solidFill>
-                <a:latin typeface="-apple-system"/>
-              </a:rPr>
-              <a:t>머클트리</a:t>
-            </a:r>
-            <a:r>
-              <a:rPr lang="ko-KR" altLang="en-US" sz="1200" dirty="0">
-                <a:solidFill>
-                  <a:srgbClr val="424242"/>
-                </a:solidFill>
-                <a:latin typeface="-apple-system"/>
-              </a:rPr>
-              <a:t> 구성이 힘들어 불가능</a:t>
-            </a:r>
-            <a:br>
-              <a:rPr lang="en-US" altLang="ko-KR" sz="1600" dirty="0">
-                <a:solidFill>
-                  <a:srgbClr val="424242"/>
-                </a:solidFill>
-                <a:latin typeface="-apple-system"/>
-              </a:rPr>
-            </a:br>
-            <a:r>
-              <a:rPr lang="en-US" altLang="ko-KR" sz="1400" dirty="0">
-                <a:solidFill>
-                  <a:srgbClr val="424242"/>
-                </a:solidFill>
-                <a:latin typeface="-apple-system"/>
-              </a:rPr>
-              <a:t>-&gt; </a:t>
-            </a:r>
-            <a:r>
-              <a:rPr lang="ko-KR" altLang="en-US" sz="1400" dirty="0">
-                <a:solidFill>
-                  <a:srgbClr val="424242"/>
-                </a:solidFill>
-                <a:latin typeface="-apple-system"/>
-              </a:rPr>
-              <a:t>업데이트 날짜 기준 변경된 파일만 반영</a:t>
-            </a:r>
-            <a:br>
-              <a:rPr lang="en-US" altLang="ko-KR" sz="1600" dirty="0">
-                <a:solidFill>
-                  <a:srgbClr val="424242"/>
-                </a:solidFill>
-                <a:latin typeface="-apple-system"/>
-              </a:rPr>
-            </a:br>
-            <a:r>
-              <a:rPr lang="en-US" altLang="ko-KR" sz="1600" dirty="0">
-                <a:solidFill>
-                  <a:srgbClr val="424242"/>
-                </a:solidFill>
-                <a:latin typeface="-apple-system"/>
-              </a:rPr>
-              <a:t>   </a:t>
-            </a:r>
-            <a:r>
-              <a:rPr lang="en-US" altLang="ko-KR" sz="1200" dirty="0">
-                <a:solidFill>
-                  <a:srgbClr val="424242"/>
-                </a:solidFill>
-                <a:latin typeface="-apple-system"/>
-              </a:rPr>
-              <a:t>-&gt; Make sense</a:t>
-            </a:r>
-            <a:endParaRPr lang="en-US" altLang="ko-KR" sz="1600" dirty="0">
-              <a:solidFill>
-                <a:srgbClr val="424242"/>
-              </a:solidFill>
-              <a:latin typeface="-apple-system"/>
-            </a:endParaRPr>
-          </a:p>
-          <a:p>
-            <a:pPr>
-              <a:buFont typeface="+mj-lt"/>
-              <a:buAutoNum type="arabicPeriod"/>
-            </a:pPr>
-            <a:r>
-              <a:rPr lang="en-US" altLang="ko-KR" sz="1600" dirty="0">
-                <a:solidFill>
-                  <a:srgbClr val="424242"/>
-                </a:solidFill>
-                <a:latin typeface="-apple-system"/>
-              </a:rPr>
-              <a:t> </a:t>
-            </a:r>
-            <a:r>
-              <a:rPr lang="ko-KR" altLang="en-US" sz="1600" dirty="0" err="1">
-                <a:solidFill>
-                  <a:srgbClr val="424242"/>
-                </a:solidFill>
-                <a:latin typeface="-apple-system"/>
-              </a:rPr>
-              <a:t>파일별</a:t>
-            </a:r>
-            <a:r>
-              <a:rPr lang="ko-KR" altLang="en-US" sz="1600" dirty="0">
-                <a:solidFill>
-                  <a:srgbClr val="424242"/>
-                </a:solidFill>
-                <a:latin typeface="-apple-system"/>
-              </a:rPr>
-              <a:t> 버전관리 여부</a:t>
-            </a:r>
-            <a:r>
-              <a:rPr lang="en-US" altLang="ko-KR" sz="1600" dirty="0">
-                <a:solidFill>
-                  <a:srgbClr val="424242"/>
-                </a:solidFill>
-                <a:latin typeface="-apple-system"/>
-              </a:rPr>
-              <a:t>?</a:t>
-            </a:r>
-            <a:br>
-              <a:rPr lang="en-US" altLang="ko-KR" sz="1600" dirty="0">
-                <a:solidFill>
-                  <a:srgbClr val="424242"/>
-                </a:solidFill>
-                <a:latin typeface="-apple-system"/>
-              </a:rPr>
-            </a:br>
-            <a:r>
-              <a:rPr lang="en-US" altLang="ko-KR" sz="1600" dirty="0">
-                <a:solidFill>
-                  <a:srgbClr val="424242"/>
-                </a:solidFill>
-                <a:latin typeface="-apple-system"/>
-              </a:rPr>
               <a:t>    </a:t>
-            </a:r>
-            <a:r>
-              <a:rPr lang="en-US" altLang="ko-KR" sz="1400" dirty="0">
-                <a:solidFill>
-                  <a:srgbClr val="424242"/>
-                </a:solidFill>
-                <a:latin typeface="-apple-system"/>
-              </a:rPr>
-              <a:t>-&gt; 10</a:t>
-            </a:r>
-            <a:r>
-              <a:rPr lang="ko-KR" altLang="en-US" sz="1400" dirty="0">
-                <a:solidFill>
-                  <a:srgbClr val="424242"/>
-                </a:solidFill>
-                <a:latin typeface="-apple-system"/>
-              </a:rPr>
-              <a:t>개 정도만 보여주자</a:t>
-            </a:r>
-            <a:r>
-              <a:rPr lang="en-US" altLang="ko-KR" sz="1600" dirty="0">
-                <a:solidFill>
-                  <a:srgbClr val="424242"/>
-                </a:solidFill>
-                <a:latin typeface="-apple-system"/>
-              </a:rPr>
-              <a:t>.</a:t>
             </a:r>
             <a:endParaRPr lang="en-US" altLang="ko-KR" sz="1600" b="0" i="0" dirty="0">
               <a:solidFill>
@@ -3948,97 +3693,16 @@
               <a:t> </a:t>
             </a:r>
             <a:r>
-              <a:rPr lang="ko-KR" altLang="en-US" sz="1600" b="0" i="0" dirty="0">
-                <a:solidFill>
-                  <a:srgbClr val="424242"/>
-                </a:solidFill>
-                <a:effectLst/>
-                <a:latin typeface="-apple-system"/>
-              </a:rPr>
-              <a:t>제한 용량</a:t>
-            </a:r>
-            <a:br>
-              <a:rPr lang="en-US" altLang="ko-KR" sz="1600" b="0" i="0" dirty="0">
-                <a:solidFill>
-                  <a:srgbClr val="424242"/>
-                </a:solidFill>
-                <a:effectLst/>
-                <a:latin typeface="-apple-system"/>
-              </a:rPr>
-            </a:br>
-            <a:r>
-              <a:rPr lang="en-US" altLang="ko-KR" sz="1600" b="0" i="0" dirty="0">
-                <a:solidFill>
-                  <a:srgbClr val="424242"/>
-                </a:solidFill>
-                <a:effectLst/>
-                <a:latin typeface="-apple-system"/>
-              </a:rPr>
-              <a:t>     </a:t>
-            </a:r>
-            <a:r>
-              <a:rPr lang="en-US" altLang="ko-KR" sz="1400" b="0" i="0" dirty="0">
-                <a:solidFill>
-                  <a:srgbClr val="424242"/>
-                </a:solidFill>
-                <a:effectLst/>
-                <a:latin typeface="-apple-system"/>
-              </a:rPr>
-              <a:t>-&gt; </a:t>
-            </a:r>
-            <a:r>
-              <a:rPr lang="ko-KR" altLang="en-US" sz="1400" b="0" i="0" dirty="0">
-                <a:solidFill>
-                  <a:srgbClr val="424242"/>
-                </a:solidFill>
-                <a:effectLst/>
-                <a:latin typeface="-apple-system"/>
-              </a:rPr>
-              <a:t>파일당 </a:t>
-            </a:r>
-            <a:r>
-              <a:rPr lang="en-US" altLang="ko-KR" sz="1400" b="0" i="0" dirty="0">
-                <a:solidFill>
-                  <a:srgbClr val="424242"/>
-                </a:solidFill>
-                <a:effectLst/>
-                <a:latin typeface="-apple-system"/>
-              </a:rPr>
-              <a:t>1GB</a:t>
-            </a:r>
-            <a:endParaRPr lang="en-US" altLang="ko-KR" sz="1600" b="0" i="0" dirty="0">
-              <a:solidFill>
-                <a:srgbClr val="424242"/>
-              </a:solidFill>
-              <a:effectLst/>
-              <a:latin typeface="-apple-system"/>
-            </a:endParaRPr>
-          </a:p>
-          <a:p>
-            <a:pPr>
-              <a:buFont typeface="+mj-lt"/>
-              <a:buAutoNum type="arabicPeriod"/>
-            </a:pPr>
-            <a:r>
               <a:rPr lang="en-US" sz="1600" dirty="0">
                 <a:solidFill>
                   <a:srgbClr val="424242"/>
                 </a:solidFill>
                 <a:latin typeface="-apple-system"/>
               </a:rPr>
-              <a:t> </a:t>
-            </a:r>
-            <a:r>
-              <a:rPr lang="ko-KR" altLang="en-US" sz="1600" dirty="0">
-                <a:solidFill>
-                  <a:srgbClr val="424242"/>
-                </a:solidFill>
-                <a:latin typeface="-apple-system"/>
-              </a:rPr>
-              <a:t>스토리지 공간</a:t>
+              <a:t>Storage Size : 500GB</a:t>
             </a:r>
             <a:br>
-              <a:rPr lang="en-US" altLang="ko-KR" sz="1600" dirty="0">
+              <a:rPr lang="en-US" sz="1600" dirty="0">
                 <a:solidFill>
                   <a:srgbClr val="424242"/>
                 </a:solidFill>
@@ -4046,64 +3710,16 @@
               </a:rPr>
             </a:br>
             <a:r>
-              <a:rPr lang="en-US" altLang="ko-KR" sz="1600" dirty="0">
+              <a:rPr lang="en-US" sz="1600" dirty="0">
                 <a:solidFill>
                   <a:srgbClr val="424242"/>
                 </a:solidFill>
                 <a:latin typeface="-apple-system"/>
               </a:rPr>
-              <a:t>    </a:t>
-            </a:r>
-            <a:r>
-              <a:rPr lang="en-US" altLang="ko-KR" sz="1400" dirty="0">
-                <a:solidFill>
-                  <a:srgbClr val="424242"/>
-                </a:solidFill>
-                <a:latin typeface="-apple-system"/>
-              </a:rPr>
-              <a:t>-&gt; </a:t>
-            </a:r>
-            <a:r>
-              <a:rPr lang="ko-KR" altLang="en-US" sz="1400" dirty="0">
-                <a:solidFill>
-                  <a:srgbClr val="424242"/>
-                </a:solidFill>
-                <a:latin typeface="-apple-system"/>
-              </a:rPr>
-              <a:t>인당 </a:t>
-            </a:r>
-            <a:r>
-              <a:rPr lang="en-US" altLang="ko-KR" sz="1400" dirty="0">
-                <a:solidFill>
-                  <a:srgbClr val="424242"/>
-                </a:solidFill>
-                <a:latin typeface="-apple-system"/>
-              </a:rPr>
-              <a:t>500GB</a:t>
-            </a:r>
-            <a:endParaRPr lang="en-US" altLang="ko-KR" sz="1600" dirty="0">
-              <a:solidFill>
-                <a:srgbClr val="424242"/>
-              </a:solidFill>
-              <a:latin typeface="-apple-system"/>
-            </a:endParaRPr>
-          </a:p>
-          <a:p>
-            <a:pPr>
-              <a:buFont typeface="+mj-lt"/>
-              <a:buAutoNum type="arabicPeriod"/>
-            </a:pPr>
-            <a:r>
-              <a:rPr lang="ko-KR" altLang="en-US" sz="1600" dirty="0">
-                <a:solidFill>
-                  <a:srgbClr val="424242"/>
-                </a:solidFill>
-                <a:latin typeface="-apple-system"/>
-              </a:rPr>
-              <a:t> 주요 기능</a:t>
+              <a:t>  - DAU : 1million</a:t>
             </a:r>
             <a:br>
-              <a:rPr lang="en-US" altLang="ko-KR" sz="1600" dirty="0">
+              <a:rPr lang="en-US" sz="1600" dirty="0">
                 <a:solidFill>
                   <a:srgbClr val="424242"/>
                 </a:solidFill>
@@ -4111,34 +3727,16 @@
               </a:rPr>
             </a:br>
             <a:r>
-              <a:rPr lang="en-US" altLang="ko-KR" sz="1600" dirty="0">
+              <a:rPr lang="en-US" sz="1600" dirty="0">
                 <a:solidFill>
                   <a:srgbClr val="424242"/>
                 </a:solidFill>
                 <a:latin typeface="-apple-system"/>
               </a:rPr>
-              <a:t>    </a:t>
-            </a:r>
-            <a:r>
-              <a:rPr lang="en-US" altLang="ko-KR" sz="1400" dirty="0">
-                <a:solidFill>
-                  <a:srgbClr val="424242"/>
-                </a:solidFill>
-                <a:latin typeface="-apple-system"/>
-              </a:rPr>
-              <a:t>-&gt; </a:t>
-            </a:r>
-            <a:r>
-              <a:rPr lang="ko-KR" altLang="en-US" sz="1400" dirty="0">
-                <a:solidFill>
-                  <a:srgbClr val="424242"/>
-                </a:solidFill>
-                <a:latin typeface="-apple-system"/>
-              </a:rPr>
-              <a:t>파일 업로드</a:t>
+              <a:t>  - 50% people upload two files.</a:t>
             </a:r>
             <a:br>
-              <a:rPr lang="en-US" altLang="ko-KR" sz="1400" dirty="0">
+              <a:rPr lang="en-US" sz="1600" dirty="0">
                 <a:solidFill>
                   <a:srgbClr val="424242"/>
                 </a:solidFill>
@@ -4146,64 +3744,16 @@
               </a:rPr>
             </a:br>
             <a:r>
-              <a:rPr lang="en-US" altLang="ko-KR" sz="1400" dirty="0">
+              <a:rPr lang="en-US" sz="1600" dirty="0">
                 <a:solidFill>
                   <a:srgbClr val="424242"/>
                 </a:solidFill>
                 <a:latin typeface="-apple-system"/>
               </a:rPr>
-              <a:t>    -&gt; </a:t>
-            </a:r>
-            <a:r>
-              <a:rPr lang="ko-KR" altLang="en-US" sz="1400" dirty="0">
-                <a:solidFill>
-                  <a:srgbClr val="424242"/>
-                </a:solidFill>
-                <a:latin typeface="-apple-system"/>
-              </a:rPr>
-              <a:t>파일 다운로드</a:t>
-            </a:r>
-            <a:endParaRPr lang="en-US" altLang="ko-KR" sz="1400" dirty="0">
-              <a:solidFill>
-                <a:srgbClr val="424242"/>
-              </a:solidFill>
-              <a:latin typeface="-apple-system"/>
-            </a:endParaRPr>
-          </a:p>
-          <a:p>
-            <a:pPr>
-              <a:buFont typeface="+mj-lt"/>
-              <a:buAutoNum type="arabicPeriod"/>
-            </a:pPr>
-            <a:r>
-              <a:rPr lang="en-US" altLang="ko-KR" sz="1600" dirty="0">
-                <a:solidFill>
-                  <a:srgbClr val="424242"/>
-                </a:solidFill>
-                <a:latin typeface="-apple-system"/>
-              </a:rPr>
-              <a:t> </a:t>
-            </a:r>
-            <a:r>
-              <a:rPr lang="ko-KR" altLang="en-US" sz="1600" dirty="0">
-                <a:solidFill>
-                  <a:srgbClr val="424242"/>
-                </a:solidFill>
-                <a:latin typeface="-apple-system"/>
-              </a:rPr>
-              <a:t>업다운로드 중간 네트워크 끊기면 어떡해</a:t>
-            </a:r>
-            <a:r>
-              <a:rPr lang="en-US" altLang="ko-KR" sz="1600" dirty="0">
-                <a:solidFill>
-                  <a:srgbClr val="424242"/>
-                </a:solidFill>
-                <a:latin typeface="-apple-system"/>
-              </a:rPr>
-              <a:t>?</a:t>
+              <a:t>  - Average File Size : 5MB</a:t>
             </a:r>
             <a:br>
-              <a:rPr lang="en-US" altLang="ko-KR" sz="1600" dirty="0">
+              <a:rPr lang="en-US" sz="1600" dirty="0">
                 <a:solidFill>
                   <a:srgbClr val="424242"/>
                 </a:solidFill>
@@ -4211,374 +3761,14 @@
               </a:rPr>
             </a:br>
             <a:r>
-              <a:rPr lang="en-US" altLang="ko-KR" sz="1600" dirty="0">
+              <a:rPr lang="en-US" sz="1600" dirty="0">
                 <a:solidFill>
                   <a:srgbClr val="424242"/>
                 </a:solidFill>
                 <a:latin typeface="-apple-system"/>
               </a:rPr>
-              <a:t>    -&gt; </a:t>
-            </a:r>
-            <a:r>
-              <a:rPr lang="ko-KR" altLang="en-US" sz="1400" dirty="0">
-                <a:solidFill>
-                  <a:srgbClr val="424242"/>
-                </a:solidFill>
-                <a:latin typeface="-apple-system"/>
-              </a:rPr>
-              <a:t>알림 주고 대기</a:t>
-            </a:r>
-            <a:r>
-              <a:rPr lang="en-US" altLang="ko-KR" sz="1400" dirty="0">
-                <a:solidFill>
-                  <a:srgbClr val="424242"/>
-                </a:solidFill>
-                <a:latin typeface="-apple-system"/>
-              </a:rPr>
-              <a:t>.</a:t>
-            </a:r>
-            <a:br>
-              <a:rPr lang="en-US" altLang="ko-KR" sz="1600" dirty="0">
-                <a:solidFill>
-                  <a:srgbClr val="424242"/>
-                </a:solidFill>
-                <a:latin typeface="-apple-system"/>
-              </a:rPr>
-            </a:br>
-            <a:r>
-              <a:rPr lang="en-US" altLang="ko-KR" sz="1600" dirty="0">
-                <a:solidFill>
-                  <a:srgbClr val="424242"/>
-                </a:solidFill>
-                <a:latin typeface="-apple-system"/>
-              </a:rPr>
-              <a:t>    -&gt;</a:t>
-            </a:r>
-            <a:r>
-              <a:rPr lang="en-US" altLang="ko-KR" sz="1400" dirty="0">
-                <a:solidFill>
-                  <a:srgbClr val="424242"/>
-                </a:solidFill>
-                <a:latin typeface="-apple-system"/>
-              </a:rPr>
-              <a:t> </a:t>
-            </a:r>
-            <a:r>
-              <a:rPr lang="ko-KR" altLang="en-US" sz="1400" dirty="0">
-                <a:solidFill>
-                  <a:srgbClr val="424242"/>
-                </a:solidFill>
-                <a:latin typeface="-apple-system"/>
-              </a:rPr>
-              <a:t>버전 </a:t>
-            </a:r>
-            <a:r>
-              <a:rPr lang="ko-KR" altLang="en-US" sz="1400" dirty="0" err="1">
-                <a:solidFill>
-                  <a:srgbClr val="424242"/>
-                </a:solidFill>
-                <a:latin typeface="-apple-system"/>
-              </a:rPr>
-              <a:t>충돌시</a:t>
-            </a:r>
-            <a:r>
-              <a:rPr lang="ko-KR" altLang="en-US" sz="1400" dirty="0">
-                <a:solidFill>
-                  <a:srgbClr val="424242"/>
-                </a:solidFill>
-                <a:latin typeface="-apple-system"/>
-              </a:rPr>
-              <a:t> 어떡해</a:t>
-            </a:r>
-            <a:r>
-              <a:rPr lang="en-US" altLang="ko-KR" sz="1400" dirty="0">
-                <a:solidFill>
-                  <a:srgbClr val="424242"/>
-                </a:solidFill>
-                <a:latin typeface="-apple-system"/>
-              </a:rPr>
-              <a:t>? </a:t>
-            </a:r>
-            <a:r>
-              <a:rPr lang="ko-KR" altLang="en-US" sz="1400" dirty="0">
-                <a:solidFill>
-                  <a:srgbClr val="424242"/>
-                </a:solidFill>
-                <a:latin typeface="-apple-system"/>
-              </a:rPr>
-              <a:t>버전관리 </a:t>
-            </a:r>
-            <a:r>
-              <a:rPr lang="en-US" altLang="ko-KR" sz="1400" dirty="0">
-                <a:solidFill>
-                  <a:srgbClr val="424242"/>
-                </a:solidFill>
-                <a:latin typeface="-apple-system"/>
-              </a:rPr>
-              <a:t>10</a:t>
-            </a:r>
-            <a:r>
-              <a:rPr lang="ko-KR" altLang="en-US" sz="1400" dirty="0">
-                <a:solidFill>
-                  <a:srgbClr val="424242"/>
-                </a:solidFill>
-                <a:latin typeface="-apple-system"/>
-              </a:rPr>
-              <a:t>개까지 하니까 그냥 올리면 돼 늦게 </a:t>
-            </a:r>
-            <a:r>
-              <a:rPr lang="ko-KR" altLang="en-US" sz="1400" dirty="0" err="1">
-                <a:solidFill>
-                  <a:srgbClr val="424242"/>
-                </a:solidFill>
-                <a:latin typeface="-apple-system"/>
-              </a:rPr>
-              <a:t>올라간게</a:t>
-            </a:r>
-            <a:r>
-              <a:rPr lang="ko-KR" altLang="en-US" sz="1400" dirty="0">
-                <a:solidFill>
-                  <a:srgbClr val="424242"/>
-                </a:solidFill>
-                <a:latin typeface="-apple-system"/>
-              </a:rPr>
-              <a:t> 최신 버전으로 보이겠지</a:t>
-            </a:r>
-            <a:endParaRPr lang="en-US" altLang="ko-KR" sz="1400" dirty="0">
-              <a:solidFill>
-                <a:srgbClr val="424242"/>
-              </a:solidFill>
-              <a:latin typeface="-apple-system"/>
-            </a:endParaRPr>
-          </a:p>
-          <a:p>
-            <a:pPr>
-              <a:buFont typeface="+mj-lt"/>
-              <a:buAutoNum type="arabicPeriod"/>
-            </a:pPr>
-            <a:endParaRPr lang="en-US" altLang="ko-KR" sz="1400" dirty="0">
-              <a:solidFill>
-                <a:srgbClr val="424242"/>
-              </a:solidFill>
-              <a:latin typeface="-apple-system"/>
-            </a:endParaRPr>
-          </a:p>
-          <a:p>
-            <a:pPr>
-              <a:buFont typeface="+mj-lt"/>
-              <a:buAutoNum type="arabicPeriod"/>
-            </a:pPr>
-            <a:r>
-              <a:rPr lang="en-US" altLang="ko-KR" sz="1600" dirty="0">
-                <a:solidFill>
-                  <a:srgbClr val="424242"/>
-                </a:solidFill>
-                <a:latin typeface="-apple-system"/>
-              </a:rPr>
-              <a:t> Band Width</a:t>
-            </a:r>
-          </a:p>
-          <a:p>
-            <a:r>
-              <a:rPr lang="en-US" altLang="ko-KR" sz="1600" dirty="0">
-                <a:solidFill>
-                  <a:srgbClr val="424242"/>
-                </a:solidFill>
-                <a:latin typeface="-apple-system"/>
-              </a:rPr>
-              <a:t>    </a:t>
-            </a:r>
-            <a:r>
-              <a:rPr lang="en-US" altLang="ko-KR" sz="1200" dirty="0">
-                <a:solidFill>
-                  <a:srgbClr val="424242"/>
-                </a:solidFill>
-                <a:latin typeface="-apple-system"/>
-              </a:rPr>
-              <a:t>-&gt; 100</a:t>
-            </a:r>
-            <a:r>
-              <a:rPr lang="ko-KR" altLang="en-US" sz="1200" dirty="0">
-                <a:solidFill>
-                  <a:srgbClr val="424242"/>
-                </a:solidFill>
-                <a:latin typeface="-apple-system"/>
-              </a:rPr>
-              <a:t>만명이 매일 평균 </a:t>
-            </a:r>
-            <a:r>
-              <a:rPr lang="en-US" altLang="ko-KR" sz="1200" dirty="0">
-                <a:solidFill>
-                  <a:srgbClr val="424242"/>
-                </a:solidFill>
-                <a:latin typeface="-apple-system"/>
-              </a:rPr>
-              <a:t>10</a:t>
-            </a:r>
-            <a:r>
-              <a:rPr lang="ko-KR" altLang="en-US" sz="1200" dirty="0">
-                <a:solidFill>
-                  <a:srgbClr val="424242"/>
-                </a:solidFill>
-                <a:latin typeface="-apple-system"/>
-              </a:rPr>
-              <a:t>개 파일 업로드</a:t>
-            </a:r>
-            <a:r>
-              <a:rPr lang="en-US" altLang="ko-KR" sz="1200" dirty="0">
-                <a:solidFill>
-                  <a:srgbClr val="424242"/>
-                </a:solidFill>
-                <a:latin typeface="-apple-system"/>
-              </a:rPr>
-              <a:t>.</a:t>
-            </a:r>
-            <a:br>
-              <a:rPr lang="en-US" altLang="ko-KR" sz="1200" dirty="0">
-                <a:solidFill>
-                  <a:srgbClr val="424242"/>
-                </a:solidFill>
-                <a:latin typeface="-apple-system"/>
-              </a:rPr>
-            </a:br>
-            <a:r>
-              <a:rPr lang="en-US" altLang="ko-KR" sz="1200" dirty="0">
-                <a:solidFill>
-                  <a:srgbClr val="424242"/>
-                </a:solidFill>
-                <a:latin typeface="-apple-system"/>
-              </a:rPr>
-              <a:t>    </a:t>
-            </a:r>
-            <a:r>
-              <a:rPr lang="ko-KR" altLang="en-US" sz="1200" dirty="0">
-                <a:solidFill>
-                  <a:srgbClr val="424242"/>
-                </a:solidFill>
-                <a:latin typeface="-apple-system"/>
-              </a:rPr>
-              <a:t>파일 크기는 보통 </a:t>
-            </a:r>
-            <a:r>
-              <a:rPr lang="en-US" altLang="ko-KR" sz="1200" dirty="0">
-                <a:solidFill>
-                  <a:srgbClr val="424242"/>
-                </a:solidFill>
-                <a:latin typeface="-apple-system"/>
-              </a:rPr>
-              <a:t>5mb.</a:t>
-            </a:r>
-            <a:br>
-              <a:rPr lang="en-US" altLang="ko-KR" sz="1200" dirty="0">
-                <a:solidFill>
-                  <a:srgbClr val="424242"/>
-                </a:solidFill>
-                <a:latin typeface="-apple-system"/>
-              </a:rPr>
-            </a:br>
-            <a:r>
-              <a:rPr lang="en-US" altLang="ko-KR" sz="1200" dirty="0">
-                <a:solidFill>
-                  <a:srgbClr val="424242"/>
-                </a:solidFill>
-                <a:latin typeface="-apple-system"/>
-              </a:rPr>
-              <a:t>     </a:t>
-            </a:r>
-            <a:r>
-              <a:rPr lang="ko-KR" altLang="en-US" sz="1200" dirty="0">
-                <a:solidFill>
-                  <a:srgbClr val="424242"/>
-                </a:solidFill>
-                <a:latin typeface="-apple-system"/>
-              </a:rPr>
-              <a:t>한명이 하루에 </a:t>
-            </a:r>
-            <a:r>
-              <a:rPr lang="en-US" altLang="ko-KR" sz="1200" dirty="0">
-                <a:solidFill>
-                  <a:srgbClr val="424242"/>
-                </a:solidFill>
-                <a:latin typeface="-apple-system"/>
-              </a:rPr>
-              <a:t>50mb</a:t>
-            </a:r>
-            <a:br>
-              <a:rPr lang="en-US" altLang="ko-KR" sz="1200" dirty="0">
-                <a:solidFill>
-                  <a:srgbClr val="424242"/>
-                </a:solidFill>
-                <a:latin typeface="-apple-system"/>
-              </a:rPr>
-            </a:br>
-            <a:r>
-              <a:rPr lang="en-US" altLang="ko-KR" sz="1200" dirty="0">
-                <a:solidFill>
-                  <a:srgbClr val="424242"/>
-                </a:solidFill>
-                <a:latin typeface="-apple-system"/>
-              </a:rPr>
-              <a:t>     </a:t>
-            </a:r>
-            <a:r>
-              <a:rPr lang="ko-KR" altLang="en-US" sz="1200" dirty="0">
-                <a:solidFill>
-                  <a:srgbClr val="424242"/>
-                </a:solidFill>
-                <a:latin typeface="-apple-system"/>
-              </a:rPr>
-              <a:t>백만이면 하루에 </a:t>
-            </a:r>
-            <a:r>
-              <a:rPr lang="en-US" altLang="ko-KR" sz="1200" dirty="0">
-                <a:solidFill>
-                  <a:srgbClr val="424242"/>
-                </a:solidFill>
-                <a:latin typeface="-apple-system"/>
-              </a:rPr>
-              <a:t>50tb</a:t>
-            </a:r>
-            <a:br>
-              <a:rPr lang="en-US" altLang="ko-KR" sz="1200" dirty="0">
-                <a:solidFill>
-                  <a:srgbClr val="424242"/>
-                </a:solidFill>
-                <a:latin typeface="-apple-system"/>
-              </a:rPr>
-            </a:br>
-            <a:r>
-              <a:rPr lang="en-US" altLang="ko-KR" sz="1200" dirty="0">
-                <a:solidFill>
-                  <a:srgbClr val="424242"/>
-                </a:solidFill>
-                <a:latin typeface="-apple-system"/>
-              </a:rPr>
-              <a:t>     </a:t>
-            </a:r>
-            <a:r>
-              <a:rPr lang="ko-KR" altLang="en-US" sz="1200" dirty="0">
-                <a:solidFill>
-                  <a:srgbClr val="424242"/>
-                </a:solidFill>
-                <a:latin typeface="-apple-system"/>
-              </a:rPr>
-              <a:t>한달이면 </a:t>
-            </a:r>
-            <a:r>
-              <a:rPr lang="en-US" altLang="ko-KR" sz="1200" dirty="0">
-                <a:solidFill>
-                  <a:srgbClr val="424242"/>
-                </a:solidFill>
-                <a:latin typeface="-apple-system"/>
-              </a:rPr>
-              <a:t>1.5Pb</a:t>
-            </a:r>
-            <a:endParaRPr lang="en-US" altLang="ko-KR" sz="1600" dirty="0">
-              <a:solidFill>
-                <a:srgbClr val="424242"/>
-              </a:solidFill>
-              <a:latin typeface="-apple-system"/>
-            </a:endParaRPr>
+              <a:t>  -&gt; Monthly : 1mil *50% * 2 * 5MB * 30days = 150TB</a:t>
+            </a:r>
           </a:p>
         </p:txBody>
       </p:sp>
@@ -4754,7 +3944,7 @@
         </p:blipFill>
         <p:spPr>
           <a:xfrm>
-            <a:off x="4005072" y="2167981"/>
+            <a:off x="3530871" y="2167981"/>
             <a:ext cx="762000" cy="762000"/>
           </a:xfrm>
           <a:prstGeom prst="rect">
@@ -4776,8 +3966,8 @@
         </p:nvSpPr>
         <p:spPr>
           <a:xfrm>
-            <a:off x="4025268" y="2929981"/>
-            <a:ext cx="721608" cy="338554"/>
+            <a:off x="3766683" y="2904937"/>
+            <a:ext cx="375424" cy="338554"/>
           </a:xfrm>
           <a:prstGeom prst="rect">
             <a:avLst/>
@@ -4790,9 +3980,10 @@
           </a:bodyPr>
           <a:lstStyle/>
           <a:p>
+            <a:pPr algn="ctr"/>
             <a:r>
               <a:rPr lang="en-US" sz="1600" dirty="0"/>
-              <a:t>Server</a:t>
+              <a:t>L7</a:t>
             </a:r>
           </a:p>
         </p:txBody>
@@ -4808,15 +3999,14 @@
           </p:cNvPr>
           <p:cNvCxnSpPr>
             <a:cxnSpLocks/>
-            <a:stCxn id="14" idx="3"/>
             <a:endCxn id="21" idx="1"/>
           </p:cNvCxnSpPr>
           <p:nvPr/>
         </p:nvCxnSpPr>
         <p:spPr>
-          <a:xfrm>
-            <a:off x="4767072" y="2548981"/>
-            <a:ext cx="1328928" cy="8224"/>
+          <a:xfrm flipV="1">
+            <a:off x="6028281" y="2529963"/>
+            <a:ext cx="2365646" cy="19018"/>
           </a:xfrm>
           <a:prstGeom prst="straightConnector1">
             <a:avLst/>
@@ -4940,7 +4130,7 @@
         </p:blipFill>
         <p:spPr>
           <a:xfrm>
-            <a:off x="6096000" y="2176205"/>
+            <a:off x="8393927" y="2148963"/>
             <a:ext cx="762000" cy="762000"/>
           </a:xfrm>
           <a:prstGeom prst="rect">
@@ -4966,7 +4156,7 @@
         <p:spPr>
           <a:xfrm flipV="1">
             <a:off x="2060030" y="2548981"/>
-            <a:ext cx="1945042" cy="8224"/>
+            <a:ext cx="1470841" cy="8224"/>
           </a:xfrm>
           <a:prstGeom prst="straightConnector1">
             <a:avLst/>
@@ -5010,7 +4200,7 @@
         <p:spPr>
           <a:xfrm flipV="1">
             <a:off x="2138577" y="2548981"/>
-            <a:ext cx="1866495" cy="931277"/>
+            <a:ext cx="1392294" cy="931277"/>
           </a:xfrm>
           <a:prstGeom prst="straightConnector1">
             <a:avLst/>
@@ -5054,7 +4244,7 @@
         <p:spPr>
           <a:xfrm>
             <a:off x="2138577" y="1461516"/>
-            <a:ext cx="1866495" cy="1087465"/>
+            <a:ext cx="1392294" cy="1087465"/>
           </a:xfrm>
           <a:prstGeom prst="straightConnector1">
             <a:avLst/>
@@ -5079,12 +4269,84 @@
           </a:fontRef>
         </p:style>
       </p:cxnSp>
+      <p:pic>
+        <p:nvPicPr>
+          <p:cNvPr id="17" name="Picture 16">
+            <a:extLst>
+              <a:ext uri="{FF2B5EF4-FFF2-40B4-BE49-F238E27FC236}">
+                <a16:creationId xmlns:a16="http://schemas.microsoft.com/office/drawing/2014/main" id="{8324D0C8-1F10-4B1B-86D4-A0F6B929C795}"/>
+              </a:ext>
+            </a:extLst>
+          </p:cNvPr>
+          <p:cNvPicPr>
+            <a:picLocks noChangeAspect="1"/>
+          </p:cNvPicPr>
+          <p:nvPr/>
+        </p:nvPicPr>
+        <p:blipFill>
+          <a:blip r:embed="rId7">
+            <a:extLst>
+              <a:ext uri="{28A0092B-C50C-407E-A947-70E740481C1C}">
+                <a14:useLocalDpi xmlns:a14="http://schemas.microsoft.com/office/drawing/2010/main" val="0"/>
+              </a:ext>
+            </a:extLst>
+          </a:blip>
+          <a:stretch>
+            <a:fillRect/>
+          </a:stretch>
+        </p:blipFill>
+        <p:spPr>
+          <a:xfrm>
+            <a:off x="2774994" y="721144"/>
+            <a:ext cx="515114" cy="515114"/>
+          </a:xfrm>
+          <a:prstGeom prst="rect">
+            <a:avLst/>
+          </a:prstGeom>
+        </p:spPr>
+      </p:pic>
+      <p:pic>
+        <p:nvPicPr>
+          <p:cNvPr id="22" name="Picture 21">
+            <a:extLst>
+              <a:ext uri="{FF2B5EF4-FFF2-40B4-BE49-F238E27FC236}">
+                <a16:creationId xmlns:a16="http://schemas.microsoft.com/office/drawing/2014/main" id="{3D811FDA-C309-47EA-B69F-F83B1AD910AB}"/>
+              </a:ext>
+            </a:extLst>
+          </p:cNvPr>
+          <p:cNvPicPr>
+            <a:picLocks noChangeAspect="1"/>
+          </p:cNvPicPr>
+          <p:nvPr/>
+        </p:nvPicPr>
+        <p:blipFill>
+          <a:blip r:embed="rId3">
+            <a:extLst>
+              <a:ext uri="{28A0092B-C50C-407E-A947-70E740481C1C}">
+                <a14:useLocalDpi xmlns:a14="http://schemas.microsoft.com/office/drawing/2010/main" val="0"/>
+              </a:ext>
+            </a:extLst>
+          </a:blip>
+          <a:stretch>
+            <a:fillRect/>
+          </a:stretch>
+        </p:blipFill>
+        <p:spPr>
+          <a:xfrm>
+            <a:off x="5156555" y="2176205"/>
+            <a:ext cx="380998" cy="380998"/>
+          </a:xfrm>
+          <a:prstGeom prst="rect">
+            <a:avLst/>
+          </a:prstGeom>
+        </p:spPr>
+      </p:pic>
       <p:sp>
         <p:nvSpPr>
-          <p:cNvPr id="16" name="TextBox 15">
-            <a:extLst>
-              <a:ext uri="{FF2B5EF4-FFF2-40B4-BE49-F238E27FC236}">
-                <a16:creationId xmlns:a16="http://schemas.microsoft.com/office/drawing/2014/main" id="{181747FD-E054-42F7-9FC2-888282C3E5B5}"/>
+          <p:cNvPr id="27" name="TextBox 26">
+            <a:extLst>
+              <a:ext uri="{FF2B5EF4-FFF2-40B4-BE49-F238E27FC236}">
+                <a16:creationId xmlns:a16="http://schemas.microsoft.com/office/drawing/2014/main" id="{8DA58F72-E2F1-4BB7-A451-31EA92EDE44E}"/>
               </a:ext>
             </a:extLst>
           </p:cNvPr>
@@ -5093,8 +4355,8 @@
         </p:nvSpPr>
         <p:spPr>
           <a:xfrm>
-            <a:off x="6136392" y="2938205"/>
-            <a:ext cx="817916" cy="338554"/>
+            <a:off x="4927891" y="2977276"/>
+            <a:ext cx="1767150" cy="338554"/>
           </a:xfrm>
           <a:prstGeom prst="rect">
             <a:avLst/>
@@ -5109,15 +4371,800 @@
           <a:p>
             <a:r>
               <a:rPr lang="en-US" sz="1600" dirty="0"/>
-              <a:t>Storage</a:t>
+              <a:t>File Upload Service</a:t>
             </a:r>
           </a:p>
         </p:txBody>
       </p:sp>
+      <p:pic>
+        <p:nvPicPr>
+          <p:cNvPr id="29" name="Picture 28">
+            <a:extLst>
+              <a:ext uri="{FF2B5EF4-FFF2-40B4-BE49-F238E27FC236}">
+                <a16:creationId xmlns:a16="http://schemas.microsoft.com/office/drawing/2014/main" id="{2C7457AD-EDF2-43EA-A1C9-DCFA2C6D14AE}"/>
+              </a:ext>
+            </a:extLst>
+          </p:cNvPr>
+          <p:cNvPicPr>
+            <a:picLocks noChangeAspect="1"/>
+          </p:cNvPicPr>
+          <p:nvPr/>
+        </p:nvPicPr>
+        <p:blipFill>
+          <a:blip r:embed="rId3">
+            <a:extLst>
+              <a:ext uri="{28A0092B-C50C-407E-A947-70E740481C1C}">
+                <a14:useLocalDpi xmlns:a14="http://schemas.microsoft.com/office/drawing/2010/main" val="0"/>
+              </a:ext>
+            </a:extLst>
+          </a:blip>
+          <a:stretch>
+            <a:fillRect/>
+          </a:stretch>
+        </p:blipFill>
+        <p:spPr>
+          <a:xfrm>
+            <a:off x="5419010" y="2177110"/>
+            <a:ext cx="380998" cy="380998"/>
+          </a:xfrm>
+          <a:prstGeom prst="rect">
+            <a:avLst/>
+          </a:prstGeom>
+        </p:spPr>
+      </p:pic>
+      <p:pic>
+        <p:nvPicPr>
+          <p:cNvPr id="30" name="Picture 29">
+            <a:extLst>
+              <a:ext uri="{FF2B5EF4-FFF2-40B4-BE49-F238E27FC236}">
+                <a16:creationId xmlns:a16="http://schemas.microsoft.com/office/drawing/2014/main" id="{9389DF74-489D-420C-BFD3-7407D97AC7AB}"/>
+              </a:ext>
+            </a:extLst>
+          </p:cNvPr>
+          <p:cNvPicPr>
+            <a:picLocks noChangeAspect="1"/>
+          </p:cNvPicPr>
+          <p:nvPr/>
+        </p:nvPicPr>
+        <p:blipFill>
+          <a:blip r:embed="rId3">
+            <a:extLst>
+              <a:ext uri="{28A0092B-C50C-407E-A947-70E740481C1C}">
+                <a14:useLocalDpi xmlns:a14="http://schemas.microsoft.com/office/drawing/2010/main" val="0"/>
+              </a:ext>
+            </a:extLst>
+          </a:blip>
+          <a:stretch>
+            <a:fillRect/>
+          </a:stretch>
+        </p:blipFill>
+        <p:spPr>
+          <a:xfrm>
+            <a:off x="5158977" y="2557207"/>
+            <a:ext cx="380998" cy="380998"/>
+          </a:xfrm>
+          <a:prstGeom prst="rect">
+            <a:avLst/>
+          </a:prstGeom>
+        </p:spPr>
+      </p:pic>
+      <p:pic>
+        <p:nvPicPr>
+          <p:cNvPr id="32" name="Picture 31">
+            <a:extLst>
+              <a:ext uri="{FF2B5EF4-FFF2-40B4-BE49-F238E27FC236}">
+                <a16:creationId xmlns:a16="http://schemas.microsoft.com/office/drawing/2014/main" id="{8D8CB5D1-B46C-4DCC-B4CC-C541D05A5399}"/>
+              </a:ext>
+            </a:extLst>
+          </p:cNvPr>
+          <p:cNvPicPr>
+            <a:picLocks noChangeAspect="1"/>
+          </p:cNvPicPr>
+          <p:nvPr/>
+        </p:nvPicPr>
+        <p:blipFill>
+          <a:blip r:embed="rId3">
+            <a:extLst>
+              <a:ext uri="{28A0092B-C50C-407E-A947-70E740481C1C}">
+                <a14:useLocalDpi xmlns:a14="http://schemas.microsoft.com/office/drawing/2010/main" val="0"/>
+              </a:ext>
+            </a:extLst>
+          </a:blip>
+          <a:stretch>
+            <a:fillRect/>
+          </a:stretch>
+        </p:blipFill>
+        <p:spPr>
+          <a:xfrm>
+            <a:off x="5421432" y="2558112"/>
+            <a:ext cx="380998" cy="380998"/>
+          </a:xfrm>
+          <a:prstGeom prst="rect">
+            <a:avLst/>
+          </a:prstGeom>
+        </p:spPr>
+      </p:pic>
+      <p:cxnSp>
+        <p:nvCxnSpPr>
+          <p:cNvPr id="33" name="Straight Arrow Connector 32">
+            <a:extLst>
+              <a:ext uri="{FF2B5EF4-FFF2-40B4-BE49-F238E27FC236}">
+                <a16:creationId xmlns:a16="http://schemas.microsoft.com/office/drawing/2014/main" id="{16082F41-327A-499A-8AC1-F37EE0F0B421}"/>
+              </a:ext>
+            </a:extLst>
+          </p:cNvPr>
+          <p:cNvCxnSpPr>
+            <a:cxnSpLocks/>
+            <a:stCxn id="14" idx="3"/>
+          </p:cNvCxnSpPr>
+          <p:nvPr/>
+        </p:nvCxnSpPr>
+        <p:spPr>
+          <a:xfrm>
+            <a:off x="4292871" y="2548981"/>
+            <a:ext cx="812840" cy="7321"/>
+          </a:xfrm>
+          <a:prstGeom prst="straightConnector1">
+            <a:avLst/>
+          </a:prstGeom>
+          <a:ln>
+            <a:headEnd type="triangle"/>
+            <a:tailEnd type="triangle"/>
+          </a:ln>
+        </p:spPr>
+        <p:style>
+          <a:lnRef idx="1">
+            <a:schemeClr val="accent1"/>
+          </a:lnRef>
+          <a:fillRef idx="0">
+            <a:schemeClr val="accent1"/>
+          </a:fillRef>
+          <a:effectRef idx="0">
+            <a:schemeClr val="accent1"/>
+          </a:effectRef>
+          <a:fontRef idx="minor">
+            <a:schemeClr val="tx1"/>
+          </a:fontRef>
+        </p:style>
+      </p:cxnSp>
+      <p:pic>
+        <p:nvPicPr>
+          <p:cNvPr id="34" name="Picture 33">
+            <a:extLst>
+              <a:ext uri="{FF2B5EF4-FFF2-40B4-BE49-F238E27FC236}">
+                <a16:creationId xmlns:a16="http://schemas.microsoft.com/office/drawing/2014/main" id="{10C4C115-ADDD-4A24-A96C-4D85EBC61FEB}"/>
+              </a:ext>
+            </a:extLst>
+          </p:cNvPr>
+          <p:cNvPicPr>
+            <a:picLocks noChangeAspect="1"/>
+          </p:cNvPicPr>
+          <p:nvPr/>
+        </p:nvPicPr>
+        <p:blipFill>
+          <a:blip r:embed="rId8">
+            <a:extLst>
+              <a:ext uri="{28A0092B-C50C-407E-A947-70E740481C1C}">
+                <a14:useLocalDpi xmlns:a14="http://schemas.microsoft.com/office/drawing/2010/main" val="0"/>
+              </a:ext>
+            </a:extLst>
+          </a:blip>
+          <a:stretch>
+            <a:fillRect/>
+          </a:stretch>
+        </p:blipFill>
+        <p:spPr>
+          <a:xfrm>
+            <a:off x="8554391" y="2527171"/>
+            <a:ext cx="220535" cy="220535"/>
+          </a:xfrm>
+          <a:prstGeom prst="rect">
+            <a:avLst/>
+          </a:prstGeom>
+        </p:spPr>
+      </p:pic>
+      <p:pic>
+        <p:nvPicPr>
+          <p:cNvPr id="36" name="Picture 35">
+            <a:extLst>
+              <a:ext uri="{FF2B5EF4-FFF2-40B4-BE49-F238E27FC236}">
+                <a16:creationId xmlns:a16="http://schemas.microsoft.com/office/drawing/2014/main" id="{FB772AA8-A3E2-46FD-A6CD-E3DC3D7E26A5}"/>
+              </a:ext>
+            </a:extLst>
+          </p:cNvPr>
+          <p:cNvPicPr>
+            <a:picLocks noChangeAspect="1"/>
+          </p:cNvPicPr>
+          <p:nvPr/>
+        </p:nvPicPr>
+        <p:blipFill>
+          <a:blip r:embed="rId8">
+            <a:extLst>
+              <a:ext uri="{28A0092B-C50C-407E-A947-70E740481C1C}">
+                <a14:useLocalDpi xmlns:a14="http://schemas.microsoft.com/office/drawing/2010/main" val="0"/>
+              </a:ext>
+            </a:extLst>
+          </a:blip>
+          <a:stretch>
+            <a:fillRect/>
+          </a:stretch>
+        </p:blipFill>
+        <p:spPr>
+          <a:xfrm>
+            <a:off x="8682690" y="2336668"/>
+            <a:ext cx="220535" cy="220535"/>
+          </a:xfrm>
+          <a:prstGeom prst="rect">
+            <a:avLst/>
+          </a:prstGeom>
+        </p:spPr>
+      </p:pic>
+      <p:pic>
+        <p:nvPicPr>
+          <p:cNvPr id="37" name="Picture 36">
+            <a:extLst>
+              <a:ext uri="{FF2B5EF4-FFF2-40B4-BE49-F238E27FC236}">
+                <a16:creationId xmlns:a16="http://schemas.microsoft.com/office/drawing/2014/main" id="{07CE1CF4-6E40-46B4-8086-0D0B3BBB3B78}"/>
+              </a:ext>
+            </a:extLst>
+          </p:cNvPr>
+          <p:cNvPicPr>
+            <a:picLocks noChangeAspect="1"/>
+          </p:cNvPicPr>
+          <p:nvPr/>
+        </p:nvPicPr>
+        <p:blipFill>
+          <a:blip r:embed="rId8">
+            <a:extLst>
+              <a:ext uri="{28A0092B-C50C-407E-A947-70E740481C1C}">
+                <a14:useLocalDpi xmlns:a14="http://schemas.microsoft.com/office/drawing/2010/main" val="0"/>
+              </a:ext>
+            </a:extLst>
+          </a:blip>
+          <a:stretch>
+            <a:fillRect/>
+          </a:stretch>
+        </p:blipFill>
+        <p:spPr>
+          <a:xfrm>
+            <a:off x="8785949" y="2527171"/>
+            <a:ext cx="220535" cy="220535"/>
+          </a:xfrm>
+          <a:prstGeom prst="rect">
+            <a:avLst/>
+          </a:prstGeom>
+        </p:spPr>
+      </p:pic>
+      <p:pic>
+        <p:nvPicPr>
+          <p:cNvPr id="38" name="Picture 37">
+            <a:extLst>
+              <a:ext uri="{FF2B5EF4-FFF2-40B4-BE49-F238E27FC236}">
+                <a16:creationId xmlns:a16="http://schemas.microsoft.com/office/drawing/2014/main" id="{2885A3D5-C7F2-4F77-B2D1-6E3030C060F7}"/>
+              </a:ext>
+            </a:extLst>
+          </p:cNvPr>
+          <p:cNvPicPr>
+            <a:picLocks noChangeAspect="1"/>
+          </p:cNvPicPr>
+          <p:nvPr/>
+        </p:nvPicPr>
+        <p:blipFill>
+          <a:blip r:embed="rId3">
+            <a:extLst>
+              <a:ext uri="{28A0092B-C50C-407E-A947-70E740481C1C}">
+                <a14:useLocalDpi xmlns:a14="http://schemas.microsoft.com/office/drawing/2010/main" val="0"/>
+              </a:ext>
+            </a:extLst>
+          </a:blip>
+          <a:stretch>
+            <a:fillRect/>
+          </a:stretch>
+        </p:blipFill>
+        <p:spPr>
+          <a:xfrm>
+            <a:off x="5168013" y="3760011"/>
+            <a:ext cx="380998" cy="380998"/>
+          </a:xfrm>
+          <a:prstGeom prst="rect">
+            <a:avLst/>
+          </a:prstGeom>
+        </p:spPr>
+      </p:pic>
+      <p:pic>
+        <p:nvPicPr>
+          <p:cNvPr id="39" name="Picture 38">
+            <a:extLst>
+              <a:ext uri="{FF2B5EF4-FFF2-40B4-BE49-F238E27FC236}">
+                <a16:creationId xmlns:a16="http://schemas.microsoft.com/office/drawing/2014/main" id="{75639B65-F607-48CB-B356-9148B049421F}"/>
+              </a:ext>
+            </a:extLst>
+          </p:cNvPr>
+          <p:cNvPicPr>
+            <a:picLocks noChangeAspect="1"/>
+          </p:cNvPicPr>
+          <p:nvPr/>
+        </p:nvPicPr>
+        <p:blipFill>
+          <a:blip r:embed="rId3">
+            <a:extLst>
+              <a:ext uri="{28A0092B-C50C-407E-A947-70E740481C1C}">
+                <a14:useLocalDpi xmlns:a14="http://schemas.microsoft.com/office/drawing/2010/main" val="0"/>
+              </a:ext>
+            </a:extLst>
+          </a:blip>
+          <a:stretch>
+            <a:fillRect/>
+          </a:stretch>
+        </p:blipFill>
+        <p:spPr>
+          <a:xfrm>
+            <a:off x="5430468" y="3760916"/>
+            <a:ext cx="380998" cy="380998"/>
+          </a:xfrm>
+          <a:prstGeom prst="rect">
+            <a:avLst/>
+          </a:prstGeom>
+        </p:spPr>
+      </p:pic>
+      <p:pic>
+        <p:nvPicPr>
+          <p:cNvPr id="40" name="Picture 39">
+            <a:extLst>
+              <a:ext uri="{FF2B5EF4-FFF2-40B4-BE49-F238E27FC236}">
+                <a16:creationId xmlns:a16="http://schemas.microsoft.com/office/drawing/2014/main" id="{F7529474-0F4A-4622-A16A-B83B543EABF7}"/>
+              </a:ext>
+            </a:extLst>
+          </p:cNvPr>
+          <p:cNvPicPr>
+            <a:picLocks noChangeAspect="1"/>
+          </p:cNvPicPr>
+          <p:nvPr/>
+        </p:nvPicPr>
+        <p:blipFill>
+          <a:blip r:embed="rId3">
+            <a:extLst>
+              <a:ext uri="{28A0092B-C50C-407E-A947-70E740481C1C}">
+                <a14:useLocalDpi xmlns:a14="http://schemas.microsoft.com/office/drawing/2010/main" val="0"/>
+              </a:ext>
+            </a:extLst>
+          </a:blip>
+          <a:stretch>
+            <a:fillRect/>
+          </a:stretch>
+        </p:blipFill>
+        <p:spPr>
+          <a:xfrm>
+            <a:off x="5170435" y="4141013"/>
+            <a:ext cx="380998" cy="380998"/>
+          </a:xfrm>
+          <a:prstGeom prst="rect">
+            <a:avLst/>
+          </a:prstGeom>
+        </p:spPr>
+      </p:pic>
+      <p:pic>
+        <p:nvPicPr>
+          <p:cNvPr id="41" name="Picture 40">
+            <a:extLst>
+              <a:ext uri="{FF2B5EF4-FFF2-40B4-BE49-F238E27FC236}">
+                <a16:creationId xmlns:a16="http://schemas.microsoft.com/office/drawing/2014/main" id="{A0D52036-36CF-4171-A235-FC53C8F7A453}"/>
+              </a:ext>
+            </a:extLst>
+          </p:cNvPr>
+          <p:cNvPicPr>
+            <a:picLocks noChangeAspect="1"/>
+          </p:cNvPicPr>
+          <p:nvPr/>
+        </p:nvPicPr>
+        <p:blipFill>
+          <a:blip r:embed="rId3">
+            <a:extLst>
+              <a:ext uri="{28A0092B-C50C-407E-A947-70E740481C1C}">
+                <a14:useLocalDpi xmlns:a14="http://schemas.microsoft.com/office/drawing/2010/main" val="0"/>
+              </a:ext>
+            </a:extLst>
+          </a:blip>
+          <a:stretch>
+            <a:fillRect/>
+          </a:stretch>
+        </p:blipFill>
+        <p:spPr>
+          <a:xfrm>
+            <a:off x="5432890" y="4141918"/>
+            <a:ext cx="380998" cy="380998"/>
+          </a:xfrm>
+          <a:prstGeom prst="rect">
+            <a:avLst/>
+          </a:prstGeom>
+        </p:spPr>
+      </p:pic>
+      <p:sp>
+        <p:nvSpPr>
+          <p:cNvPr id="42" name="TextBox 41">
+            <a:extLst>
+              <a:ext uri="{FF2B5EF4-FFF2-40B4-BE49-F238E27FC236}">
+                <a16:creationId xmlns:a16="http://schemas.microsoft.com/office/drawing/2014/main" id="{C64CA6D8-3637-433E-A7BB-6D2D6D686373}"/>
+              </a:ext>
+            </a:extLst>
+          </p:cNvPr>
+          <p:cNvSpPr txBox="1"/>
+          <p:nvPr/>
+        </p:nvSpPr>
+        <p:spPr>
+          <a:xfrm>
+            <a:off x="4927891" y="4621413"/>
+            <a:ext cx="2017988" cy="338554"/>
+          </a:xfrm>
+          <a:prstGeom prst="rect">
+            <a:avLst/>
+          </a:prstGeom>
+          <a:noFill/>
+        </p:spPr>
+        <p:txBody>
+          <a:bodyPr wrap="none" rtlCol="0">
+            <a:spAutoFit/>
+          </a:bodyPr>
+          <a:lstStyle/>
+          <a:p>
+            <a:r>
+              <a:rPr lang="en-US" sz="1600" dirty="0"/>
+              <a:t>File Download Service</a:t>
+            </a:r>
+          </a:p>
+        </p:txBody>
+      </p:sp>
+      <p:cxnSp>
+        <p:nvCxnSpPr>
+          <p:cNvPr id="43" name="Straight Arrow Connector 42">
+            <a:extLst>
+              <a:ext uri="{FF2B5EF4-FFF2-40B4-BE49-F238E27FC236}">
+                <a16:creationId xmlns:a16="http://schemas.microsoft.com/office/drawing/2014/main" id="{F1C90F01-2A6A-4417-8DEB-34B0973359C6}"/>
+              </a:ext>
+            </a:extLst>
+          </p:cNvPr>
+          <p:cNvCxnSpPr>
+            <a:cxnSpLocks/>
+            <a:stCxn id="21" idx="2"/>
+            <a:endCxn id="41" idx="3"/>
+          </p:cNvCxnSpPr>
+          <p:nvPr/>
+        </p:nvCxnSpPr>
+        <p:spPr>
+          <a:xfrm flipH="1">
+            <a:off x="5813888" y="2910963"/>
+            <a:ext cx="2961039" cy="1421454"/>
+          </a:xfrm>
+          <a:prstGeom prst="straightConnector1">
+            <a:avLst/>
+          </a:prstGeom>
+          <a:ln>
+            <a:tailEnd type="triangle"/>
+          </a:ln>
+        </p:spPr>
+        <p:style>
+          <a:lnRef idx="1">
+            <a:schemeClr val="accent1"/>
+          </a:lnRef>
+          <a:fillRef idx="0">
+            <a:schemeClr val="accent1"/>
+          </a:fillRef>
+          <a:effectRef idx="0">
+            <a:schemeClr val="accent1"/>
+          </a:effectRef>
+          <a:fontRef idx="minor">
+            <a:schemeClr val="tx1"/>
+          </a:fontRef>
+        </p:style>
+      </p:cxnSp>
+      <p:cxnSp>
+        <p:nvCxnSpPr>
+          <p:cNvPr id="44" name="Straight Arrow Connector 43">
+            <a:extLst>
+              <a:ext uri="{FF2B5EF4-FFF2-40B4-BE49-F238E27FC236}">
+                <a16:creationId xmlns:a16="http://schemas.microsoft.com/office/drawing/2014/main" id="{23C354A9-9696-48C2-9E1C-BD6A0A319285}"/>
+              </a:ext>
+            </a:extLst>
+          </p:cNvPr>
+          <p:cNvCxnSpPr>
+            <a:cxnSpLocks/>
+          </p:cNvCxnSpPr>
+          <p:nvPr/>
+        </p:nvCxnSpPr>
+        <p:spPr>
+          <a:xfrm>
+            <a:off x="4239921" y="2924340"/>
+            <a:ext cx="813128" cy="697350"/>
+          </a:xfrm>
+          <a:prstGeom prst="straightConnector1">
+            <a:avLst/>
+          </a:prstGeom>
+          <a:ln>
+            <a:headEnd type="triangle"/>
+            <a:tailEnd type="triangle"/>
+          </a:ln>
+        </p:spPr>
+        <p:style>
+          <a:lnRef idx="1">
+            <a:schemeClr val="accent1"/>
+          </a:lnRef>
+          <a:fillRef idx="0">
+            <a:schemeClr val="accent1"/>
+          </a:fillRef>
+          <a:effectRef idx="0">
+            <a:schemeClr val="accent1"/>
+          </a:effectRef>
+          <a:fontRef idx="minor">
+            <a:schemeClr val="tx1"/>
+          </a:fontRef>
+        </p:style>
+      </p:cxnSp>
+      <p:pic>
+        <p:nvPicPr>
+          <p:cNvPr id="45" name="Picture 44">
+            <a:extLst>
+              <a:ext uri="{FF2B5EF4-FFF2-40B4-BE49-F238E27FC236}">
+                <a16:creationId xmlns:a16="http://schemas.microsoft.com/office/drawing/2014/main" id="{10CB6E65-D58F-4A3D-B17A-8680A0DFE73E}"/>
+              </a:ext>
+            </a:extLst>
+          </p:cNvPr>
+          <p:cNvPicPr>
+            <a:picLocks noChangeAspect="1"/>
+          </p:cNvPicPr>
+          <p:nvPr/>
+        </p:nvPicPr>
+        <p:blipFill>
+          <a:blip r:embed="rId3">
+            <a:extLst>
+              <a:ext uri="{28A0092B-C50C-407E-A947-70E740481C1C}">
+                <a14:useLocalDpi xmlns:a14="http://schemas.microsoft.com/office/drawing/2010/main" val="0"/>
+              </a:ext>
+            </a:extLst>
+          </a:blip>
+          <a:stretch>
+            <a:fillRect/>
+          </a:stretch>
+        </p:blipFill>
+        <p:spPr>
+          <a:xfrm>
+            <a:off x="5154133" y="823952"/>
+            <a:ext cx="380998" cy="380998"/>
+          </a:xfrm>
+          <a:prstGeom prst="rect">
+            <a:avLst/>
+          </a:prstGeom>
+        </p:spPr>
+      </p:pic>
+      <p:sp>
+        <p:nvSpPr>
+          <p:cNvPr id="47" name="TextBox 46">
+            <a:extLst>
+              <a:ext uri="{FF2B5EF4-FFF2-40B4-BE49-F238E27FC236}">
+                <a16:creationId xmlns:a16="http://schemas.microsoft.com/office/drawing/2014/main" id="{8614C4A4-5D71-44B4-9D91-579D5C70632E}"/>
+              </a:ext>
+            </a:extLst>
+          </p:cNvPr>
+          <p:cNvSpPr txBox="1"/>
+          <p:nvPr/>
+        </p:nvSpPr>
+        <p:spPr>
+          <a:xfrm>
+            <a:off x="4925469" y="1625023"/>
+            <a:ext cx="1762277" cy="338554"/>
+          </a:xfrm>
+          <a:prstGeom prst="rect">
+            <a:avLst/>
+          </a:prstGeom>
+          <a:noFill/>
+        </p:spPr>
+        <p:txBody>
+          <a:bodyPr wrap="none" rtlCol="0">
+            <a:spAutoFit/>
+          </a:bodyPr>
+          <a:lstStyle/>
+          <a:p>
+            <a:r>
+              <a:rPr lang="en-US" sz="1600" dirty="0"/>
+              <a:t>File History Service</a:t>
+            </a:r>
+          </a:p>
+        </p:txBody>
+      </p:sp>
+      <p:pic>
+        <p:nvPicPr>
+          <p:cNvPr id="48" name="Picture 47">
+            <a:extLst>
+              <a:ext uri="{FF2B5EF4-FFF2-40B4-BE49-F238E27FC236}">
+                <a16:creationId xmlns:a16="http://schemas.microsoft.com/office/drawing/2014/main" id="{3A9B5347-67C2-4961-BAF2-D53584C8B564}"/>
+              </a:ext>
+            </a:extLst>
+          </p:cNvPr>
+          <p:cNvPicPr>
+            <a:picLocks noChangeAspect="1"/>
+          </p:cNvPicPr>
+          <p:nvPr/>
+        </p:nvPicPr>
+        <p:blipFill>
+          <a:blip r:embed="rId3">
+            <a:extLst>
+              <a:ext uri="{28A0092B-C50C-407E-A947-70E740481C1C}">
+                <a14:useLocalDpi xmlns:a14="http://schemas.microsoft.com/office/drawing/2010/main" val="0"/>
+              </a:ext>
+            </a:extLst>
+          </a:blip>
+          <a:stretch>
+            <a:fillRect/>
+          </a:stretch>
+        </p:blipFill>
+        <p:spPr>
+          <a:xfrm>
+            <a:off x="5416588" y="824857"/>
+            <a:ext cx="380998" cy="380998"/>
+          </a:xfrm>
+          <a:prstGeom prst="rect">
+            <a:avLst/>
+          </a:prstGeom>
+        </p:spPr>
+      </p:pic>
+      <p:pic>
+        <p:nvPicPr>
+          <p:cNvPr id="49" name="Picture 48">
+            <a:extLst>
+              <a:ext uri="{FF2B5EF4-FFF2-40B4-BE49-F238E27FC236}">
+                <a16:creationId xmlns:a16="http://schemas.microsoft.com/office/drawing/2014/main" id="{98688AC4-F604-4354-94F3-68397C7E6E57}"/>
+              </a:ext>
+            </a:extLst>
+          </p:cNvPr>
+          <p:cNvPicPr>
+            <a:picLocks noChangeAspect="1"/>
+          </p:cNvPicPr>
+          <p:nvPr/>
+        </p:nvPicPr>
+        <p:blipFill>
+          <a:blip r:embed="rId3">
+            <a:extLst>
+              <a:ext uri="{28A0092B-C50C-407E-A947-70E740481C1C}">
+                <a14:useLocalDpi xmlns:a14="http://schemas.microsoft.com/office/drawing/2010/main" val="0"/>
+              </a:ext>
+            </a:extLst>
+          </a:blip>
+          <a:stretch>
+            <a:fillRect/>
+          </a:stretch>
+        </p:blipFill>
+        <p:spPr>
+          <a:xfrm>
+            <a:off x="5156555" y="1204954"/>
+            <a:ext cx="380998" cy="380998"/>
+          </a:xfrm>
+          <a:prstGeom prst="rect">
+            <a:avLst/>
+          </a:prstGeom>
+        </p:spPr>
+      </p:pic>
+      <p:pic>
+        <p:nvPicPr>
+          <p:cNvPr id="50" name="Picture 49">
+            <a:extLst>
+              <a:ext uri="{FF2B5EF4-FFF2-40B4-BE49-F238E27FC236}">
+                <a16:creationId xmlns:a16="http://schemas.microsoft.com/office/drawing/2014/main" id="{CFA4857E-73BA-4A41-BCBC-7AB180749AEA}"/>
+              </a:ext>
+            </a:extLst>
+          </p:cNvPr>
+          <p:cNvPicPr>
+            <a:picLocks noChangeAspect="1"/>
+          </p:cNvPicPr>
+          <p:nvPr/>
+        </p:nvPicPr>
+        <p:blipFill>
+          <a:blip r:embed="rId3">
+            <a:extLst>
+              <a:ext uri="{28A0092B-C50C-407E-A947-70E740481C1C}">
+                <a14:useLocalDpi xmlns:a14="http://schemas.microsoft.com/office/drawing/2010/main" val="0"/>
+              </a:ext>
+            </a:extLst>
+          </a:blip>
+          <a:stretch>
+            <a:fillRect/>
+          </a:stretch>
+        </p:blipFill>
+        <p:spPr>
+          <a:xfrm>
+            <a:off x="5419010" y="1205859"/>
+            <a:ext cx="380998" cy="380998"/>
+          </a:xfrm>
+          <a:prstGeom prst="rect">
+            <a:avLst/>
+          </a:prstGeom>
+        </p:spPr>
+      </p:pic>
+      <p:cxnSp>
+        <p:nvCxnSpPr>
+          <p:cNvPr id="51" name="Straight Arrow Connector 50">
+            <a:extLst>
+              <a:ext uri="{FF2B5EF4-FFF2-40B4-BE49-F238E27FC236}">
+                <a16:creationId xmlns:a16="http://schemas.microsoft.com/office/drawing/2014/main" id="{1727DEDF-98CF-4F04-9DD6-8F41CEF2BF01}"/>
+              </a:ext>
+            </a:extLst>
+          </p:cNvPr>
+          <p:cNvCxnSpPr>
+            <a:cxnSpLocks/>
+          </p:cNvCxnSpPr>
+          <p:nvPr/>
+        </p:nvCxnSpPr>
+        <p:spPr>
+          <a:xfrm flipV="1">
+            <a:off x="4292871" y="1258289"/>
+            <a:ext cx="714241" cy="932582"/>
+          </a:xfrm>
+          <a:prstGeom prst="straightConnector1">
+            <a:avLst/>
+          </a:prstGeom>
+          <a:ln>
+            <a:headEnd type="triangle"/>
+            <a:tailEnd type="triangle"/>
+          </a:ln>
+        </p:spPr>
+        <p:style>
+          <a:lnRef idx="1">
+            <a:schemeClr val="accent1"/>
+          </a:lnRef>
+          <a:fillRef idx="0">
+            <a:schemeClr val="accent1"/>
+          </a:fillRef>
+          <a:effectRef idx="0">
+            <a:schemeClr val="accent1"/>
+          </a:effectRef>
+          <a:fontRef idx="minor">
+            <a:schemeClr val="tx1"/>
+          </a:fontRef>
+        </p:style>
+      </p:cxnSp>
+      <p:cxnSp>
+        <p:nvCxnSpPr>
+          <p:cNvPr id="53" name="Straight Arrow Connector 52">
+            <a:extLst>
+              <a:ext uri="{FF2B5EF4-FFF2-40B4-BE49-F238E27FC236}">
+                <a16:creationId xmlns:a16="http://schemas.microsoft.com/office/drawing/2014/main" id="{06A38A65-7D4D-465F-9DEB-81A994B20018}"/>
+              </a:ext>
+            </a:extLst>
+          </p:cNvPr>
+          <p:cNvCxnSpPr>
+            <a:cxnSpLocks/>
+          </p:cNvCxnSpPr>
+          <p:nvPr/>
+        </p:nvCxnSpPr>
+        <p:spPr>
+          <a:xfrm>
+            <a:off x="5962894" y="1204950"/>
+            <a:ext cx="2488238" cy="1014084"/>
+          </a:xfrm>
+          <a:prstGeom prst="straightConnector1">
+            <a:avLst/>
+          </a:prstGeom>
+          <a:ln>
+            <a:tailEnd type="triangle"/>
+          </a:ln>
+        </p:spPr>
+        <p:style>
+          <a:lnRef idx="1">
+            <a:schemeClr val="accent1"/>
+          </a:lnRef>
+          <a:fillRef idx="0">
+            <a:schemeClr val="accent1"/>
+          </a:fillRef>
+          <a:effectRef idx="0">
+            <a:schemeClr val="accent1"/>
+          </a:effectRef>
+          <a:fontRef idx="minor">
+            <a:schemeClr val="tx1"/>
+          </a:fontRef>
+        </p:style>
+      </p:cxnSp>
     </p:spTree>
     <p:extLst>
       <p:ext uri="{BB962C8B-B14F-4D97-AF65-F5344CB8AC3E}">
-        <p14:creationId xmlns:p14="http://schemas.microsoft.com/office/powerpoint/2010/main" val="1430467737"/>
+        <p14:creationId xmlns:p14="http://schemas.microsoft.com/office/powerpoint/2010/main" val="1774794477"/>
       </p:ext>
     </p:extLst>
   </p:cSld>
@@ -5250,8 +5297,8 @@
         </p:blipFill>
         <p:spPr>
           <a:xfrm>
-            <a:off x="1489353" y="1136904"/>
-            <a:ext cx="649224" cy="649224"/>
+            <a:off x="1649890" y="2388611"/>
+            <a:ext cx="345604" cy="345604"/>
           </a:xfrm>
           <a:prstGeom prst="rect">
             <a:avLst/>
@@ -5286,8 +5333,8 @@
         </p:blipFill>
         <p:spPr>
           <a:xfrm>
-            <a:off x="4005072" y="2167981"/>
-            <a:ext cx="762000" cy="762000"/>
+            <a:off x="2797585" y="2285868"/>
+            <a:ext cx="559316" cy="559316"/>
           </a:xfrm>
           <a:prstGeom prst="rect">
             <a:avLst/>
@@ -5308,8 +5355,8 @@
         </p:nvSpPr>
         <p:spPr>
           <a:xfrm>
-            <a:off x="4205389" y="2938205"/>
-            <a:ext cx="375424" cy="338554"/>
+            <a:off x="2918864" y="2816250"/>
+            <a:ext cx="327334" cy="276999"/>
           </a:xfrm>
           <a:prstGeom prst="rect">
             <a:avLst/>
@@ -5322,9 +5369,10 @@
           </a:bodyPr>
           <a:lstStyle/>
           <a:p>
-            <a:r>
-              <a:rPr lang="en-US" sz="1600" dirty="0"/>
-              <a:t>L4</a:t>
+            <a:pPr algn="ctr"/>
+            <a:r>
+              <a:rPr lang="en-US" sz="1200" dirty="0"/>
+              <a:t>L7</a:t>
             </a:r>
           </a:p>
         </p:txBody>
@@ -5340,14 +5388,13 @@
           </p:cNvPr>
           <p:cNvCxnSpPr>
             <a:cxnSpLocks/>
-            <a:endCxn id="21" idx="1"/>
           </p:cNvCxnSpPr>
           <p:nvPr/>
         </p:nvCxnSpPr>
         <p:spPr>
           <a:xfrm flipV="1">
-            <a:off x="6028281" y="2529963"/>
-            <a:ext cx="2365646" cy="19018"/>
+            <a:off x="5113454" y="2564599"/>
+            <a:ext cx="1024526" cy="8236"/>
           </a:xfrm>
           <a:prstGeom prst="straightConnector1">
             <a:avLst/>
@@ -5399,8 +5446,8 @@
         </p:blipFill>
         <p:spPr>
           <a:xfrm>
-            <a:off x="1450430" y="2252405"/>
-            <a:ext cx="609600" cy="609600"/>
+            <a:off x="1289984" y="2399158"/>
+            <a:ext cx="324510" cy="324510"/>
           </a:xfrm>
           <a:prstGeom prst="rect">
             <a:avLst/>
@@ -5435,44 +5482,8 @@
         </p:blipFill>
         <p:spPr>
           <a:xfrm>
-            <a:off x="1376577" y="3099258"/>
-            <a:ext cx="762000" cy="762000"/>
-          </a:xfrm>
-          <a:prstGeom prst="rect">
-            <a:avLst/>
-          </a:prstGeom>
-        </p:spPr>
-      </p:pic>
-      <p:pic>
-        <p:nvPicPr>
-          <p:cNvPr id="21" name="Picture 20">
-            <a:extLst>
-              <a:ext uri="{FF2B5EF4-FFF2-40B4-BE49-F238E27FC236}">
-                <a16:creationId xmlns:a16="http://schemas.microsoft.com/office/drawing/2014/main" id="{93174603-C87D-4291-847F-AE2B1741DD8E}"/>
-              </a:ext>
-            </a:extLst>
-          </p:cNvPr>
-          <p:cNvPicPr>
-            <a:picLocks noChangeAspect="1"/>
-          </p:cNvPicPr>
-          <p:nvPr/>
-        </p:nvPicPr>
-        <p:blipFill>
-          <a:blip r:embed="rId6">
-            <a:extLst>
-              <a:ext uri="{28A0092B-C50C-407E-A947-70E740481C1C}">
-                <a14:useLocalDpi xmlns:a14="http://schemas.microsoft.com/office/drawing/2010/main" val="0"/>
-              </a:ext>
-            </a:extLst>
-          </a:blip>
-          <a:stretch>
-            <a:fillRect/>
-          </a:stretch>
-        </p:blipFill>
-        <p:spPr>
-          <a:xfrm>
-            <a:off x="8393927" y="2148963"/>
-            <a:ext cx="762000" cy="762000"/>
+            <a:off x="831382" y="2337010"/>
+            <a:ext cx="405638" cy="405638"/>
           </a:xfrm>
           <a:prstGeom prst="rect">
             <a:avLst/>
@@ -5481,111 +5492,22 @@
       </p:pic>
       <p:cxnSp>
         <p:nvCxnSpPr>
-          <p:cNvPr id="26" name="Straight Arrow Connector 25">
-            <a:extLst>
-              <a:ext uri="{FF2B5EF4-FFF2-40B4-BE49-F238E27FC236}">
-                <a16:creationId xmlns:a16="http://schemas.microsoft.com/office/drawing/2014/main" id="{76DB3B7F-BDF2-4DA5-B7CD-A8954B1A286F}"/>
-              </a:ext>
-            </a:extLst>
-          </p:cNvPr>
-          <p:cNvCxnSpPr>
-            <a:stCxn id="3" idx="3"/>
-            <a:endCxn id="14" idx="1"/>
-          </p:cNvCxnSpPr>
-          <p:nvPr/>
-        </p:nvCxnSpPr>
-        <p:spPr>
-          <a:xfrm flipV="1">
-            <a:off x="2060030" y="2548981"/>
-            <a:ext cx="1945042" cy="8224"/>
-          </a:xfrm>
-          <a:prstGeom prst="straightConnector1">
-            <a:avLst/>
-          </a:prstGeom>
-          <a:ln>
-            <a:headEnd type="triangle"/>
-            <a:tailEnd type="triangle"/>
-          </a:ln>
-        </p:spPr>
-        <p:style>
-          <a:lnRef idx="1">
-            <a:schemeClr val="accent1"/>
-          </a:lnRef>
-          <a:fillRef idx="0">
-            <a:schemeClr val="accent1"/>
-          </a:fillRef>
-          <a:effectRef idx="0">
-            <a:schemeClr val="accent1"/>
-          </a:effectRef>
-          <a:fontRef idx="minor">
-            <a:schemeClr val="tx1"/>
-          </a:fontRef>
-        </p:style>
-      </p:cxnSp>
-      <p:cxnSp>
-        <p:nvCxnSpPr>
-          <p:cNvPr id="28" name="Straight Arrow Connector 27">
-            <a:extLst>
-              <a:ext uri="{FF2B5EF4-FFF2-40B4-BE49-F238E27FC236}">
-                <a16:creationId xmlns:a16="http://schemas.microsoft.com/office/drawing/2014/main" id="{E64F958E-596C-4454-90DD-84AFF9C2ABB3}"/>
+          <p:cNvPr id="31" name="Straight Arrow Connector 30">
+            <a:extLst>
+              <a:ext uri="{FF2B5EF4-FFF2-40B4-BE49-F238E27FC236}">
+                <a16:creationId xmlns:a16="http://schemas.microsoft.com/office/drawing/2014/main" id="{B9B1C215-4FBD-4DAE-AB8B-515F320D047F}"/>
               </a:ext>
             </a:extLst>
           </p:cNvPr>
           <p:cNvCxnSpPr>
             <a:cxnSpLocks/>
-            <a:stCxn id="13" idx="3"/>
-            <a:endCxn id="14" idx="1"/>
           </p:cNvCxnSpPr>
           <p:nvPr/>
         </p:nvCxnSpPr>
         <p:spPr>
-          <a:xfrm flipV="1">
-            <a:off x="2138577" y="2548981"/>
-            <a:ext cx="1866495" cy="931277"/>
-          </a:xfrm>
-          <a:prstGeom prst="straightConnector1">
-            <a:avLst/>
-          </a:prstGeom>
-          <a:ln>
-            <a:headEnd type="triangle"/>
-            <a:tailEnd type="triangle"/>
-          </a:ln>
-        </p:spPr>
-        <p:style>
-          <a:lnRef idx="1">
-            <a:schemeClr val="accent1"/>
-          </a:lnRef>
-          <a:fillRef idx="0">
-            <a:schemeClr val="accent1"/>
-          </a:fillRef>
-          <a:effectRef idx="0">
-            <a:schemeClr val="accent1"/>
-          </a:effectRef>
-          <a:fontRef idx="minor">
-            <a:schemeClr val="tx1"/>
-          </a:fontRef>
-        </p:style>
-      </p:cxnSp>
-      <p:cxnSp>
-        <p:nvCxnSpPr>
-          <p:cNvPr id="31" name="Straight Arrow Connector 30">
-            <a:extLst>
-              <a:ext uri="{FF2B5EF4-FFF2-40B4-BE49-F238E27FC236}">
-                <a16:creationId xmlns:a16="http://schemas.microsoft.com/office/drawing/2014/main" id="{B9B1C215-4FBD-4DAE-AB8B-515F320D047F}"/>
-              </a:ext>
-            </a:extLst>
-          </p:cNvPr>
-          <p:cNvCxnSpPr>
-            <a:cxnSpLocks/>
-            <a:stCxn id="6" idx="3"/>
-            <a:endCxn id="14" idx="1"/>
-          </p:cNvCxnSpPr>
-          <p:nvPr/>
-        </p:nvCxnSpPr>
-        <p:spPr>
-          <a:xfrm>
-            <a:off x="2138577" y="1461516"/>
-            <a:ext cx="1866495" cy="1087465"/>
+          <a:xfrm>
+            <a:off x="1995494" y="2473952"/>
+            <a:ext cx="802091" cy="4113"/>
           </a:xfrm>
           <a:prstGeom prst="straightConnector1">
             <a:avLst/>
@@ -5625,7 +5547,7 @@
           <p:nvPr/>
         </p:nvPicPr>
         <p:blipFill>
-          <a:blip r:embed="rId7">
+          <a:blip r:embed="rId6">
             <a:extLst>
               <a:ext uri="{28A0092B-C50C-407E-A947-70E740481C1C}">
                 <a14:useLocalDpi xmlns:a14="http://schemas.microsoft.com/office/drawing/2010/main" val="0"/>
@@ -5638,8 +5560,8 @@
         </p:blipFill>
         <p:spPr>
           <a:xfrm>
-            <a:off x="2556710" y="787049"/>
-            <a:ext cx="515114" cy="515114"/>
+            <a:off x="1237007" y="1597978"/>
+            <a:ext cx="375972" cy="375972"/>
           </a:xfrm>
           <a:prstGeom prst="rect">
             <a:avLst/>
@@ -5674,7 +5596,7 @@
         </p:blipFill>
         <p:spPr>
           <a:xfrm>
-            <a:off x="5156555" y="2176205"/>
+            <a:off x="4241728" y="2200059"/>
             <a:ext cx="380998" cy="380998"/>
           </a:xfrm>
           <a:prstGeom prst="rect">
@@ -5696,8 +5618,8 @@
         </p:nvSpPr>
         <p:spPr>
           <a:xfrm>
-            <a:off x="4927891" y="2977276"/>
-            <a:ext cx="1767150" cy="338554"/>
+            <a:off x="3947195" y="2962058"/>
+            <a:ext cx="1372299" cy="276999"/>
           </a:xfrm>
           <a:prstGeom prst="rect">
             <a:avLst/>
@@ -5711,7 +5633,7 @@
           <a:lstStyle/>
           <a:p>
             <a:r>
-              <a:rPr lang="en-US" sz="1600" dirty="0"/>
+              <a:rPr lang="en-US" sz="1200" dirty="0"/>
               <a:t>File Upload Service</a:t>
             </a:r>
           </a:p>
@@ -5745,7 +5667,7 @@
         </p:blipFill>
         <p:spPr>
           <a:xfrm>
-            <a:off x="5419010" y="2177110"/>
+            <a:off x="4504183" y="2200964"/>
             <a:ext cx="380998" cy="380998"/>
           </a:xfrm>
           <a:prstGeom prst="rect">
@@ -5781,7 +5703,7 @@
         </p:blipFill>
         <p:spPr>
           <a:xfrm>
-            <a:off x="5158977" y="2557207"/>
+            <a:off x="4244150" y="2581061"/>
             <a:ext cx="380998" cy="380998"/>
           </a:xfrm>
           <a:prstGeom prst="rect">
@@ -5817,7 +5739,7 @@
         </p:blipFill>
         <p:spPr>
           <a:xfrm>
-            <a:off x="5421432" y="2558112"/>
+            <a:off x="4506605" y="2581966"/>
             <a:ext cx="380998" cy="380998"/>
           </a:xfrm>
           <a:prstGeom prst="rect">
@@ -5836,15 +5758,13 @@
           </p:cNvPr>
           <p:cNvCxnSpPr>
             <a:cxnSpLocks/>
-            <a:stCxn id="14" idx="3"/>
-            <a:endCxn id="30" idx="1"/>
           </p:cNvCxnSpPr>
           <p:nvPr/>
         </p:nvCxnSpPr>
         <p:spPr>
           <a:xfrm>
-            <a:off x="4767072" y="2548981"/>
-            <a:ext cx="391905" cy="198725"/>
+            <a:off x="3356901" y="2539282"/>
+            <a:ext cx="806952" cy="0"/>
           </a:xfrm>
           <a:prstGeom prst="straightConnector1">
             <a:avLst/>
@@ -5884,7 +5804,7 @@
           <p:nvPr/>
         </p:nvPicPr>
         <p:blipFill>
-          <a:blip r:embed="rId8">
+          <a:blip r:embed="rId7">
             <a:extLst>
               <a:ext uri="{28A0092B-C50C-407E-A947-70E740481C1C}">
                 <a14:useLocalDpi xmlns:a14="http://schemas.microsoft.com/office/drawing/2010/main" val="0"/>
@@ -5897,7 +5817,7 @@
         </p:blipFill>
         <p:spPr>
           <a:xfrm>
-            <a:off x="8554391" y="2527171"/>
+            <a:off x="7425370" y="2734215"/>
             <a:ext cx="220535" cy="220535"/>
           </a:xfrm>
           <a:prstGeom prst="rect">
@@ -5920,7 +5840,7 @@
           <p:nvPr/>
         </p:nvPicPr>
         <p:blipFill>
-          <a:blip r:embed="rId8">
+          <a:blip r:embed="rId7">
             <a:extLst>
               <a:ext uri="{28A0092B-C50C-407E-A947-70E740481C1C}">
                 <a14:useLocalDpi xmlns:a14="http://schemas.microsoft.com/office/drawing/2010/main" val="0"/>
@@ -5933,7 +5853,7 @@
         </p:blipFill>
         <p:spPr>
           <a:xfrm>
-            <a:off x="8682690" y="2336668"/>
+            <a:off x="7425371" y="2131248"/>
             <a:ext cx="220535" cy="220535"/>
           </a:xfrm>
           <a:prstGeom prst="rect">
@@ -5956,7 +5876,7 @@
           <p:nvPr/>
         </p:nvPicPr>
         <p:blipFill>
-          <a:blip r:embed="rId8">
+          <a:blip r:embed="rId7">
             <a:extLst>
               <a:ext uri="{28A0092B-C50C-407E-A947-70E740481C1C}">
                 <a14:useLocalDpi xmlns:a14="http://schemas.microsoft.com/office/drawing/2010/main" val="0"/>
@@ -5969,7 +5889,7 @@
         </p:blipFill>
         <p:spPr>
           <a:xfrm>
-            <a:off x="8785949" y="2527171"/>
+            <a:off x="7425371" y="2429015"/>
             <a:ext cx="220535" cy="220535"/>
           </a:xfrm>
           <a:prstGeom prst="rect">
@@ -5979,10 +5899,10 @@
       </p:pic>
       <p:pic>
         <p:nvPicPr>
-          <p:cNvPr id="38" name="Picture 37">
-            <a:extLst>
-              <a:ext uri="{FF2B5EF4-FFF2-40B4-BE49-F238E27FC236}">
-                <a16:creationId xmlns:a16="http://schemas.microsoft.com/office/drawing/2014/main" id="{2885A3D5-C7F2-4F77-B2D1-6E3030C060F7}"/>
+          <p:cNvPr id="4" name="Picture 3">
+            <a:extLst>
+              <a:ext uri="{FF2B5EF4-FFF2-40B4-BE49-F238E27FC236}">
+                <a16:creationId xmlns:a16="http://schemas.microsoft.com/office/drawing/2014/main" id="{26F96EE4-8B16-4F86-8BFE-3D98BB2066CF}"/>
               </a:ext>
             </a:extLst>
           </p:cNvPr>
@@ -5992,7 +5912,7 @@
           <p:nvPr/>
         </p:nvPicPr>
         <p:blipFill>
-          <a:blip r:embed="rId3">
+          <a:blip r:embed="rId8">
             <a:extLst>
               <a:ext uri="{28A0092B-C50C-407E-A947-70E740481C1C}">
                 <a14:useLocalDpi xmlns:a14="http://schemas.microsoft.com/office/drawing/2010/main" val="0"/>
@@ -6005,8 +5925,8 @@
         </p:blipFill>
         <p:spPr>
           <a:xfrm>
-            <a:off x="5168013" y="3760011"/>
-            <a:ext cx="380998" cy="380998"/>
+            <a:off x="6419358" y="2127667"/>
+            <a:ext cx="385463" cy="385463"/>
           </a:xfrm>
           <a:prstGeom prst="rect">
             <a:avLst/>
@@ -6015,10 +5935,10 @@
       </p:pic>
       <p:pic>
         <p:nvPicPr>
-          <p:cNvPr id="39" name="Picture 38">
-            <a:extLst>
-              <a:ext uri="{FF2B5EF4-FFF2-40B4-BE49-F238E27FC236}">
-                <a16:creationId xmlns:a16="http://schemas.microsoft.com/office/drawing/2014/main" id="{75639B65-F607-48CB-B356-9148B049421F}"/>
+          <p:cNvPr id="35" name="Picture 34">
+            <a:extLst>
+              <a:ext uri="{FF2B5EF4-FFF2-40B4-BE49-F238E27FC236}">
+                <a16:creationId xmlns:a16="http://schemas.microsoft.com/office/drawing/2014/main" id="{286324E7-271C-41DA-AC78-8B9205B29A5A}"/>
               </a:ext>
             </a:extLst>
           </p:cNvPr>
@@ -6028,7 +5948,7 @@
           <p:nvPr/>
         </p:nvPicPr>
         <p:blipFill>
-          <a:blip r:embed="rId3">
+          <a:blip r:embed="rId8">
             <a:extLst>
               <a:ext uri="{28A0092B-C50C-407E-A947-70E740481C1C}">
                 <a14:useLocalDpi xmlns:a14="http://schemas.microsoft.com/office/drawing/2010/main" val="0"/>
@@ -6041,80 +5961,8 @@
         </p:blipFill>
         <p:spPr>
           <a:xfrm>
-            <a:off x="5430468" y="3760916"/>
-            <a:ext cx="380998" cy="380998"/>
-          </a:xfrm>
-          <a:prstGeom prst="rect">
-            <a:avLst/>
-          </a:prstGeom>
-        </p:spPr>
-      </p:pic>
-      <p:pic>
-        <p:nvPicPr>
-          <p:cNvPr id="40" name="Picture 39">
-            <a:extLst>
-              <a:ext uri="{FF2B5EF4-FFF2-40B4-BE49-F238E27FC236}">
-                <a16:creationId xmlns:a16="http://schemas.microsoft.com/office/drawing/2014/main" id="{F7529474-0F4A-4622-A16A-B83B543EABF7}"/>
-              </a:ext>
-            </a:extLst>
-          </p:cNvPr>
-          <p:cNvPicPr>
-            <a:picLocks noChangeAspect="1"/>
-          </p:cNvPicPr>
-          <p:nvPr/>
-        </p:nvPicPr>
-        <p:blipFill>
-          <a:blip r:embed="rId3">
-            <a:extLst>
-              <a:ext uri="{28A0092B-C50C-407E-A947-70E740481C1C}">
-                <a14:useLocalDpi xmlns:a14="http://schemas.microsoft.com/office/drawing/2010/main" val="0"/>
-              </a:ext>
-            </a:extLst>
-          </a:blip>
-          <a:stretch>
-            <a:fillRect/>
-          </a:stretch>
-        </p:blipFill>
-        <p:spPr>
-          <a:xfrm>
-            <a:off x="5170435" y="4141013"/>
-            <a:ext cx="380998" cy="380998"/>
-          </a:xfrm>
-          <a:prstGeom prst="rect">
-            <a:avLst/>
-          </a:prstGeom>
-        </p:spPr>
-      </p:pic>
-      <p:pic>
-        <p:nvPicPr>
-          <p:cNvPr id="41" name="Picture 40">
-            <a:extLst>
-              <a:ext uri="{FF2B5EF4-FFF2-40B4-BE49-F238E27FC236}">
-                <a16:creationId xmlns:a16="http://schemas.microsoft.com/office/drawing/2014/main" id="{A0D52036-36CF-4171-A235-FC53C8F7A453}"/>
-              </a:ext>
-            </a:extLst>
-          </p:cNvPr>
-          <p:cNvPicPr>
-            <a:picLocks noChangeAspect="1"/>
-          </p:cNvPicPr>
-          <p:nvPr/>
-        </p:nvPicPr>
-        <p:blipFill>
-          <a:blip r:embed="rId3">
-            <a:extLst>
-              <a:ext uri="{28A0092B-C50C-407E-A947-70E740481C1C}">
-                <a14:useLocalDpi xmlns:a14="http://schemas.microsoft.com/office/drawing/2010/main" val="0"/>
-              </a:ext>
-            </a:extLst>
-          </a:blip>
-          <a:stretch>
-            <a:fillRect/>
-          </a:stretch>
-        </p:blipFill>
-        <p:spPr>
-          <a:xfrm>
-            <a:off x="5432890" y="4141918"/>
-            <a:ext cx="380998" cy="380998"/>
+            <a:off x="6419358" y="2572835"/>
+            <a:ext cx="385463" cy="385463"/>
           </a:xfrm>
           <a:prstGeom prst="rect">
             <a:avLst/>
@@ -6123,10 +5971,10 @@
       </p:pic>
       <p:sp>
         <p:nvSpPr>
-          <p:cNvPr id="42" name="TextBox 41">
-            <a:extLst>
-              <a:ext uri="{FF2B5EF4-FFF2-40B4-BE49-F238E27FC236}">
-                <a16:creationId xmlns:a16="http://schemas.microsoft.com/office/drawing/2014/main" id="{C64CA6D8-3637-433E-A7BB-6D2D6D686373}"/>
+          <p:cNvPr id="45" name="TextBox 44">
+            <a:extLst>
+              <a:ext uri="{FF2B5EF4-FFF2-40B4-BE49-F238E27FC236}">
+                <a16:creationId xmlns:a16="http://schemas.microsoft.com/office/drawing/2014/main" id="{92E85DCC-CC4C-46E9-9C70-7C1DBE765ED0}"/>
               </a:ext>
             </a:extLst>
           </p:cNvPr>
@@ -6135,8 +5983,8 @@
         </p:nvSpPr>
         <p:spPr>
           <a:xfrm>
-            <a:off x="4927891" y="4621413"/>
-            <a:ext cx="2017988" cy="338554"/>
+            <a:off x="6224126" y="2954750"/>
+            <a:ext cx="791050" cy="276999"/>
           </a:xfrm>
           <a:prstGeom prst="rect">
             <a:avLst/>
@@ -6150,32 +5998,67 @@
           <a:lstStyle/>
           <a:p>
             <a:r>
-              <a:rPr lang="en-US" sz="1600" dirty="0"/>
-              <a:t>File Download Service</a:t>
+              <a:rPr lang="en-US" sz="1200" dirty="0"/>
+              <a:t>Metadata</a:t>
+            </a:r>
+          </a:p>
+        </p:txBody>
+      </p:sp>
+      <p:sp>
+        <p:nvSpPr>
+          <p:cNvPr id="46" name="TextBox 45">
+            <a:extLst>
+              <a:ext uri="{FF2B5EF4-FFF2-40B4-BE49-F238E27FC236}">
+                <a16:creationId xmlns:a16="http://schemas.microsoft.com/office/drawing/2014/main" id="{9EC1245D-5984-4D4E-8906-FBBE64A981D6}"/>
+              </a:ext>
+            </a:extLst>
+          </p:cNvPr>
+          <p:cNvSpPr txBox="1"/>
+          <p:nvPr/>
+        </p:nvSpPr>
+        <p:spPr>
+          <a:xfrm>
+            <a:off x="7179536" y="3001130"/>
+            <a:ext cx="911340" cy="276999"/>
+          </a:xfrm>
+          <a:prstGeom prst="rect">
+            <a:avLst/>
+          </a:prstGeom>
+          <a:noFill/>
+        </p:spPr>
+        <p:txBody>
+          <a:bodyPr wrap="none" rtlCol="0">
+            <a:spAutoFit/>
+          </a:bodyPr>
+          <a:lstStyle/>
+          <a:p>
+            <a:r>
+              <a:rPr lang="en-US" sz="1200" dirty="0"/>
+              <a:t>File Storage</a:t>
             </a:r>
           </a:p>
         </p:txBody>
       </p:sp>
       <p:cxnSp>
         <p:nvCxnSpPr>
-          <p:cNvPr id="43" name="Straight Arrow Connector 42">
-            <a:extLst>
-              <a:ext uri="{FF2B5EF4-FFF2-40B4-BE49-F238E27FC236}">
-                <a16:creationId xmlns:a16="http://schemas.microsoft.com/office/drawing/2014/main" id="{F1C90F01-2A6A-4417-8DEB-34B0973359C6}"/>
+          <p:cNvPr id="47" name="Straight Arrow Connector 46">
+            <a:extLst>
+              <a:ext uri="{FF2B5EF4-FFF2-40B4-BE49-F238E27FC236}">
+                <a16:creationId xmlns:a16="http://schemas.microsoft.com/office/drawing/2014/main" id="{C54E8E03-993D-4C98-802C-A3794AEC849B}"/>
               </a:ext>
             </a:extLst>
           </p:cNvPr>
           <p:cNvCxnSpPr>
             <a:cxnSpLocks/>
-            <a:stCxn id="21" idx="2"/>
-            <a:endCxn id="41" idx="3"/>
+            <a:stCxn id="4" idx="3"/>
+            <a:endCxn id="36" idx="1"/>
           </p:cNvCxnSpPr>
           <p:nvPr/>
         </p:nvCxnSpPr>
         <p:spPr>
-          <a:xfrm flipH="1">
-            <a:off x="5813888" y="2910963"/>
-            <a:ext cx="2961039" cy="1421454"/>
+          <a:xfrm flipV="1">
+            <a:off x="6804821" y="2241516"/>
+            <a:ext cx="620550" cy="78883"/>
           </a:xfrm>
           <a:prstGeom prst="straightConnector1">
             <a:avLst/>
@@ -6201,22 +6084,24 @@
       </p:cxnSp>
       <p:cxnSp>
         <p:nvCxnSpPr>
-          <p:cNvPr id="46" name="Straight Arrow Connector 45">
-            <a:extLst>
-              <a:ext uri="{FF2B5EF4-FFF2-40B4-BE49-F238E27FC236}">
-                <a16:creationId xmlns:a16="http://schemas.microsoft.com/office/drawing/2014/main" id="{9444415A-F3E8-415D-9EF9-164118F77F1E}"/>
+          <p:cNvPr id="48" name="Straight Arrow Connector 47">
+            <a:extLst>
+              <a:ext uri="{FF2B5EF4-FFF2-40B4-BE49-F238E27FC236}">
+                <a16:creationId xmlns:a16="http://schemas.microsoft.com/office/drawing/2014/main" id="{AA40D32F-52E5-4462-8665-98FB412C3D37}"/>
               </a:ext>
             </a:extLst>
           </p:cNvPr>
           <p:cNvCxnSpPr>
             <a:cxnSpLocks/>
+            <a:stCxn id="4" idx="3"/>
+            <a:endCxn id="37" idx="1"/>
           </p:cNvCxnSpPr>
           <p:nvPr/>
         </p:nvCxnSpPr>
         <p:spPr>
-          <a:xfrm flipH="1" flipV="1">
-            <a:off x="3333412" y="3509706"/>
-            <a:ext cx="1707715" cy="633113"/>
+          <a:xfrm>
+            <a:off x="6804821" y="2320399"/>
+            <a:ext cx="620550" cy="218884"/>
           </a:xfrm>
           <a:prstGeom prst="straightConnector1">
             <a:avLst/>
@@ -6240,10 +6125,2284 @@
           </a:fontRef>
         </p:style>
       </p:cxnSp>
+      <p:cxnSp>
+        <p:nvCxnSpPr>
+          <p:cNvPr id="49" name="Straight Arrow Connector 48">
+            <a:extLst>
+              <a:ext uri="{FF2B5EF4-FFF2-40B4-BE49-F238E27FC236}">
+                <a16:creationId xmlns:a16="http://schemas.microsoft.com/office/drawing/2014/main" id="{3EC85AE3-04B2-497C-8D66-7B49CA0B8280}"/>
+              </a:ext>
+            </a:extLst>
+          </p:cNvPr>
+          <p:cNvCxnSpPr>
+            <a:cxnSpLocks/>
+            <a:stCxn id="35" idx="3"/>
+            <a:endCxn id="34" idx="1"/>
+          </p:cNvCxnSpPr>
+          <p:nvPr/>
+        </p:nvCxnSpPr>
+        <p:spPr>
+          <a:xfrm>
+            <a:off x="6804821" y="2765567"/>
+            <a:ext cx="620549" cy="78916"/>
+          </a:xfrm>
+          <a:prstGeom prst="straightConnector1">
+            <a:avLst/>
+          </a:prstGeom>
+          <a:ln>
+            <a:tailEnd type="triangle"/>
+          </a:ln>
+        </p:spPr>
+        <p:style>
+          <a:lnRef idx="1">
+            <a:schemeClr val="accent1"/>
+          </a:lnRef>
+          <a:fillRef idx="0">
+            <a:schemeClr val="accent1"/>
+          </a:fillRef>
+          <a:effectRef idx="0">
+            <a:schemeClr val="accent1"/>
+          </a:effectRef>
+          <a:fontRef idx="minor">
+            <a:schemeClr val="tx1"/>
+          </a:fontRef>
+        </p:style>
+      </p:cxnSp>
+      <p:cxnSp>
+        <p:nvCxnSpPr>
+          <p:cNvPr id="50" name="Straight Arrow Connector 49">
+            <a:extLst>
+              <a:ext uri="{FF2B5EF4-FFF2-40B4-BE49-F238E27FC236}">
+                <a16:creationId xmlns:a16="http://schemas.microsoft.com/office/drawing/2014/main" id="{F333AED0-0388-4B54-BF03-1A76360C9A80}"/>
+              </a:ext>
+            </a:extLst>
+          </p:cNvPr>
+          <p:cNvCxnSpPr>
+            <a:cxnSpLocks/>
+            <a:stCxn id="35" idx="3"/>
+            <a:endCxn id="37" idx="1"/>
+          </p:cNvCxnSpPr>
+          <p:nvPr/>
+        </p:nvCxnSpPr>
+        <p:spPr>
+          <a:xfrm flipV="1">
+            <a:off x="6804821" y="2539283"/>
+            <a:ext cx="620550" cy="226284"/>
+          </a:xfrm>
+          <a:prstGeom prst="straightConnector1">
+            <a:avLst/>
+          </a:prstGeom>
+          <a:ln>
+            <a:tailEnd type="triangle"/>
+          </a:ln>
+        </p:spPr>
+        <p:style>
+          <a:lnRef idx="1">
+            <a:schemeClr val="accent1"/>
+          </a:lnRef>
+          <a:fillRef idx="0">
+            <a:schemeClr val="accent1"/>
+          </a:fillRef>
+          <a:effectRef idx="0">
+            <a:schemeClr val="accent1"/>
+          </a:effectRef>
+          <a:fontRef idx="minor">
+            <a:schemeClr val="tx1"/>
+          </a:fontRef>
+        </p:style>
+      </p:cxnSp>
+      <p:graphicFrame>
+        <p:nvGraphicFramePr>
+          <p:cNvPr id="60" name="Table 59">
+            <a:extLst>
+              <a:ext uri="{FF2B5EF4-FFF2-40B4-BE49-F238E27FC236}">
+                <a16:creationId xmlns:a16="http://schemas.microsoft.com/office/drawing/2014/main" id="{A589AB75-4C67-4F93-AFFC-6AB7CCFA55EA}"/>
+              </a:ext>
+            </a:extLst>
+          </p:cNvPr>
+          <p:cNvGraphicFramePr>
+            <a:graphicFrameLocks noGrp="1"/>
+          </p:cNvGraphicFramePr>
+          <p:nvPr>
+            <p:extLst>
+              <p:ext uri="{D42A27DB-BD31-4B8C-83A1-F6EECF244321}">
+                <p14:modId xmlns:p14="http://schemas.microsoft.com/office/powerpoint/2010/main" val="78294364"/>
+              </p:ext>
+            </p:extLst>
+          </p:nvPr>
+        </p:nvGraphicFramePr>
+        <p:xfrm>
+          <a:off x="8408319" y="849944"/>
+          <a:ext cx="1194768" cy="487680"/>
+        </p:xfrm>
+        <a:graphic>
+          <a:graphicData uri="http://schemas.openxmlformats.org/drawingml/2006/table">
+            <a:tbl>
+              <a:tblPr firstRow="1" bandRow="1">
+                <a:tableStyleId>{5C22544A-7EE6-4342-B048-85BDC9FD1C3A}</a:tableStyleId>
+              </a:tblPr>
+              <a:tblGrid>
+                <a:gridCol w="1194768">
+                  <a:extLst>
+                    <a:ext uri="{9D8B030D-6E8A-4147-A177-3AD203B41FA5}">
+                      <a16:colId xmlns:a16="http://schemas.microsoft.com/office/drawing/2014/main" val="501410180"/>
+                    </a:ext>
+                  </a:extLst>
+                </a:gridCol>
+              </a:tblGrid>
+              <a:tr h="169708">
+                <a:tc>
+                  <a:txBody>
+                    <a:bodyPr/>
+                    <a:lstStyle/>
+                    <a:p>
+                      <a:r>
+                        <a:rPr lang="en-US" sz="1000" dirty="0"/>
+                        <a:t>User</a:t>
+                      </a:r>
+                    </a:p>
+                  </a:txBody>
+                  <a:tcPr/>
+                </a:tc>
+                <a:extLst>
+                  <a:ext uri="{0D108BD9-81ED-4DB2-BD59-A6C34878D82A}">
+                    <a16:rowId xmlns:a16="http://schemas.microsoft.com/office/drawing/2014/main" val="1413859457"/>
+                  </a:ext>
+                </a:extLst>
+              </a:tr>
+              <a:tr h="169708">
+                <a:tc>
+                  <a:txBody>
+                    <a:bodyPr/>
+                    <a:lstStyle/>
+                    <a:p>
+                      <a:r>
+                        <a:rPr lang="en-US" sz="1000" dirty="0"/>
+                        <a:t>Id, Password, Email</a:t>
+                      </a:r>
+                    </a:p>
+                  </a:txBody>
+                  <a:tcPr/>
+                </a:tc>
+                <a:extLst>
+                  <a:ext uri="{0D108BD9-81ED-4DB2-BD59-A6C34878D82A}">
+                    <a16:rowId xmlns:a16="http://schemas.microsoft.com/office/drawing/2014/main" val="1142264014"/>
+                  </a:ext>
+                </a:extLst>
+              </a:tr>
+            </a:tbl>
+          </a:graphicData>
+        </a:graphic>
+      </p:graphicFrame>
+      <p:graphicFrame>
+        <p:nvGraphicFramePr>
+          <p:cNvPr id="61" name="Table 60">
+            <a:extLst>
+              <a:ext uri="{FF2B5EF4-FFF2-40B4-BE49-F238E27FC236}">
+                <a16:creationId xmlns:a16="http://schemas.microsoft.com/office/drawing/2014/main" id="{3EDEB3DC-4AD7-49C9-A90A-3D323E95E368}"/>
+              </a:ext>
+            </a:extLst>
+          </p:cNvPr>
+          <p:cNvGraphicFramePr>
+            <a:graphicFrameLocks noGrp="1"/>
+          </p:cNvGraphicFramePr>
+          <p:nvPr>
+            <p:extLst>
+              <p:ext uri="{D42A27DB-BD31-4B8C-83A1-F6EECF244321}">
+                <p14:modId xmlns:p14="http://schemas.microsoft.com/office/powerpoint/2010/main" val="818697033"/>
+              </p:ext>
+            </p:extLst>
+          </p:nvPr>
+        </p:nvGraphicFramePr>
+        <p:xfrm>
+          <a:off x="9777389" y="849944"/>
+          <a:ext cx="2205227" cy="487680"/>
+        </p:xfrm>
+        <a:graphic>
+          <a:graphicData uri="http://schemas.openxmlformats.org/drawingml/2006/table">
+            <a:tbl>
+              <a:tblPr firstRow="1" bandRow="1">
+                <a:tableStyleId>{5C22544A-7EE6-4342-B048-85BDC9FD1C3A}</a:tableStyleId>
+              </a:tblPr>
+              <a:tblGrid>
+                <a:gridCol w="2205227">
+                  <a:extLst>
+                    <a:ext uri="{9D8B030D-6E8A-4147-A177-3AD203B41FA5}">
+                      <a16:colId xmlns:a16="http://schemas.microsoft.com/office/drawing/2014/main" val="501410180"/>
+                    </a:ext>
+                  </a:extLst>
+                </a:gridCol>
+              </a:tblGrid>
+              <a:tr h="169708">
+                <a:tc>
+                  <a:txBody>
+                    <a:bodyPr/>
+                    <a:lstStyle/>
+                    <a:p>
+                      <a:r>
+                        <a:rPr lang="en-US" sz="1000" dirty="0"/>
+                        <a:t>Meta</a:t>
+                      </a:r>
+                    </a:p>
+                  </a:txBody>
+                  <a:tcPr/>
+                </a:tc>
+                <a:extLst>
+                  <a:ext uri="{0D108BD9-81ED-4DB2-BD59-A6C34878D82A}">
+                    <a16:rowId xmlns:a16="http://schemas.microsoft.com/office/drawing/2014/main" val="1413859457"/>
+                  </a:ext>
+                </a:extLst>
+              </a:tr>
+              <a:tr h="169708">
+                <a:tc>
+                  <a:txBody>
+                    <a:bodyPr/>
+                    <a:lstStyle/>
+                    <a:p>
+                      <a:r>
+                        <a:rPr lang="en-US" sz="1000" dirty="0"/>
+                        <a:t>Id, Name, Size, </a:t>
+                      </a:r>
+                      <a:r>
+                        <a:rPr lang="en-US" sz="1000" dirty="0" err="1"/>
+                        <a:t>UserId</a:t>
+                      </a:r>
+                      <a:r>
+                        <a:rPr lang="en-US" sz="1000" dirty="0"/>
+                        <a:t>, Path, Version</a:t>
+                      </a:r>
+                    </a:p>
+                  </a:txBody>
+                  <a:tcPr/>
+                </a:tc>
+                <a:extLst>
+                  <a:ext uri="{0D108BD9-81ED-4DB2-BD59-A6C34878D82A}">
+                    <a16:rowId xmlns:a16="http://schemas.microsoft.com/office/drawing/2014/main" val="1142264014"/>
+                  </a:ext>
+                </a:extLst>
+              </a:tr>
+            </a:tbl>
+          </a:graphicData>
+        </a:graphic>
+      </p:graphicFrame>
+      <p:graphicFrame>
+        <p:nvGraphicFramePr>
+          <p:cNvPr id="62" name="Table 61">
+            <a:extLst>
+              <a:ext uri="{FF2B5EF4-FFF2-40B4-BE49-F238E27FC236}">
+                <a16:creationId xmlns:a16="http://schemas.microsoft.com/office/drawing/2014/main" id="{15BDF129-B2E0-4EB6-AF33-4F95AD9F2E18}"/>
+              </a:ext>
+            </a:extLst>
+          </p:cNvPr>
+          <p:cNvGraphicFramePr>
+            <a:graphicFrameLocks noGrp="1"/>
+          </p:cNvGraphicFramePr>
+          <p:nvPr>
+            <p:extLst>
+              <p:ext uri="{D42A27DB-BD31-4B8C-83A1-F6EECF244321}">
+                <p14:modId xmlns:p14="http://schemas.microsoft.com/office/powerpoint/2010/main" val="2780290916"/>
+              </p:ext>
+            </p:extLst>
+          </p:nvPr>
+        </p:nvGraphicFramePr>
+        <p:xfrm>
+          <a:off x="9970937" y="1542288"/>
+          <a:ext cx="2011680" cy="487680"/>
+        </p:xfrm>
+        <a:graphic>
+          <a:graphicData uri="http://schemas.openxmlformats.org/drawingml/2006/table">
+            <a:tbl>
+              <a:tblPr firstRow="1" bandRow="1">
+                <a:tableStyleId>{5C22544A-7EE6-4342-B048-85BDC9FD1C3A}</a:tableStyleId>
+              </a:tblPr>
+              <a:tblGrid>
+                <a:gridCol w="2011680">
+                  <a:extLst>
+                    <a:ext uri="{9D8B030D-6E8A-4147-A177-3AD203B41FA5}">
+                      <a16:colId xmlns:a16="http://schemas.microsoft.com/office/drawing/2014/main" val="501410180"/>
+                    </a:ext>
+                  </a:extLst>
+                </a:gridCol>
+              </a:tblGrid>
+              <a:tr h="169708">
+                <a:tc>
+                  <a:txBody>
+                    <a:bodyPr/>
+                    <a:lstStyle/>
+                    <a:p>
+                      <a:r>
+                        <a:rPr lang="en-US" sz="1000" dirty="0"/>
+                        <a:t>Block</a:t>
+                      </a:r>
+                    </a:p>
+                  </a:txBody>
+                  <a:tcPr/>
+                </a:tc>
+                <a:extLst>
+                  <a:ext uri="{0D108BD9-81ED-4DB2-BD59-A6C34878D82A}">
+                    <a16:rowId xmlns:a16="http://schemas.microsoft.com/office/drawing/2014/main" val="1413859457"/>
+                  </a:ext>
+                </a:extLst>
+              </a:tr>
+              <a:tr h="169708">
+                <a:tc>
+                  <a:txBody>
+                    <a:bodyPr/>
+                    <a:lstStyle/>
+                    <a:p>
+                      <a:r>
+                        <a:rPr lang="en-US" sz="1000" dirty="0"/>
+                        <a:t>Id, </a:t>
+                      </a:r>
+                      <a:r>
+                        <a:rPr lang="en-US" sz="1000" dirty="0" err="1"/>
+                        <a:t>MetaId</a:t>
+                      </a:r>
+                      <a:r>
+                        <a:rPr lang="en-US" sz="1000" dirty="0"/>
+                        <a:t>, </a:t>
+                      </a:r>
+                      <a:r>
+                        <a:rPr lang="en-US" sz="1000" dirty="0" err="1"/>
+                        <a:t>BlockPath,Hash</a:t>
+                      </a:r>
+                      <a:r>
+                        <a:rPr lang="en-US" sz="1000" dirty="0"/>
+                        <a:t>, status</a:t>
+                      </a:r>
+                    </a:p>
+                  </a:txBody>
+                  <a:tcPr/>
+                </a:tc>
+                <a:extLst>
+                  <a:ext uri="{0D108BD9-81ED-4DB2-BD59-A6C34878D82A}">
+                    <a16:rowId xmlns:a16="http://schemas.microsoft.com/office/drawing/2014/main" val="1142264014"/>
+                  </a:ext>
+                </a:extLst>
+              </a:tr>
+            </a:tbl>
+          </a:graphicData>
+        </a:graphic>
+      </p:graphicFrame>
+      <p:cxnSp>
+        <p:nvCxnSpPr>
+          <p:cNvPr id="73" name="Straight Connector 72">
+            <a:extLst>
+              <a:ext uri="{FF2B5EF4-FFF2-40B4-BE49-F238E27FC236}">
+                <a16:creationId xmlns:a16="http://schemas.microsoft.com/office/drawing/2014/main" id="{04D159F9-090B-4BF1-9922-88384638614F}"/>
+              </a:ext>
+            </a:extLst>
+          </p:cNvPr>
+          <p:cNvCxnSpPr>
+            <a:endCxn id="61" idx="1"/>
+          </p:cNvCxnSpPr>
+          <p:nvPr/>
+        </p:nvCxnSpPr>
+        <p:spPr>
+          <a:xfrm>
+            <a:off x="9603087" y="1093784"/>
+            <a:ext cx="174302" cy="0"/>
+          </a:xfrm>
+          <a:prstGeom prst="line">
+            <a:avLst/>
+          </a:prstGeom>
+        </p:spPr>
+        <p:style>
+          <a:lnRef idx="1">
+            <a:schemeClr val="accent1"/>
+          </a:lnRef>
+          <a:fillRef idx="0">
+            <a:schemeClr val="accent1"/>
+          </a:fillRef>
+          <a:effectRef idx="0">
+            <a:schemeClr val="accent1"/>
+          </a:effectRef>
+          <a:fontRef idx="minor">
+            <a:schemeClr val="tx1"/>
+          </a:fontRef>
+        </p:style>
+      </p:cxnSp>
+      <p:cxnSp>
+        <p:nvCxnSpPr>
+          <p:cNvPr id="74" name="Straight Connector 73">
+            <a:extLst>
+              <a:ext uri="{FF2B5EF4-FFF2-40B4-BE49-F238E27FC236}">
+                <a16:creationId xmlns:a16="http://schemas.microsoft.com/office/drawing/2014/main" id="{5E6541F3-5DE6-4922-95F0-4BDDDD838C81}"/>
+              </a:ext>
+            </a:extLst>
+          </p:cNvPr>
+          <p:cNvCxnSpPr>
+            <a:cxnSpLocks/>
+            <a:endCxn id="62" idx="0"/>
+          </p:cNvCxnSpPr>
+          <p:nvPr/>
+        </p:nvCxnSpPr>
+        <p:spPr>
+          <a:xfrm>
+            <a:off x="10976777" y="1337624"/>
+            <a:ext cx="0" cy="204664"/>
+          </a:xfrm>
+          <a:prstGeom prst="line">
+            <a:avLst/>
+          </a:prstGeom>
+        </p:spPr>
+        <p:style>
+          <a:lnRef idx="1">
+            <a:schemeClr val="accent1"/>
+          </a:lnRef>
+          <a:fillRef idx="0">
+            <a:schemeClr val="accent1"/>
+          </a:fillRef>
+          <a:effectRef idx="0">
+            <a:schemeClr val="accent1"/>
+          </a:effectRef>
+          <a:fontRef idx="minor">
+            <a:schemeClr val="tx1"/>
+          </a:fontRef>
+        </p:style>
+      </p:cxnSp>
+      <p:cxnSp>
+        <p:nvCxnSpPr>
+          <p:cNvPr id="90" name="Connector: Elbow 89">
+            <a:extLst>
+              <a:ext uri="{FF2B5EF4-FFF2-40B4-BE49-F238E27FC236}">
+                <a16:creationId xmlns:a16="http://schemas.microsoft.com/office/drawing/2014/main" id="{9CB34DE0-0770-4E9B-A56C-1496FDB07093}"/>
+              </a:ext>
+            </a:extLst>
+          </p:cNvPr>
+          <p:cNvCxnSpPr>
+            <a:stCxn id="4" idx="0"/>
+            <a:endCxn id="60" idx="1"/>
+          </p:cNvCxnSpPr>
+          <p:nvPr/>
+        </p:nvCxnSpPr>
+        <p:spPr>
+          <a:xfrm rot="5400000" flipH="1" flipV="1">
+            <a:off x="6993263" y="712612"/>
+            <a:ext cx="1033883" cy="1796229"/>
+          </a:xfrm>
+          <a:prstGeom prst="bentConnector2">
+            <a:avLst/>
+          </a:prstGeom>
+          <a:ln>
+            <a:tailEnd type="triangle"/>
+          </a:ln>
+        </p:spPr>
+        <p:style>
+          <a:lnRef idx="1">
+            <a:schemeClr val="accent2"/>
+          </a:lnRef>
+          <a:fillRef idx="0">
+            <a:schemeClr val="accent2"/>
+          </a:fillRef>
+          <a:effectRef idx="0">
+            <a:schemeClr val="accent2"/>
+          </a:effectRef>
+          <a:fontRef idx="minor">
+            <a:schemeClr val="tx1"/>
+          </a:fontRef>
+        </p:style>
+      </p:cxnSp>
+      <p:sp>
+        <p:nvSpPr>
+          <p:cNvPr id="99" name="TextBox 98">
+            <a:extLst>
+              <a:ext uri="{FF2B5EF4-FFF2-40B4-BE49-F238E27FC236}">
+                <a16:creationId xmlns:a16="http://schemas.microsoft.com/office/drawing/2014/main" id="{CA3EF7A2-07F3-4CE0-9D56-5FF9F97DDC65}"/>
+              </a:ext>
+            </a:extLst>
+          </p:cNvPr>
+          <p:cNvSpPr txBox="1"/>
+          <p:nvPr/>
+        </p:nvSpPr>
+        <p:spPr>
+          <a:xfrm>
+            <a:off x="1898116" y="2722049"/>
+            <a:ext cx="987771" cy="461665"/>
+          </a:xfrm>
+          <a:prstGeom prst="rect">
+            <a:avLst/>
+          </a:prstGeom>
+          <a:noFill/>
+        </p:spPr>
+        <p:txBody>
+          <a:bodyPr wrap="none" rtlCol="0">
+            <a:spAutoFit/>
+          </a:bodyPr>
+          <a:lstStyle/>
+          <a:p>
+            <a:r>
+              <a:rPr lang="en-US" sz="1200" dirty="0"/>
+              <a:t>Updated</a:t>
+            </a:r>
+            <a:br>
+              <a:rPr lang="en-US" sz="1200" dirty="0"/>
+            </a:br>
+            <a:r>
+              <a:rPr lang="en-US" sz="1200" dirty="0"/>
+              <a:t>Block upload</a:t>
+            </a:r>
+          </a:p>
+        </p:txBody>
+      </p:sp>
+      <p:cxnSp>
+        <p:nvCxnSpPr>
+          <p:cNvPr id="101" name="Straight Arrow Connector 100">
+            <a:extLst>
+              <a:ext uri="{FF2B5EF4-FFF2-40B4-BE49-F238E27FC236}">
+                <a16:creationId xmlns:a16="http://schemas.microsoft.com/office/drawing/2014/main" id="{040E6D09-9ECD-4B34-AEF2-171B928783AF}"/>
+              </a:ext>
+            </a:extLst>
+          </p:cNvPr>
+          <p:cNvCxnSpPr>
+            <a:cxnSpLocks/>
+          </p:cNvCxnSpPr>
+          <p:nvPr/>
+        </p:nvCxnSpPr>
+        <p:spPr>
+          <a:xfrm>
+            <a:off x="1997916" y="2564675"/>
+            <a:ext cx="802091" cy="4113"/>
+          </a:xfrm>
+          <a:prstGeom prst="straightConnector1">
+            <a:avLst/>
+          </a:prstGeom>
+          <a:ln>
+            <a:headEnd type="triangle"/>
+            <a:tailEnd type="triangle"/>
+          </a:ln>
+        </p:spPr>
+        <p:style>
+          <a:lnRef idx="1">
+            <a:schemeClr val="accent1"/>
+          </a:lnRef>
+          <a:fillRef idx="0">
+            <a:schemeClr val="accent1"/>
+          </a:fillRef>
+          <a:effectRef idx="0">
+            <a:schemeClr val="accent1"/>
+          </a:effectRef>
+          <a:fontRef idx="minor">
+            <a:schemeClr val="tx1"/>
+          </a:fontRef>
+        </p:style>
+      </p:cxnSp>
+      <p:cxnSp>
+        <p:nvCxnSpPr>
+          <p:cNvPr id="102" name="Straight Arrow Connector 101">
+            <a:extLst>
+              <a:ext uri="{FF2B5EF4-FFF2-40B4-BE49-F238E27FC236}">
+                <a16:creationId xmlns:a16="http://schemas.microsoft.com/office/drawing/2014/main" id="{177BA903-7E40-45E5-ACFD-C69A6F63E188}"/>
+              </a:ext>
+            </a:extLst>
+          </p:cNvPr>
+          <p:cNvCxnSpPr>
+            <a:cxnSpLocks/>
+          </p:cNvCxnSpPr>
+          <p:nvPr/>
+        </p:nvCxnSpPr>
+        <p:spPr>
+          <a:xfrm>
+            <a:off x="2006806" y="2672207"/>
+            <a:ext cx="802091" cy="4113"/>
+          </a:xfrm>
+          <a:prstGeom prst="straightConnector1">
+            <a:avLst/>
+          </a:prstGeom>
+          <a:ln>
+            <a:headEnd type="triangle"/>
+            <a:tailEnd type="triangle"/>
+          </a:ln>
+        </p:spPr>
+        <p:style>
+          <a:lnRef idx="1">
+            <a:schemeClr val="accent1"/>
+          </a:lnRef>
+          <a:fillRef idx="0">
+            <a:schemeClr val="accent1"/>
+          </a:fillRef>
+          <a:effectRef idx="0">
+            <a:schemeClr val="accent1"/>
+          </a:effectRef>
+          <a:fontRef idx="minor">
+            <a:schemeClr val="tx1"/>
+          </a:fontRef>
+        </p:style>
+      </p:cxnSp>
+      <p:pic>
+        <p:nvPicPr>
+          <p:cNvPr id="1026" name="Picture 2" descr="머클트리1.png">
+            <a:extLst>
+              <a:ext uri="{FF2B5EF4-FFF2-40B4-BE49-F238E27FC236}">
+                <a16:creationId xmlns:a16="http://schemas.microsoft.com/office/drawing/2014/main" id="{B97B7ABA-2B4B-44AF-859C-375DC93E4882}"/>
+              </a:ext>
+            </a:extLst>
+          </p:cNvPr>
+          <p:cNvPicPr>
+            <a:picLocks noChangeAspect="1" noChangeArrowheads="1"/>
+          </p:cNvPicPr>
+          <p:nvPr/>
+        </p:nvPicPr>
+        <p:blipFill>
+          <a:blip r:embed="rId9">
+            <a:extLst>
+              <a:ext uri="{28A0092B-C50C-407E-A947-70E740481C1C}">
+                <a14:useLocalDpi xmlns:a14="http://schemas.microsoft.com/office/drawing/2010/main" val="0"/>
+              </a:ext>
+            </a:extLst>
+          </a:blip>
+          <a:srcRect/>
+          <a:stretch>
+            <a:fillRect/>
+          </a:stretch>
+        </p:blipFill>
+        <p:spPr bwMode="auto">
+          <a:xfrm>
+            <a:off x="1034201" y="3318984"/>
+            <a:ext cx="2646180" cy="1500880"/>
+          </a:xfrm>
+          <a:prstGeom prst="rect">
+            <a:avLst/>
+          </a:prstGeom>
+          <a:noFill/>
+          <a:extLst>
+            <a:ext uri="{909E8E84-426E-40DD-AFC4-6F175D3DCCD1}">
+              <a14:hiddenFill xmlns:a14="http://schemas.microsoft.com/office/drawing/2010/main">
+                <a:solidFill>
+                  <a:srgbClr val="FFFFFF"/>
+                </a:solidFill>
+              </a14:hiddenFill>
+            </a:ext>
+          </a:extLst>
+        </p:spPr>
+      </p:pic>
+      <p:sp>
+        <p:nvSpPr>
+          <p:cNvPr id="114" name="TextBox 113">
+            <a:extLst>
+              <a:ext uri="{FF2B5EF4-FFF2-40B4-BE49-F238E27FC236}">
+                <a16:creationId xmlns:a16="http://schemas.microsoft.com/office/drawing/2014/main" id="{58D59DC3-09B8-424C-8817-A7F2E4AA603B}"/>
+              </a:ext>
+            </a:extLst>
+          </p:cNvPr>
+          <p:cNvSpPr txBox="1"/>
+          <p:nvPr/>
+        </p:nvSpPr>
+        <p:spPr>
+          <a:xfrm>
+            <a:off x="966718" y="4819864"/>
+            <a:ext cx="2781146" cy="461665"/>
+          </a:xfrm>
+          <a:prstGeom prst="rect">
+            <a:avLst/>
+          </a:prstGeom>
+          <a:noFill/>
+        </p:spPr>
+        <p:txBody>
+          <a:bodyPr wrap="none" rtlCol="0">
+            <a:spAutoFit/>
+          </a:bodyPr>
+          <a:lstStyle/>
+          <a:p>
+            <a:r>
+              <a:rPr lang="en-US" sz="1200" dirty="0"/>
+              <a:t>Merkle Tree is better than linear blocks</a:t>
+            </a:r>
+          </a:p>
+          <a:p>
+            <a:r>
+              <a:rPr lang="en-US" sz="1200" dirty="0"/>
+              <a:t> if the file changes a little and quite often.</a:t>
+            </a:r>
+          </a:p>
+        </p:txBody>
+      </p:sp>
+      <p:cxnSp>
+        <p:nvCxnSpPr>
+          <p:cNvPr id="116" name="Straight Arrow Connector 115">
+            <a:extLst>
+              <a:ext uri="{FF2B5EF4-FFF2-40B4-BE49-F238E27FC236}">
+                <a16:creationId xmlns:a16="http://schemas.microsoft.com/office/drawing/2014/main" id="{95EE5F9C-0414-4112-B5DA-4BB7E0E521FF}"/>
+              </a:ext>
+            </a:extLst>
+          </p:cNvPr>
+          <p:cNvCxnSpPr>
+            <a:cxnSpLocks/>
+          </p:cNvCxnSpPr>
+          <p:nvPr/>
+        </p:nvCxnSpPr>
+        <p:spPr>
+          <a:xfrm flipH="1">
+            <a:off x="3384113" y="2345102"/>
+            <a:ext cx="803190" cy="6681"/>
+          </a:xfrm>
+          <a:prstGeom prst="straightConnector1">
+            <a:avLst/>
+          </a:prstGeom>
+          <a:ln>
+            <a:tailEnd type="triangle"/>
+          </a:ln>
+        </p:spPr>
+        <p:style>
+          <a:lnRef idx="1">
+            <a:schemeClr val="accent6"/>
+          </a:lnRef>
+          <a:fillRef idx="0">
+            <a:schemeClr val="accent6"/>
+          </a:fillRef>
+          <a:effectRef idx="0">
+            <a:schemeClr val="accent6"/>
+          </a:effectRef>
+          <a:fontRef idx="minor">
+            <a:schemeClr val="tx1"/>
+          </a:fontRef>
+        </p:style>
+      </p:cxnSp>
+      <p:sp>
+        <p:nvSpPr>
+          <p:cNvPr id="118" name="TextBox 117">
+            <a:extLst>
+              <a:ext uri="{FF2B5EF4-FFF2-40B4-BE49-F238E27FC236}">
+                <a16:creationId xmlns:a16="http://schemas.microsoft.com/office/drawing/2014/main" id="{BB904E05-C3E2-4A06-A62E-EA177F47FDF4}"/>
+              </a:ext>
+            </a:extLst>
+          </p:cNvPr>
+          <p:cNvSpPr txBox="1"/>
+          <p:nvPr/>
+        </p:nvSpPr>
+        <p:spPr>
+          <a:xfrm>
+            <a:off x="3255736" y="2090174"/>
+            <a:ext cx="1087157" cy="261610"/>
+          </a:xfrm>
+          <a:prstGeom prst="rect">
+            <a:avLst/>
+          </a:prstGeom>
+          <a:noFill/>
+        </p:spPr>
+        <p:txBody>
+          <a:bodyPr wrap="none" rtlCol="0">
+            <a:spAutoFit/>
+          </a:bodyPr>
+          <a:lstStyle/>
+          <a:p>
+            <a:r>
+              <a:rPr lang="en-US" sz="1100" dirty="0"/>
+              <a:t>Version Conflict</a:t>
+            </a:r>
+          </a:p>
+        </p:txBody>
+      </p:sp>
     </p:spTree>
     <p:extLst>
       <p:ext uri="{BB962C8B-B14F-4D97-AF65-F5344CB8AC3E}">
-        <p14:creationId xmlns:p14="http://schemas.microsoft.com/office/powerpoint/2010/main" val="1774794477"/>
+        <p14:creationId xmlns:p14="http://schemas.microsoft.com/office/powerpoint/2010/main" val="4146134238"/>
+      </p:ext>
+    </p:extLst>
+  </p:cSld>
+  <p:clrMapOvr>
+    <a:masterClrMapping/>
+  </p:clrMapOvr>
+</p:sld>
+</file>
+
+<file path=ppt/slides/slide5.xml><?xml version="1.0" encoding="utf-8"?>
+<p:sld xmlns:a="http://schemas.openxmlformats.org/drawingml/2006/main" xmlns:r="http://schemas.openxmlformats.org/officeDocument/2006/relationships" xmlns:p="http://schemas.openxmlformats.org/presentationml/2006/main">
+  <p:cSld>
+    <p:spTree>
+      <p:nvGrpSpPr>
+        <p:cNvPr id="1" name=""/>
+        <p:cNvGrpSpPr/>
+        <p:nvPr/>
+      </p:nvGrpSpPr>
+      <p:grpSpPr>
+        <a:xfrm>
+          <a:off x="0" y="0"/>
+          <a:ext cx="0" cy="0"/>
+          <a:chOff x="0" y="0"/>
+          <a:chExt cx="0" cy="0"/>
+        </a:xfrm>
+      </p:grpSpPr>
+      <p:sp>
+        <p:nvSpPr>
+          <p:cNvPr id="5" name="TextBox 4">
+            <a:extLst>
+              <a:ext uri="{FF2B5EF4-FFF2-40B4-BE49-F238E27FC236}">
+                <a16:creationId xmlns:a16="http://schemas.microsoft.com/office/drawing/2014/main" id="{DB8AA6BF-FD21-4A3B-9B8B-0265549D2DD1}"/>
+              </a:ext>
+            </a:extLst>
+          </p:cNvPr>
+          <p:cNvSpPr txBox="1"/>
+          <p:nvPr/>
+        </p:nvSpPr>
+        <p:spPr>
+          <a:xfrm>
+            <a:off x="127221" y="151075"/>
+            <a:ext cx="1686744" cy="400110"/>
+          </a:xfrm>
+          <a:prstGeom prst="rect">
+            <a:avLst/>
+          </a:prstGeom>
+          <a:noFill/>
+        </p:spPr>
+        <p:txBody>
+          <a:bodyPr wrap="none" rtlCol="0">
+            <a:spAutoFit/>
+          </a:bodyPr>
+          <a:lstStyle/>
+          <a:p>
+            <a:r>
+              <a:rPr lang="en-US" sz="2000" dirty="0"/>
+              <a:t>System Design</a:t>
+            </a:r>
+          </a:p>
+        </p:txBody>
+      </p:sp>
+      <p:cxnSp>
+        <p:nvCxnSpPr>
+          <p:cNvPr id="7" name="Straight Connector 6">
+            <a:extLst>
+              <a:ext uri="{FF2B5EF4-FFF2-40B4-BE49-F238E27FC236}">
+                <a16:creationId xmlns:a16="http://schemas.microsoft.com/office/drawing/2014/main" id="{30480E4C-5ABA-4A65-BF11-FD3A49EBDC63}"/>
+              </a:ext>
+            </a:extLst>
+          </p:cNvPr>
+          <p:cNvCxnSpPr/>
+          <p:nvPr/>
+        </p:nvCxnSpPr>
+        <p:spPr>
+          <a:xfrm>
+            <a:off x="227805" y="597700"/>
+            <a:ext cx="11600953" cy="0"/>
+          </a:xfrm>
+          <a:prstGeom prst="line">
+            <a:avLst/>
+          </a:prstGeom>
+          <a:ln w="19050">
+            <a:solidFill>
+              <a:schemeClr val="accent1">
+                <a:lumMod val="75000"/>
+              </a:schemeClr>
+            </a:solidFill>
+          </a:ln>
+        </p:spPr>
+        <p:style>
+          <a:lnRef idx="1">
+            <a:schemeClr val="accent1"/>
+          </a:lnRef>
+          <a:fillRef idx="0">
+            <a:schemeClr val="accent1"/>
+          </a:fillRef>
+          <a:effectRef idx="0">
+            <a:schemeClr val="accent1"/>
+          </a:effectRef>
+          <a:fontRef idx="minor">
+            <a:schemeClr val="tx1"/>
+          </a:fontRef>
+        </p:style>
+      </p:cxnSp>
+      <p:pic>
+        <p:nvPicPr>
+          <p:cNvPr id="6" name="Picture 5">
+            <a:extLst>
+              <a:ext uri="{FF2B5EF4-FFF2-40B4-BE49-F238E27FC236}">
+                <a16:creationId xmlns:a16="http://schemas.microsoft.com/office/drawing/2014/main" id="{0EBEB792-D8D0-4275-A506-9B92DFB021C5}"/>
+              </a:ext>
+            </a:extLst>
+          </p:cNvPr>
+          <p:cNvPicPr>
+            <a:picLocks noChangeAspect="1"/>
+          </p:cNvPicPr>
+          <p:nvPr/>
+        </p:nvPicPr>
+        <p:blipFill>
+          <a:blip r:embed="rId2">
+            <a:extLst>
+              <a:ext uri="{28A0092B-C50C-407E-A947-70E740481C1C}">
+                <a14:useLocalDpi xmlns:a14="http://schemas.microsoft.com/office/drawing/2010/main" val="0"/>
+              </a:ext>
+            </a:extLst>
+          </a:blip>
+          <a:stretch>
+            <a:fillRect/>
+          </a:stretch>
+        </p:blipFill>
+        <p:spPr>
+          <a:xfrm>
+            <a:off x="1649890" y="2388611"/>
+            <a:ext cx="345604" cy="345604"/>
+          </a:xfrm>
+          <a:prstGeom prst="rect">
+            <a:avLst/>
+          </a:prstGeom>
+        </p:spPr>
+      </p:pic>
+      <p:pic>
+        <p:nvPicPr>
+          <p:cNvPr id="14" name="Picture 13">
+            <a:extLst>
+              <a:ext uri="{FF2B5EF4-FFF2-40B4-BE49-F238E27FC236}">
+                <a16:creationId xmlns:a16="http://schemas.microsoft.com/office/drawing/2014/main" id="{1A434581-E6ED-4882-BA7E-A419699CDEF4}"/>
+              </a:ext>
+            </a:extLst>
+          </p:cNvPr>
+          <p:cNvPicPr>
+            <a:picLocks noChangeAspect="1"/>
+          </p:cNvPicPr>
+          <p:nvPr/>
+        </p:nvPicPr>
+        <p:blipFill>
+          <a:blip r:embed="rId3">
+            <a:extLst>
+              <a:ext uri="{28A0092B-C50C-407E-A947-70E740481C1C}">
+                <a14:useLocalDpi xmlns:a14="http://schemas.microsoft.com/office/drawing/2010/main" val="0"/>
+              </a:ext>
+            </a:extLst>
+          </a:blip>
+          <a:stretch>
+            <a:fillRect/>
+          </a:stretch>
+        </p:blipFill>
+        <p:spPr>
+          <a:xfrm>
+            <a:off x="2797585" y="2285868"/>
+            <a:ext cx="559316" cy="559316"/>
+          </a:xfrm>
+          <a:prstGeom prst="rect">
+            <a:avLst/>
+          </a:prstGeom>
+        </p:spPr>
+      </p:pic>
+      <p:sp>
+        <p:nvSpPr>
+          <p:cNvPr id="15" name="TextBox 14">
+            <a:extLst>
+              <a:ext uri="{FF2B5EF4-FFF2-40B4-BE49-F238E27FC236}">
+                <a16:creationId xmlns:a16="http://schemas.microsoft.com/office/drawing/2014/main" id="{2305F911-4E56-49D4-8BF2-B25F31EBBD5C}"/>
+              </a:ext>
+            </a:extLst>
+          </p:cNvPr>
+          <p:cNvSpPr txBox="1"/>
+          <p:nvPr/>
+        </p:nvSpPr>
+        <p:spPr>
+          <a:xfrm>
+            <a:off x="2918864" y="2816250"/>
+            <a:ext cx="327334" cy="276999"/>
+          </a:xfrm>
+          <a:prstGeom prst="rect">
+            <a:avLst/>
+          </a:prstGeom>
+          <a:noFill/>
+        </p:spPr>
+        <p:txBody>
+          <a:bodyPr wrap="none" rtlCol="0">
+            <a:spAutoFit/>
+          </a:bodyPr>
+          <a:lstStyle/>
+          <a:p>
+            <a:pPr algn="ctr"/>
+            <a:r>
+              <a:rPr lang="en-US" sz="1200" dirty="0"/>
+              <a:t>L7</a:t>
+            </a:r>
+          </a:p>
+        </p:txBody>
+      </p:sp>
+      <p:cxnSp>
+        <p:nvCxnSpPr>
+          <p:cNvPr id="25" name="Straight Arrow Connector 24">
+            <a:extLst>
+              <a:ext uri="{FF2B5EF4-FFF2-40B4-BE49-F238E27FC236}">
+                <a16:creationId xmlns:a16="http://schemas.microsoft.com/office/drawing/2014/main" id="{55483834-283C-4B36-B9F0-09CF248E64D1}"/>
+              </a:ext>
+            </a:extLst>
+          </p:cNvPr>
+          <p:cNvCxnSpPr>
+            <a:cxnSpLocks/>
+          </p:cNvCxnSpPr>
+          <p:nvPr/>
+        </p:nvCxnSpPr>
+        <p:spPr>
+          <a:xfrm flipV="1">
+            <a:off x="5113454" y="2564599"/>
+            <a:ext cx="1024526" cy="8236"/>
+          </a:xfrm>
+          <a:prstGeom prst="straightConnector1">
+            <a:avLst/>
+          </a:prstGeom>
+          <a:ln>
+            <a:tailEnd type="triangle"/>
+          </a:ln>
+        </p:spPr>
+        <p:style>
+          <a:lnRef idx="1">
+            <a:schemeClr val="accent1"/>
+          </a:lnRef>
+          <a:fillRef idx="0">
+            <a:schemeClr val="accent1"/>
+          </a:fillRef>
+          <a:effectRef idx="0">
+            <a:schemeClr val="accent1"/>
+          </a:effectRef>
+          <a:fontRef idx="minor">
+            <a:schemeClr val="tx1"/>
+          </a:fontRef>
+        </p:style>
+      </p:cxnSp>
+      <p:pic>
+        <p:nvPicPr>
+          <p:cNvPr id="3" name="Picture 2">
+            <a:extLst>
+              <a:ext uri="{FF2B5EF4-FFF2-40B4-BE49-F238E27FC236}">
+                <a16:creationId xmlns:a16="http://schemas.microsoft.com/office/drawing/2014/main" id="{D0236DBD-C6EF-4666-8314-3B1333D93D16}"/>
+              </a:ext>
+            </a:extLst>
+          </p:cNvPr>
+          <p:cNvPicPr>
+            <a:picLocks noChangeAspect="1"/>
+          </p:cNvPicPr>
+          <p:nvPr/>
+        </p:nvPicPr>
+        <p:blipFill>
+          <a:blip r:embed="rId4">
+            <a:extLst>
+              <a:ext uri="{28A0092B-C50C-407E-A947-70E740481C1C}">
+                <a14:useLocalDpi xmlns:a14="http://schemas.microsoft.com/office/drawing/2010/main" val="0"/>
+              </a:ext>
+            </a:extLst>
+          </a:blip>
+          <a:stretch>
+            <a:fillRect/>
+          </a:stretch>
+        </p:blipFill>
+        <p:spPr>
+          <a:xfrm>
+            <a:off x="1289984" y="2399158"/>
+            <a:ext cx="324510" cy="324510"/>
+          </a:xfrm>
+          <a:prstGeom prst="rect">
+            <a:avLst/>
+          </a:prstGeom>
+        </p:spPr>
+      </p:pic>
+      <p:pic>
+        <p:nvPicPr>
+          <p:cNvPr id="13" name="Picture 12">
+            <a:extLst>
+              <a:ext uri="{FF2B5EF4-FFF2-40B4-BE49-F238E27FC236}">
+                <a16:creationId xmlns:a16="http://schemas.microsoft.com/office/drawing/2014/main" id="{FB378A14-75EF-4D5F-AC87-B2A1D8252912}"/>
+              </a:ext>
+            </a:extLst>
+          </p:cNvPr>
+          <p:cNvPicPr>
+            <a:picLocks noChangeAspect="1"/>
+          </p:cNvPicPr>
+          <p:nvPr/>
+        </p:nvPicPr>
+        <p:blipFill>
+          <a:blip r:embed="rId5">
+            <a:extLst>
+              <a:ext uri="{28A0092B-C50C-407E-A947-70E740481C1C}">
+                <a14:useLocalDpi xmlns:a14="http://schemas.microsoft.com/office/drawing/2010/main" val="0"/>
+              </a:ext>
+            </a:extLst>
+          </a:blip>
+          <a:stretch>
+            <a:fillRect/>
+          </a:stretch>
+        </p:blipFill>
+        <p:spPr>
+          <a:xfrm>
+            <a:off x="831382" y="2337010"/>
+            <a:ext cx="405638" cy="405638"/>
+          </a:xfrm>
+          <a:prstGeom prst="rect">
+            <a:avLst/>
+          </a:prstGeom>
+        </p:spPr>
+      </p:pic>
+      <p:cxnSp>
+        <p:nvCxnSpPr>
+          <p:cNvPr id="31" name="Straight Arrow Connector 30">
+            <a:extLst>
+              <a:ext uri="{FF2B5EF4-FFF2-40B4-BE49-F238E27FC236}">
+                <a16:creationId xmlns:a16="http://schemas.microsoft.com/office/drawing/2014/main" id="{B9B1C215-4FBD-4DAE-AB8B-515F320D047F}"/>
+              </a:ext>
+            </a:extLst>
+          </p:cNvPr>
+          <p:cNvCxnSpPr>
+            <a:cxnSpLocks/>
+          </p:cNvCxnSpPr>
+          <p:nvPr/>
+        </p:nvCxnSpPr>
+        <p:spPr>
+          <a:xfrm>
+            <a:off x="1995494" y="2597477"/>
+            <a:ext cx="802091" cy="4113"/>
+          </a:xfrm>
+          <a:prstGeom prst="straightConnector1">
+            <a:avLst/>
+          </a:prstGeom>
+          <a:ln>
+            <a:headEnd type="triangle"/>
+            <a:tailEnd type="triangle"/>
+          </a:ln>
+        </p:spPr>
+        <p:style>
+          <a:lnRef idx="1">
+            <a:schemeClr val="accent1"/>
+          </a:lnRef>
+          <a:fillRef idx="0">
+            <a:schemeClr val="accent1"/>
+          </a:fillRef>
+          <a:effectRef idx="0">
+            <a:schemeClr val="accent1"/>
+          </a:effectRef>
+          <a:fontRef idx="minor">
+            <a:schemeClr val="tx1"/>
+          </a:fontRef>
+        </p:style>
+      </p:cxnSp>
+      <p:pic>
+        <p:nvPicPr>
+          <p:cNvPr id="17" name="Picture 16">
+            <a:extLst>
+              <a:ext uri="{FF2B5EF4-FFF2-40B4-BE49-F238E27FC236}">
+                <a16:creationId xmlns:a16="http://schemas.microsoft.com/office/drawing/2014/main" id="{8324D0C8-1F10-4B1B-86D4-A0F6B929C795}"/>
+              </a:ext>
+            </a:extLst>
+          </p:cNvPr>
+          <p:cNvPicPr>
+            <a:picLocks noChangeAspect="1"/>
+          </p:cNvPicPr>
+          <p:nvPr/>
+        </p:nvPicPr>
+        <p:blipFill>
+          <a:blip r:embed="rId6">
+            <a:extLst>
+              <a:ext uri="{28A0092B-C50C-407E-A947-70E740481C1C}">
+                <a14:useLocalDpi xmlns:a14="http://schemas.microsoft.com/office/drawing/2010/main" val="0"/>
+              </a:ext>
+            </a:extLst>
+          </a:blip>
+          <a:stretch>
+            <a:fillRect/>
+          </a:stretch>
+        </p:blipFill>
+        <p:spPr>
+          <a:xfrm>
+            <a:off x="1237007" y="1597978"/>
+            <a:ext cx="375972" cy="375972"/>
+          </a:xfrm>
+          <a:prstGeom prst="rect">
+            <a:avLst/>
+          </a:prstGeom>
+        </p:spPr>
+      </p:pic>
+      <p:pic>
+        <p:nvPicPr>
+          <p:cNvPr id="22" name="Picture 21">
+            <a:extLst>
+              <a:ext uri="{FF2B5EF4-FFF2-40B4-BE49-F238E27FC236}">
+                <a16:creationId xmlns:a16="http://schemas.microsoft.com/office/drawing/2014/main" id="{3D811FDA-C309-47EA-B69F-F83B1AD910AB}"/>
+              </a:ext>
+            </a:extLst>
+          </p:cNvPr>
+          <p:cNvPicPr>
+            <a:picLocks noChangeAspect="1"/>
+          </p:cNvPicPr>
+          <p:nvPr/>
+        </p:nvPicPr>
+        <p:blipFill>
+          <a:blip r:embed="rId3">
+            <a:extLst>
+              <a:ext uri="{28A0092B-C50C-407E-A947-70E740481C1C}">
+                <a14:useLocalDpi xmlns:a14="http://schemas.microsoft.com/office/drawing/2010/main" val="0"/>
+              </a:ext>
+            </a:extLst>
+          </a:blip>
+          <a:stretch>
+            <a:fillRect/>
+          </a:stretch>
+        </p:blipFill>
+        <p:spPr>
+          <a:xfrm>
+            <a:off x="4241728" y="2200059"/>
+            <a:ext cx="380998" cy="380998"/>
+          </a:xfrm>
+          <a:prstGeom prst="rect">
+            <a:avLst/>
+          </a:prstGeom>
+        </p:spPr>
+      </p:pic>
+      <p:sp>
+        <p:nvSpPr>
+          <p:cNvPr id="27" name="TextBox 26">
+            <a:extLst>
+              <a:ext uri="{FF2B5EF4-FFF2-40B4-BE49-F238E27FC236}">
+                <a16:creationId xmlns:a16="http://schemas.microsoft.com/office/drawing/2014/main" id="{8DA58F72-E2F1-4BB7-A451-31EA92EDE44E}"/>
+              </a:ext>
+            </a:extLst>
+          </p:cNvPr>
+          <p:cNvSpPr txBox="1"/>
+          <p:nvPr/>
+        </p:nvSpPr>
+        <p:spPr>
+          <a:xfrm>
+            <a:off x="3947195" y="2962058"/>
+            <a:ext cx="1559273" cy="276999"/>
+          </a:xfrm>
+          <a:prstGeom prst="rect">
+            <a:avLst/>
+          </a:prstGeom>
+          <a:noFill/>
+        </p:spPr>
+        <p:txBody>
+          <a:bodyPr wrap="none" rtlCol="0">
+            <a:spAutoFit/>
+          </a:bodyPr>
+          <a:lstStyle/>
+          <a:p>
+            <a:r>
+              <a:rPr lang="en-US" sz="1200" dirty="0"/>
+              <a:t>File Download Service</a:t>
+            </a:r>
+          </a:p>
+        </p:txBody>
+      </p:sp>
+      <p:pic>
+        <p:nvPicPr>
+          <p:cNvPr id="29" name="Picture 28">
+            <a:extLst>
+              <a:ext uri="{FF2B5EF4-FFF2-40B4-BE49-F238E27FC236}">
+                <a16:creationId xmlns:a16="http://schemas.microsoft.com/office/drawing/2014/main" id="{2C7457AD-EDF2-43EA-A1C9-DCFA2C6D14AE}"/>
+              </a:ext>
+            </a:extLst>
+          </p:cNvPr>
+          <p:cNvPicPr>
+            <a:picLocks noChangeAspect="1"/>
+          </p:cNvPicPr>
+          <p:nvPr/>
+        </p:nvPicPr>
+        <p:blipFill>
+          <a:blip r:embed="rId3">
+            <a:extLst>
+              <a:ext uri="{28A0092B-C50C-407E-A947-70E740481C1C}">
+                <a14:useLocalDpi xmlns:a14="http://schemas.microsoft.com/office/drawing/2010/main" val="0"/>
+              </a:ext>
+            </a:extLst>
+          </a:blip>
+          <a:stretch>
+            <a:fillRect/>
+          </a:stretch>
+        </p:blipFill>
+        <p:spPr>
+          <a:xfrm>
+            <a:off x="4504183" y="2200964"/>
+            <a:ext cx="380998" cy="380998"/>
+          </a:xfrm>
+          <a:prstGeom prst="rect">
+            <a:avLst/>
+          </a:prstGeom>
+        </p:spPr>
+      </p:pic>
+      <p:pic>
+        <p:nvPicPr>
+          <p:cNvPr id="30" name="Picture 29">
+            <a:extLst>
+              <a:ext uri="{FF2B5EF4-FFF2-40B4-BE49-F238E27FC236}">
+                <a16:creationId xmlns:a16="http://schemas.microsoft.com/office/drawing/2014/main" id="{9389DF74-489D-420C-BFD3-7407D97AC7AB}"/>
+              </a:ext>
+            </a:extLst>
+          </p:cNvPr>
+          <p:cNvPicPr>
+            <a:picLocks noChangeAspect="1"/>
+          </p:cNvPicPr>
+          <p:nvPr/>
+        </p:nvPicPr>
+        <p:blipFill>
+          <a:blip r:embed="rId3">
+            <a:extLst>
+              <a:ext uri="{28A0092B-C50C-407E-A947-70E740481C1C}">
+                <a14:useLocalDpi xmlns:a14="http://schemas.microsoft.com/office/drawing/2010/main" val="0"/>
+              </a:ext>
+            </a:extLst>
+          </a:blip>
+          <a:stretch>
+            <a:fillRect/>
+          </a:stretch>
+        </p:blipFill>
+        <p:spPr>
+          <a:xfrm>
+            <a:off x="4244150" y="2581061"/>
+            <a:ext cx="380998" cy="380998"/>
+          </a:xfrm>
+          <a:prstGeom prst="rect">
+            <a:avLst/>
+          </a:prstGeom>
+        </p:spPr>
+      </p:pic>
+      <p:pic>
+        <p:nvPicPr>
+          <p:cNvPr id="32" name="Picture 31">
+            <a:extLst>
+              <a:ext uri="{FF2B5EF4-FFF2-40B4-BE49-F238E27FC236}">
+                <a16:creationId xmlns:a16="http://schemas.microsoft.com/office/drawing/2014/main" id="{8D8CB5D1-B46C-4DCC-B4CC-C541D05A5399}"/>
+              </a:ext>
+            </a:extLst>
+          </p:cNvPr>
+          <p:cNvPicPr>
+            <a:picLocks noChangeAspect="1"/>
+          </p:cNvPicPr>
+          <p:nvPr/>
+        </p:nvPicPr>
+        <p:blipFill>
+          <a:blip r:embed="rId3">
+            <a:extLst>
+              <a:ext uri="{28A0092B-C50C-407E-A947-70E740481C1C}">
+                <a14:useLocalDpi xmlns:a14="http://schemas.microsoft.com/office/drawing/2010/main" val="0"/>
+              </a:ext>
+            </a:extLst>
+          </a:blip>
+          <a:stretch>
+            <a:fillRect/>
+          </a:stretch>
+        </p:blipFill>
+        <p:spPr>
+          <a:xfrm>
+            <a:off x="4506605" y="2581966"/>
+            <a:ext cx="380998" cy="380998"/>
+          </a:xfrm>
+          <a:prstGeom prst="rect">
+            <a:avLst/>
+          </a:prstGeom>
+        </p:spPr>
+      </p:pic>
+      <p:cxnSp>
+        <p:nvCxnSpPr>
+          <p:cNvPr id="33" name="Straight Arrow Connector 32">
+            <a:extLst>
+              <a:ext uri="{FF2B5EF4-FFF2-40B4-BE49-F238E27FC236}">
+                <a16:creationId xmlns:a16="http://schemas.microsoft.com/office/drawing/2014/main" id="{16082F41-327A-499A-8AC1-F37EE0F0B421}"/>
+              </a:ext>
+            </a:extLst>
+          </p:cNvPr>
+          <p:cNvCxnSpPr>
+            <a:cxnSpLocks/>
+          </p:cNvCxnSpPr>
+          <p:nvPr/>
+        </p:nvCxnSpPr>
+        <p:spPr>
+          <a:xfrm>
+            <a:off x="3356901" y="2539282"/>
+            <a:ext cx="806952" cy="0"/>
+          </a:xfrm>
+          <a:prstGeom prst="straightConnector1">
+            <a:avLst/>
+          </a:prstGeom>
+          <a:ln>
+            <a:headEnd type="triangle"/>
+            <a:tailEnd type="triangle"/>
+          </a:ln>
+        </p:spPr>
+        <p:style>
+          <a:lnRef idx="1">
+            <a:schemeClr val="accent1"/>
+          </a:lnRef>
+          <a:fillRef idx="0">
+            <a:schemeClr val="accent1"/>
+          </a:fillRef>
+          <a:effectRef idx="0">
+            <a:schemeClr val="accent1"/>
+          </a:effectRef>
+          <a:fontRef idx="minor">
+            <a:schemeClr val="tx1"/>
+          </a:fontRef>
+        </p:style>
+      </p:cxnSp>
+      <p:pic>
+        <p:nvPicPr>
+          <p:cNvPr id="34" name="Picture 33">
+            <a:extLst>
+              <a:ext uri="{FF2B5EF4-FFF2-40B4-BE49-F238E27FC236}">
+                <a16:creationId xmlns:a16="http://schemas.microsoft.com/office/drawing/2014/main" id="{10C4C115-ADDD-4A24-A96C-4D85EBC61FEB}"/>
+              </a:ext>
+            </a:extLst>
+          </p:cNvPr>
+          <p:cNvPicPr>
+            <a:picLocks noChangeAspect="1"/>
+          </p:cNvPicPr>
+          <p:nvPr/>
+        </p:nvPicPr>
+        <p:blipFill>
+          <a:blip r:embed="rId7">
+            <a:extLst>
+              <a:ext uri="{28A0092B-C50C-407E-A947-70E740481C1C}">
+                <a14:useLocalDpi xmlns:a14="http://schemas.microsoft.com/office/drawing/2010/main" val="0"/>
+              </a:ext>
+            </a:extLst>
+          </a:blip>
+          <a:stretch>
+            <a:fillRect/>
+          </a:stretch>
+        </p:blipFill>
+        <p:spPr>
+          <a:xfrm>
+            <a:off x="7425370" y="2734215"/>
+            <a:ext cx="220535" cy="220535"/>
+          </a:xfrm>
+          <a:prstGeom prst="rect">
+            <a:avLst/>
+          </a:prstGeom>
+        </p:spPr>
+      </p:pic>
+      <p:pic>
+        <p:nvPicPr>
+          <p:cNvPr id="36" name="Picture 35">
+            <a:extLst>
+              <a:ext uri="{FF2B5EF4-FFF2-40B4-BE49-F238E27FC236}">
+                <a16:creationId xmlns:a16="http://schemas.microsoft.com/office/drawing/2014/main" id="{FB772AA8-A3E2-46FD-A6CD-E3DC3D7E26A5}"/>
+              </a:ext>
+            </a:extLst>
+          </p:cNvPr>
+          <p:cNvPicPr>
+            <a:picLocks noChangeAspect="1"/>
+          </p:cNvPicPr>
+          <p:nvPr/>
+        </p:nvPicPr>
+        <p:blipFill>
+          <a:blip r:embed="rId7">
+            <a:extLst>
+              <a:ext uri="{28A0092B-C50C-407E-A947-70E740481C1C}">
+                <a14:useLocalDpi xmlns:a14="http://schemas.microsoft.com/office/drawing/2010/main" val="0"/>
+              </a:ext>
+            </a:extLst>
+          </a:blip>
+          <a:stretch>
+            <a:fillRect/>
+          </a:stretch>
+        </p:blipFill>
+        <p:spPr>
+          <a:xfrm>
+            <a:off x="7425371" y="2131248"/>
+            <a:ext cx="220535" cy="220535"/>
+          </a:xfrm>
+          <a:prstGeom prst="rect">
+            <a:avLst/>
+          </a:prstGeom>
+        </p:spPr>
+      </p:pic>
+      <p:pic>
+        <p:nvPicPr>
+          <p:cNvPr id="37" name="Picture 36">
+            <a:extLst>
+              <a:ext uri="{FF2B5EF4-FFF2-40B4-BE49-F238E27FC236}">
+                <a16:creationId xmlns:a16="http://schemas.microsoft.com/office/drawing/2014/main" id="{07CE1CF4-6E40-46B4-8086-0D0B3BBB3B78}"/>
+              </a:ext>
+            </a:extLst>
+          </p:cNvPr>
+          <p:cNvPicPr>
+            <a:picLocks noChangeAspect="1"/>
+          </p:cNvPicPr>
+          <p:nvPr/>
+        </p:nvPicPr>
+        <p:blipFill>
+          <a:blip r:embed="rId7">
+            <a:extLst>
+              <a:ext uri="{28A0092B-C50C-407E-A947-70E740481C1C}">
+                <a14:useLocalDpi xmlns:a14="http://schemas.microsoft.com/office/drawing/2010/main" val="0"/>
+              </a:ext>
+            </a:extLst>
+          </a:blip>
+          <a:stretch>
+            <a:fillRect/>
+          </a:stretch>
+        </p:blipFill>
+        <p:spPr>
+          <a:xfrm>
+            <a:off x="7425371" y="2429015"/>
+            <a:ext cx="220535" cy="220535"/>
+          </a:xfrm>
+          <a:prstGeom prst="rect">
+            <a:avLst/>
+          </a:prstGeom>
+        </p:spPr>
+      </p:pic>
+      <p:pic>
+        <p:nvPicPr>
+          <p:cNvPr id="4" name="Picture 3">
+            <a:extLst>
+              <a:ext uri="{FF2B5EF4-FFF2-40B4-BE49-F238E27FC236}">
+                <a16:creationId xmlns:a16="http://schemas.microsoft.com/office/drawing/2014/main" id="{26F96EE4-8B16-4F86-8BFE-3D98BB2066CF}"/>
+              </a:ext>
+            </a:extLst>
+          </p:cNvPr>
+          <p:cNvPicPr>
+            <a:picLocks noChangeAspect="1"/>
+          </p:cNvPicPr>
+          <p:nvPr/>
+        </p:nvPicPr>
+        <p:blipFill>
+          <a:blip r:embed="rId8">
+            <a:extLst>
+              <a:ext uri="{28A0092B-C50C-407E-A947-70E740481C1C}">
+                <a14:useLocalDpi xmlns:a14="http://schemas.microsoft.com/office/drawing/2010/main" val="0"/>
+              </a:ext>
+            </a:extLst>
+          </a:blip>
+          <a:stretch>
+            <a:fillRect/>
+          </a:stretch>
+        </p:blipFill>
+        <p:spPr>
+          <a:xfrm>
+            <a:off x="6419358" y="2127667"/>
+            <a:ext cx="385463" cy="385463"/>
+          </a:xfrm>
+          <a:prstGeom prst="rect">
+            <a:avLst/>
+          </a:prstGeom>
+        </p:spPr>
+      </p:pic>
+      <p:pic>
+        <p:nvPicPr>
+          <p:cNvPr id="35" name="Picture 34">
+            <a:extLst>
+              <a:ext uri="{FF2B5EF4-FFF2-40B4-BE49-F238E27FC236}">
+                <a16:creationId xmlns:a16="http://schemas.microsoft.com/office/drawing/2014/main" id="{286324E7-271C-41DA-AC78-8B9205B29A5A}"/>
+              </a:ext>
+            </a:extLst>
+          </p:cNvPr>
+          <p:cNvPicPr>
+            <a:picLocks noChangeAspect="1"/>
+          </p:cNvPicPr>
+          <p:nvPr/>
+        </p:nvPicPr>
+        <p:blipFill>
+          <a:blip r:embed="rId8">
+            <a:extLst>
+              <a:ext uri="{28A0092B-C50C-407E-A947-70E740481C1C}">
+                <a14:useLocalDpi xmlns:a14="http://schemas.microsoft.com/office/drawing/2010/main" val="0"/>
+              </a:ext>
+            </a:extLst>
+          </a:blip>
+          <a:stretch>
+            <a:fillRect/>
+          </a:stretch>
+        </p:blipFill>
+        <p:spPr>
+          <a:xfrm>
+            <a:off x="6419358" y="2572835"/>
+            <a:ext cx="385463" cy="385463"/>
+          </a:xfrm>
+          <a:prstGeom prst="rect">
+            <a:avLst/>
+          </a:prstGeom>
+        </p:spPr>
+      </p:pic>
+      <p:sp>
+        <p:nvSpPr>
+          <p:cNvPr id="45" name="TextBox 44">
+            <a:extLst>
+              <a:ext uri="{FF2B5EF4-FFF2-40B4-BE49-F238E27FC236}">
+                <a16:creationId xmlns:a16="http://schemas.microsoft.com/office/drawing/2014/main" id="{92E85DCC-CC4C-46E9-9C70-7C1DBE765ED0}"/>
+              </a:ext>
+            </a:extLst>
+          </p:cNvPr>
+          <p:cNvSpPr txBox="1"/>
+          <p:nvPr/>
+        </p:nvSpPr>
+        <p:spPr>
+          <a:xfrm>
+            <a:off x="6224126" y="2954750"/>
+            <a:ext cx="791050" cy="276999"/>
+          </a:xfrm>
+          <a:prstGeom prst="rect">
+            <a:avLst/>
+          </a:prstGeom>
+          <a:noFill/>
+        </p:spPr>
+        <p:txBody>
+          <a:bodyPr wrap="none" rtlCol="0">
+            <a:spAutoFit/>
+          </a:bodyPr>
+          <a:lstStyle/>
+          <a:p>
+            <a:r>
+              <a:rPr lang="en-US" sz="1200" dirty="0"/>
+              <a:t>Metadata</a:t>
+            </a:r>
+          </a:p>
+        </p:txBody>
+      </p:sp>
+      <p:sp>
+        <p:nvSpPr>
+          <p:cNvPr id="46" name="TextBox 45">
+            <a:extLst>
+              <a:ext uri="{FF2B5EF4-FFF2-40B4-BE49-F238E27FC236}">
+                <a16:creationId xmlns:a16="http://schemas.microsoft.com/office/drawing/2014/main" id="{9EC1245D-5984-4D4E-8906-FBBE64A981D6}"/>
+              </a:ext>
+            </a:extLst>
+          </p:cNvPr>
+          <p:cNvSpPr txBox="1"/>
+          <p:nvPr/>
+        </p:nvSpPr>
+        <p:spPr>
+          <a:xfrm>
+            <a:off x="7179536" y="3001130"/>
+            <a:ext cx="911340" cy="276999"/>
+          </a:xfrm>
+          <a:prstGeom prst="rect">
+            <a:avLst/>
+          </a:prstGeom>
+          <a:noFill/>
+        </p:spPr>
+        <p:txBody>
+          <a:bodyPr wrap="none" rtlCol="0">
+            <a:spAutoFit/>
+          </a:bodyPr>
+          <a:lstStyle/>
+          <a:p>
+            <a:r>
+              <a:rPr lang="en-US" sz="1200" dirty="0"/>
+              <a:t>File Storage</a:t>
+            </a:r>
+          </a:p>
+        </p:txBody>
+      </p:sp>
+      <p:cxnSp>
+        <p:nvCxnSpPr>
+          <p:cNvPr id="47" name="Straight Arrow Connector 46">
+            <a:extLst>
+              <a:ext uri="{FF2B5EF4-FFF2-40B4-BE49-F238E27FC236}">
+                <a16:creationId xmlns:a16="http://schemas.microsoft.com/office/drawing/2014/main" id="{C54E8E03-993D-4C98-802C-A3794AEC849B}"/>
+              </a:ext>
+            </a:extLst>
+          </p:cNvPr>
+          <p:cNvCxnSpPr>
+            <a:cxnSpLocks/>
+            <a:stCxn id="4" idx="3"/>
+            <a:endCxn id="36" idx="1"/>
+          </p:cNvCxnSpPr>
+          <p:nvPr/>
+        </p:nvCxnSpPr>
+        <p:spPr>
+          <a:xfrm flipV="1">
+            <a:off x="6804821" y="2241516"/>
+            <a:ext cx="620550" cy="78883"/>
+          </a:xfrm>
+          <a:prstGeom prst="straightConnector1">
+            <a:avLst/>
+          </a:prstGeom>
+          <a:ln>
+            <a:tailEnd type="triangle"/>
+          </a:ln>
+        </p:spPr>
+        <p:style>
+          <a:lnRef idx="1">
+            <a:schemeClr val="accent1"/>
+          </a:lnRef>
+          <a:fillRef idx="0">
+            <a:schemeClr val="accent1"/>
+          </a:fillRef>
+          <a:effectRef idx="0">
+            <a:schemeClr val="accent1"/>
+          </a:effectRef>
+          <a:fontRef idx="minor">
+            <a:schemeClr val="tx1"/>
+          </a:fontRef>
+        </p:style>
+      </p:cxnSp>
+      <p:cxnSp>
+        <p:nvCxnSpPr>
+          <p:cNvPr id="48" name="Straight Arrow Connector 47">
+            <a:extLst>
+              <a:ext uri="{FF2B5EF4-FFF2-40B4-BE49-F238E27FC236}">
+                <a16:creationId xmlns:a16="http://schemas.microsoft.com/office/drawing/2014/main" id="{AA40D32F-52E5-4462-8665-98FB412C3D37}"/>
+              </a:ext>
+            </a:extLst>
+          </p:cNvPr>
+          <p:cNvCxnSpPr>
+            <a:cxnSpLocks/>
+            <a:stCxn id="4" idx="3"/>
+            <a:endCxn id="37" idx="1"/>
+          </p:cNvCxnSpPr>
+          <p:nvPr/>
+        </p:nvCxnSpPr>
+        <p:spPr>
+          <a:xfrm>
+            <a:off x="6804821" y="2320399"/>
+            <a:ext cx="620550" cy="218884"/>
+          </a:xfrm>
+          <a:prstGeom prst="straightConnector1">
+            <a:avLst/>
+          </a:prstGeom>
+          <a:ln>
+            <a:tailEnd type="triangle"/>
+          </a:ln>
+        </p:spPr>
+        <p:style>
+          <a:lnRef idx="1">
+            <a:schemeClr val="accent1"/>
+          </a:lnRef>
+          <a:fillRef idx="0">
+            <a:schemeClr val="accent1"/>
+          </a:fillRef>
+          <a:effectRef idx="0">
+            <a:schemeClr val="accent1"/>
+          </a:effectRef>
+          <a:fontRef idx="minor">
+            <a:schemeClr val="tx1"/>
+          </a:fontRef>
+        </p:style>
+      </p:cxnSp>
+      <p:cxnSp>
+        <p:nvCxnSpPr>
+          <p:cNvPr id="49" name="Straight Arrow Connector 48">
+            <a:extLst>
+              <a:ext uri="{FF2B5EF4-FFF2-40B4-BE49-F238E27FC236}">
+                <a16:creationId xmlns:a16="http://schemas.microsoft.com/office/drawing/2014/main" id="{3EC85AE3-04B2-497C-8D66-7B49CA0B8280}"/>
+              </a:ext>
+            </a:extLst>
+          </p:cNvPr>
+          <p:cNvCxnSpPr>
+            <a:cxnSpLocks/>
+            <a:stCxn id="35" idx="3"/>
+            <a:endCxn id="34" idx="1"/>
+          </p:cNvCxnSpPr>
+          <p:nvPr/>
+        </p:nvCxnSpPr>
+        <p:spPr>
+          <a:xfrm>
+            <a:off x="6804821" y="2765567"/>
+            <a:ext cx="620549" cy="78916"/>
+          </a:xfrm>
+          <a:prstGeom prst="straightConnector1">
+            <a:avLst/>
+          </a:prstGeom>
+          <a:ln>
+            <a:tailEnd type="triangle"/>
+          </a:ln>
+        </p:spPr>
+        <p:style>
+          <a:lnRef idx="1">
+            <a:schemeClr val="accent1"/>
+          </a:lnRef>
+          <a:fillRef idx="0">
+            <a:schemeClr val="accent1"/>
+          </a:fillRef>
+          <a:effectRef idx="0">
+            <a:schemeClr val="accent1"/>
+          </a:effectRef>
+          <a:fontRef idx="minor">
+            <a:schemeClr val="tx1"/>
+          </a:fontRef>
+        </p:style>
+      </p:cxnSp>
+      <p:cxnSp>
+        <p:nvCxnSpPr>
+          <p:cNvPr id="50" name="Straight Arrow Connector 49">
+            <a:extLst>
+              <a:ext uri="{FF2B5EF4-FFF2-40B4-BE49-F238E27FC236}">
+                <a16:creationId xmlns:a16="http://schemas.microsoft.com/office/drawing/2014/main" id="{F333AED0-0388-4B54-BF03-1A76360C9A80}"/>
+              </a:ext>
+            </a:extLst>
+          </p:cNvPr>
+          <p:cNvCxnSpPr>
+            <a:cxnSpLocks/>
+            <a:stCxn id="35" idx="3"/>
+            <a:endCxn id="37" idx="1"/>
+          </p:cNvCxnSpPr>
+          <p:nvPr/>
+        </p:nvCxnSpPr>
+        <p:spPr>
+          <a:xfrm flipV="1">
+            <a:off x="6804821" y="2539283"/>
+            <a:ext cx="620550" cy="226284"/>
+          </a:xfrm>
+          <a:prstGeom prst="straightConnector1">
+            <a:avLst/>
+          </a:prstGeom>
+          <a:ln>
+            <a:tailEnd type="triangle"/>
+          </a:ln>
+        </p:spPr>
+        <p:style>
+          <a:lnRef idx="1">
+            <a:schemeClr val="accent1"/>
+          </a:lnRef>
+          <a:fillRef idx="0">
+            <a:schemeClr val="accent1"/>
+          </a:fillRef>
+          <a:effectRef idx="0">
+            <a:schemeClr val="accent1"/>
+          </a:effectRef>
+          <a:fontRef idx="minor">
+            <a:schemeClr val="tx1"/>
+          </a:fontRef>
+        </p:style>
+      </p:cxnSp>
+      <p:graphicFrame>
+        <p:nvGraphicFramePr>
+          <p:cNvPr id="60" name="Table 59">
+            <a:extLst>
+              <a:ext uri="{FF2B5EF4-FFF2-40B4-BE49-F238E27FC236}">
+                <a16:creationId xmlns:a16="http://schemas.microsoft.com/office/drawing/2014/main" id="{A589AB75-4C67-4F93-AFFC-6AB7CCFA55EA}"/>
+              </a:ext>
+            </a:extLst>
+          </p:cNvPr>
+          <p:cNvGraphicFramePr>
+            <a:graphicFrameLocks noGrp="1"/>
+          </p:cNvGraphicFramePr>
+          <p:nvPr/>
+        </p:nvGraphicFramePr>
+        <p:xfrm>
+          <a:off x="8408319" y="849944"/>
+          <a:ext cx="1194768" cy="487680"/>
+        </p:xfrm>
+        <a:graphic>
+          <a:graphicData uri="http://schemas.openxmlformats.org/drawingml/2006/table">
+            <a:tbl>
+              <a:tblPr firstRow="1" bandRow="1">
+                <a:tableStyleId>{5C22544A-7EE6-4342-B048-85BDC9FD1C3A}</a:tableStyleId>
+              </a:tblPr>
+              <a:tblGrid>
+                <a:gridCol w="1194768">
+                  <a:extLst>
+                    <a:ext uri="{9D8B030D-6E8A-4147-A177-3AD203B41FA5}">
+                      <a16:colId xmlns:a16="http://schemas.microsoft.com/office/drawing/2014/main" val="501410180"/>
+                    </a:ext>
+                  </a:extLst>
+                </a:gridCol>
+              </a:tblGrid>
+              <a:tr h="169708">
+                <a:tc>
+                  <a:txBody>
+                    <a:bodyPr/>
+                    <a:lstStyle/>
+                    <a:p>
+                      <a:r>
+                        <a:rPr lang="en-US" sz="1000" dirty="0"/>
+                        <a:t>User</a:t>
+                      </a:r>
+                    </a:p>
+                  </a:txBody>
+                  <a:tcPr/>
+                </a:tc>
+                <a:extLst>
+                  <a:ext uri="{0D108BD9-81ED-4DB2-BD59-A6C34878D82A}">
+                    <a16:rowId xmlns:a16="http://schemas.microsoft.com/office/drawing/2014/main" val="1413859457"/>
+                  </a:ext>
+                </a:extLst>
+              </a:tr>
+              <a:tr h="169708">
+                <a:tc>
+                  <a:txBody>
+                    <a:bodyPr/>
+                    <a:lstStyle/>
+                    <a:p>
+                      <a:r>
+                        <a:rPr lang="en-US" sz="1000" dirty="0"/>
+                        <a:t>Id, Password, Email</a:t>
+                      </a:r>
+                    </a:p>
+                  </a:txBody>
+                  <a:tcPr/>
+                </a:tc>
+                <a:extLst>
+                  <a:ext uri="{0D108BD9-81ED-4DB2-BD59-A6C34878D82A}">
+                    <a16:rowId xmlns:a16="http://schemas.microsoft.com/office/drawing/2014/main" val="1142264014"/>
+                  </a:ext>
+                </a:extLst>
+              </a:tr>
+            </a:tbl>
+          </a:graphicData>
+        </a:graphic>
+      </p:graphicFrame>
+      <p:graphicFrame>
+        <p:nvGraphicFramePr>
+          <p:cNvPr id="61" name="Table 60">
+            <a:extLst>
+              <a:ext uri="{FF2B5EF4-FFF2-40B4-BE49-F238E27FC236}">
+                <a16:creationId xmlns:a16="http://schemas.microsoft.com/office/drawing/2014/main" id="{3EDEB3DC-4AD7-49C9-A90A-3D323E95E368}"/>
+              </a:ext>
+            </a:extLst>
+          </p:cNvPr>
+          <p:cNvGraphicFramePr>
+            <a:graphicFrameLocks noGrp="1"/>
+          </p:cNvGraphicFramePr>
+          <p:nvPr/>
+        </p:nvGraphicFramePr>
+        <p:xfrm>
+          <a:off x="9777389" y="849944"/>
+          <a:ext cx="2205227" cy="487680"/>
+        </p:xfrm>
+        <a:graphic>
+          <a:graphicData uri="http://schemas.openxmlformats.org/drawingml/2006/table">
+            <a:tbl>
+              <a:tblPr firstRow="1" bandRow="1">
+                <a:tableStyleId>{5C22544A-7EE6-4342-B048-85BDC9FD1C3A}</a:tableStyleId>
+              </a:tblPr>
+              <a:tblGrid>
+                <a:gridCol w="2205227">
+                  <a:extLst>
+                    <a:ext uri="{9D8B030D-6E8A-4147-A177-3AD203B41FA5}">
+                      <a16:colId xmlns:a16="http://schemas.microsoft.com/office/drawing/2014/main" val="501410180"/>
+                    </a:ext>
+                  </a:extLst>
+                </a:gridCol>
+              </a:tblGrid>
+              <a:tr h="169708">
+                <a:tc>
+                  <a:txBody>
+                    <a:bodyPr/>
+                    <a:lstStyle/>
+                    <a:p>
+                      <a:r>
+                        <a:rPr lang="en-US" sz="1000" dirty="0"/>
+                        <a:t>Meta</a:t>
+                      </a:r>
+                    </a:p>
+                  </a:txBody>
+                  <a:tcPr/>
+                </a:tc>
+                <a:extLst>
+                  <a:ext uri="{0D108BD9-81ED-4DB2-BD59-A6C34878D82A}">
+                    <a16:rowId xmlns:a16="http://schemas.microsoft.com/office/drawing/2014/main" val="1413859457"/>
+                  </a:ext>
+                </a:extLst>
+              </a:tr>
+              <a:tr h="169708">
+                <a:tc>
+                  <a:txBody>
+                    <a:bodyPr/>
+                    <a:lstStyle/>
+                    <a:p>
+                      <a:r>
+                        <a:rPr lang="en-US" sz="1000" dirty="0"/>
+                        <a:t>Id, Name, Size, </a:t>
+                      </a:r>
+                      <a:r>
+                        <a:rPr lang="en-US" sz="1000" dirty="0" err="1"/>
+                        <a:t>UserId</a:t>
+                      </a:r>
+                      <a:r>
+                        <a:rPr lang="en-US" sz="1000" dirty="0"/>
+                        <a:t>, Path, Version</a:t>
+                      </a:r>
+                    </a:p>
+                  </a:txBody>
+                  <a:tcPr/>
+                </a:tc>
+                <a:extLst>
+                  <a:ext uri="{0D108BD9-81ED-4DB2-BD59-A6C34878D82A}">
+                    <a16:rowId xmlns:a16="http://schemas.microsoft.com/office/drawing/2014/main" val="1142264014"/>
+                  </a:ext>
+                </a:extLst>
+              </a:tr>
+            </a:tbl>
+          </a:graphicData>
+        </a:graphic>
+      </p:graphicFrame>
+      <p:graphicFrame>
+        <p:nvGraphicFramePr>
+          <p:cNvPr id="62" name="Table 61">
+            <a:extLst>
+              <a:ext uri="{FF2B5EF4-FFF2-40B4-BE49-F238E27FC236}">
+                <a16:creationId xmlns:a16="http://schemas.microsoft.com/office/drawing/2014/main" id="{15BDF129-B2E0-4EB6-AF33-4F95AD9F2E18}"/>
+              </a:ext>
+            </a:extLst>
+          </p:cNvPr>
+          <p:cNvGraphicFramePr>
+            <a:graphicFrameLocks noGrp="1"/>
+          </p:cNvGraphicFramePr>
+          <p:nvPr/>
+        </p:nvGraphicFramePr>
+        <p:xfrm>
+          <a:off x="9970937" y="1542288"/>
+          <a:ext cx="2011680" cy="487680"/>
+        </p:xfrm>
+        <a:graphic>
+          <a:graphicData uri="http://schemas.openxmlformats.org/drawingml/2006/table">
+            <a:tbl>
+              <a:tblPr firstRow="1" bandRow="1">
+                <a:tableStyleId>{5C22544A-7EE6-4342-B048-85BDC9FD1C3A}</a:tableStyleId>
+              </a:tblPr>
+              <a:tblGrid>
+                <a:gridCol w="2011680">
+                  <a:extLst>
+                    <a:ext uri="{9D8B030D-6E8A-4147-A177-3AD203B41FA5}">
+                      <a16:colId xmlns:a16="http://schemas.microsoft.com/office/drawing/2014/main" val="501410180"/>
+                    </a:ext>
+                  </a:extLst>
+                </a:gridCol>
+              </a:tblGrid>
+              <a:tr h="169708">
+                <a:tc>
+                  <a:txBody>
+                    <a:bodyPr/>
+                    <a:lstStyle/>
+                    <a:p>
+                      <a:r>
+                        <a:rPr lang="en-US" sz="1000" dirty="0"/>
+                        <a:t>Block</a:t>
+                      </a:r>
+                    </a:p>
+                  </a:txBody>
+                  <a:tcPr/>
+                </a:tc>
+                <a:extLst>
+                  <a:ext uri="{0D108BD9-81ED-4DB2-BD59-A6C34878D82A}">
+                    <a16:rowId xmlns:a16="http://schemas.microsoft.com/office/drawing/2014/main" val="1413859457"/>
+                  </a:ext>
+                </a:extLst>
+              </a:tr>
+              <a:tr h="169708">
+                <a:tc>
+                  <a:txBody>
+                    <a:bodyPr/>
+                    <a:lstStyle/>
+                    <a:p>
+                      <a:r>
+                        <a:rPr lang="en-US" sz="1000" dirty="0"/>
+                        <a:t>Id, </a:t>
+                      </a:r>
+                      <a:r>
+                        <a:rPr lang="en-US" sz="1000" dirty="0" err="1"/>
+                        <a:t>MetaId</a:t>
+                      </a:r>
+                      <a:r>
+                        <a:rPr lang="en-US" sz="1000" dirty="0"/>
+                        <a:t>, </a:t>
+                      </a:r>
+                      <a:r>
+                        <a:rPr lang="en-US" sz="1000" dirty="0" err="1"/>
+                        <a:t>BlockPath,Hash</a:t>
+                      </a:r>
+                      <a:r>
+                        <a:rPr lang="en-US" sz="1000" dirty="0"/>
+                        <a:t>, status</a:t>
+                      </a:r>
+                    </a:p>
+                  </a:txBody>
+                  <a:tcPr/>
+                </a:tc>
+                <a:extLst>
+                  <a:ext uri="{0D108BD9-81ED-4DB2-BD59-A6C34878D82A}">
+                    <a16:rowId xmlns:a16="http://schemas.microsoft.com/office/drawing/2014/main" val="1142264014"/>
+                  </a:ext>
+                </a:extLst>
+              </a:tr>
+            </a:tbl>
+          </a:graphicData>
+        </a:graphic>
+      </p:graphicFrame>
+      <p:cxnSp>
+        <p:nvCxnSpPr>
+          <p:cNvPr id="73" name="Straight Connector 72">
+            <a:extLst>
+              <a:ext uri="{FF2B5EF4-FFF2-40B4-BE49-F238E27FC236}">
+                <a16:creationId xmlns:a16="http://schemas.microsoft.com/office/drawing/2014/main" id="{04D159F9-090B-4BF1-9922-88384638614F}"/>
+              </a:ext>
+            </a:extLst>
+          </p:cNvPr>
+          <p:cNvCxnSpPr>
+            <a:endCxn id="61" idx="1"/>
+          </p:cNvCxnSpPr>
+          <p:nvPr/>
+        </p:nvCxnSpPr>
+        <p:spPr>
+          <a:xfrm>
+            <a:off x="9603087" y="1093784"/>
+            <a:ext cx="174302" cy="0"/>
+          </a:xfrm>
+          <a:prstGeom prst="line">
+            <a:avLst/>
+          </a:prstGeom>
+        </p:spPr>
+        <p:style>
+          <a:lnRef idx="1">
+            <a:schemeClr val="accent1"/>
+          </a:lnRef>
+          <a:fillRef idx="0">
+            <a:schemeClr val="accent1"/>
+          </a:fillRef>
+          <a:effectRef idx="0">
+            <a:schemeClr val="accent1"/>
+          </a:effectRef>
+          <a:fontRef idx="minor">
+            <a:schemeClr val="tx1"/>
+          </a:fontRef>
+        </p:style>
+      </p:cxnSp>
+      <p:cxnSp>
+        <p:nvCxnSpPr>
+          <p:cNvPr id="74" name="Straight Connector 73">
+            <a:extLst>
+              <a:ext uri="{FF2B5EF4-FFF2-40B4-BE49-F238E27FC236}">
+                <a16:creationId xmlns:a16="http://schemas.microsoft.com/office/drawing/2014/main" id="{5E6541F3-5DE6-4922-95F0-4BDDDD838C81}"/>
+              </a:ext>
+            </a:extLst>
+          </p:cNvPr>
+          <p:cNvCxnSpPr>
+            <a:cxnSpLocks/>
+            <a:endCxn id="62" idx="0"/>
+          </p:cNvCxnSpPr>
+          <p:nvPr/>
+        </p:nvCxnSpPr>
+        <p:spPr>
+          <a:xfrm>
+            <a:off x="10976777" y="1337624"/>
+            <a:ext cx="0" cy="204664"/>
+          </a:xfrm>
+          <a:prstGeom prst="line">
+            <a:avLst/>
+          </a:prstGeom>
+        </p:spPr>
+        <p:style>
+          <a:lnRef idx="1">
+            <a:schemeClr val="accent1"/>
+          </a:lnRef>
+          <a:fillRef idx="0">
+            <a:schemeClr val="accent1"/>
+          </a:fillRef>
+          <a:effectRef idx="0">
+            <a:schemeClr val="accent1"/>
+          </a:effectRef>
+          <a:fontRef idx="minor">
+            <a:schemeClr val="tx1"/>
+          </a:fontRef>
+        </p:style>
+      </p:cxnSp>
+      <p:cxnSp>
+        <p:nvCxnSpPr>
+          <p:cNvPr id="90" name="Connector: Elbow 89">
+            <a:extLst>
+              <a:ext uri="{FF2B5EF4-FFF2-40B4-BE49-F238E27FC236}">
+                <a16:creationId xmlns:a16="http://schemas.microsoft.com/office/drawing/2014/main" id="{9CB34DE0-0770-4E9B-A56C-1496FDB07093}"/>
+              </a:ext>
+            </a:extLst>
+          </p:cNvPr>
+          <p:cNvCxnSpPr>
+            <a:stCxn id="4" idx="0"/>
+            <a:endCxn id="60" idx="1"/>
+          </p:cNvCxnSpPr>
+          <p:nvPr/>
+        </p:nvCxnSpPr>
+        <p:spPr>
+          <a:xfrm rot="5400000" flipH="1" flipV="1">
+            <a:off x="6993263" y="712612"/>
+            <a:ext cx="1033883" cy="1796229"/>
+          </a:xfrm>
+          <a:prstGeom prst="bentConnector2">
+            <a:avLst/>
+          </a:prstGeom>
+          <a:ln>
+            <a:tailEnd type="triangle"/>
+          </a:ln>
+        </p:spPr>
+        <p:style>
+          <a:lnRef idx="1">
+            <a:schemeClr val="accent2"/>
+          </a:lnRef>
+          <a:fillRef idx="0">
+            <a:schemeClr val="accent2"/>
+          </a:fillRef>
+          <a:effectRef idx="0">
+            <a:schemeClr val="accent2"/>
+          </a:effectRef>
+          <a:fontRef idx="minor">
+            <a:schemeClr val="tx1"/>
+          </a:fontRef>
+        </p:style>
+      </p:cxnSp>
+      <p:cxnSp>
+        <p:nvCxnSpPr>
+          <p:cNvPr id="116" name="Straight Arrow Connector 115">
+            <a:extLst>
+              <a:ext uri="{FF2B5EF4-FFF2-40B4-BE49-F238E27FC236}">
+                <a16:creationId xmlns:a16="http://schemas.microsoft.com/office/drawing/2014/main" id="{95EE5F9C-0414-4112-B5DA-4BB7E0E521FF}"/>
+              </a:ext>
+            </a:extLst>
+          </p:cNvPr>
+          <p:cNvCxnSpPr>
+            <a:cxnSpLocks/>
+          </p:cNvCxnSpPr>
+          <p:nvPr/>
+        </p:nvCxnSpPr>
+        <p:spPr>
+          <a:xfrm flipH="1">
+            <a:off x="3384113" y="2345102"/>
+            <a:ext cx="803190" cy="6681"/>
+          </a:xfrm>
+          <a:prstGeom prst="straightConnector1">
+            <a:avLst/>
+          </a:prstGeom>
+          <a:ln>
+            <a:tailEnd type="triangle"/>
+          </a:ln>
+        </p:spPr>
+        <p:style>
+          <a:lnRef idx="1">
+            <a:schemeClr val="accent6"/>
+          </a:lnRef>
+          <a:fillRef idx="0">
+            <a:schemeClr val="accent6"/>
+          </a:fillRef>
+          <a:effectRef idx="0">
+            <a:schemeClr val="accent6"/>
+          </a:effectRef>
+          <a:fontRef idx="minor">
+            <a:schemeClr val="tx1"/>
+          </a:fontRef>
+        </p:style>
+      </p:cxnSp>
+      <p:sp>
+        <p:nvSpPr>
+          <p:cNvPr id="118" name="TextBox 117">
+            <a:extLst>
+              <a:ext uri="{FF2B5EF4-FFF2-40B4-BE49-F238E27FC236}">
+                <a16:creationId xmlns:a16="http://schemas.microsoft.com/office/drawing/2014/main" id="{BB904E05-C3E2-4A06-A62E-EA177F47FDF4}"/>
+              </a:ext>
+            </a:extLst>
+          </p:cNvPr>
+          <p:cNvSpPr txBox="1"/>
+          <p:nvPr/>
+        </p:nvSpPr>
+        <p:spPr>
+          <a:xfrm>
+            <a:off x="3246198" y="1811742"/>
+            <a:ext cx="1457450" cy="430887"/>
+          </a:xfrm>
+          <a:prstGeom prst="rect">
+            <a:avLst/>
+          </a:prstGeom>
+          <a:noFill/>
+        </p:spPr>
+        <p:txBody>
+          <a:bodyPr wrap="none" rtlCol="0">
+            <a:spAutoFit/>
+          </a:bodyPr>
+          <a:lstStyle/>
+          <a:p>
+            <a:r>
+              <a:rPr lang="en-US" sz="1100" dirty="0"/>
+              <a:t>Blocks for synchronize</a:t>
+            </a:r>
+          </a:p>
+          <a:p>
+            <a:r>
+              <a:rPr lang="en-US" sz="1100" dirty="0"/>
+              <a:t>Full File for Download</a:t>
+            </a:r>
+          </a:p>
+        </p:txBody>
+      </p:sp>
+    </p:spTree>
+    <p:extLst>
+      <p:ext uri="{BB962C8B-B14F-4D97-AF65-F5344CB8AC3E}">
+        <p14:creationId xmlns:p14="http://schemas.microsoft.com/office/powerpoint/2010/main" val="2404913651"/>
       </p:ext>
     </p:extLst>
   </p:cSld>

--- a/CloudStorage.pptx
+++ b/CloudStorage.pptx
@@ -263,7 +263,7 @@
           <a:p>
             <a:fld id="{F8CF6AE2-A0FC-44DC-A05B-B063A26E2107}" type="datetimeFigureOut">
               <a:rPr lang="en-US" smtClean="0"/>
-              <a:t>3/26/2022</a:t>
+              <a:t>3/27/2022</a:t>
             </a:fld>
             <a:endParaRPr lang="en-US"/>
           </a:p>
@@ -461,7 +461,7 @@
           <a:p>
             <a:fld id="{F8CF6AE2-A0FC-44DC-A05B-B063A26E2107}" type="datetimeFigureOut">
               <a:rPr lang="en-US" smtClean="0"/>
-              <a:t>3/26/2022</a:t>
+              <a:t>3/27/2022</a:t>
             </a:fld>
             <a:endParaRPr lang="en-US"/>
           </a:p>
@@ -669,7 +669,7 @@
           <a:p>
             <a:fld id="{F8CF6AE2-A0FC-44DC-A05B-B063A26E2107}" type="datetimeFigureOut">
               <a:rPr lang="en-US" smtClean="0"/>
-              <a:t>3/26/2022</a:t>
+              <a:t>3/27/2022</a:t>
             </a:fld>
             <a:endParaRPr lang="en-US"/>
           </a:p>
@@ -867,7 +867,7 @@
           <a:p>
             <a:fld id="{F8CF6AE2-A0FC-44DC-A05B-B063A26E2107}" type="datetimeFigureOut">
               <a:rPr lang="en-US" smtClean="0"/>
-              <a:t>3/26/2022</a:t>
+              <a:t>3/27/2022</a:t>
             </a:fld>
             <a:endParaRPr lang="en-US"/>
           </a:p>
@@ -1142,7 +1142,7 @@
           <a:p>
             <a:fld id="{F8CF6AE2-A0FC-44DC-A05B-B063A26E2107}" type="datetimeFigureOut">
               <a:rPr lang="en-US" smtClean="0"/>
-              <a:t>3/26/2022</a:t>
+              <a:t>3/27/2022</a:t>
             </a:fld>
             <a:endParaRPr lang="en-US"/>
           </a:p>
@@ -1407,7 +1407,7 @@
           <a:p>
             <a:fld id="{F8CF6AE2-A0FC-44DC-A05B-B063A26E2107}" type="datetimeFigureOut">
               <a:rPr lang="en-US" smtClean="0"/>
-              <a:t>3/26/2022</a:t>
+              <a:t>3/27/2022</a:t>
             </a:fld>
             <a:endParaRPr lang="en-US"/>
           </a:p>
@@ -1819,7 +1819,7 @@
           <a:p>
             <a:fld id="{F8CF6AE2-A0FC-44DC-A05B-B063A26E2107}" type="datetimeFigureOut">
               <a:rPr lang="en-US" smtClean="0"/>
-              <a:t>3/26/2022</a:t>
+              <a:t>3/27/2022</a:t>
             </a:fld>
             <a:endParaRPr lang="en-US"/>
           </a:p>
@@ -1960,7 +1960,7 @@
           <a:p>
             <a:fld id="{F8CF6AE2-A0FC-44DC-A05B-B063A26E2107}" type="datetimeFigureOut">
               <a:rPr lang="en-US" smtClean="0"/>
-              <a:t>3/26/2022</a:t>
+              <a:t>3/27/2022</a:t>
             </a:fld>
             <a:endParaRPr lang="en-US"/>
           </a:p>
@@ -2073,7 +2073,7 @@
           <a:p>
             <a:fld id="{F8CF6AE2-A0FC-44DC-A05B-B063A26E2107}" type="datetimeFigureOut">
               <a:rPr lang="en-US" smtClean="0"/>
-              <a:t>3/26/2022</a:t>
+              <a:t>3/27/2022</a:t>
             </a:fld>
             <a:endParaRPr lang="en-US"/>
           </a:p>
@@ -2384,7 +2384,7 @@
           <a:p>
             <a:fld id="{F8CF6AE2-A0FC-44DC-A05B-B063A26E2107}" type="datetimeFigureOut">
               <a:rPr lang="en-US" smtClean="0"/>
-              <a:t>3/26/2022</a:t>
+              <a:t>3/27/2022</a:t>
             </a:fld>
             <a:endParaRPr lang="en-US"/>
           </a:p>
@@ -2672,7 +2672,7 @@
           <a:p>
             <a:fld id="{F8CF6AE2-A0FC-44DC-A05B-B063A26E2107}" type="datetimeFigureOut">
               <a:rPr lang="en-US" smtClean="0"/>
-              <a:t>3/26/2022</a:t>
+              <a:t>3/27/2022</a:t>
             </a:fld>
             <a:endParaRPr lang="en-US"/>
           </a:p>
@@ -2913,7 +2913,7 @@
           <a:p>
             <a:fld id="{F8CF6AE2-A0FC-44DC-A05B-B063A26E2107}" type="datetimeFigureOut">
               <a:rPr lang="en-US" smtClean="0"/>
-              <a:t>3/26/2022</a:t>
+              <a:t>3/27/2022</a:t>
             </a:fld>
             <a:endParaRPr lang="en-US"/>
           </a:p>
@@ -6791,7 +6791,7 @@
         <p:spPr>
           <a:xfrm>
             <a:off x="966718" y="4819864"/>
-            <a:ext cx="2781146" cy="461665"/>
+            <a:ext cx="4501040" cy="646331"/>
           </a:xfrm>
           <a:prstGeom prst="rect">
             <a:avLst/>
@@ -6814,6 +6814,18 @@
               <a:rPr lang="en-US" sz="1200" dirty="0"/>
               <a:t> if the file changes a little and quite often.</a:t>
             </a:r>
+            <a:br>
+              <a:rPr lang="en-US" sz="1200" dirty="0"/>
+            </a:br>
+            <a:r>
+              <a:rPr lang="en-US" sz="1200" dirty="0"/>
+              <a:t>And making block algorithms should be different for </a:t>
+            </a:r>
+            <a:r>
+              <a:rPr lang="en-US" sz="1200"/>
+              <a:t>each extension.</a:t>
+            </a:r>
+            <a:endParaRPr lang="en-US" sz="1200" dirty="0"/>
           </a:p>
         </p:txBody>
       </p:sp>

--- a/CloudStorage.pptx
+++ b/CloudStorage.pptx
@@ -3641,16 +3641,16 @@
                 </a:solidFill>
                 <a:latin typeface="-apple-system"/>
               </a:rPr>
-              <a:t> : saving max 10 versions and dealing with </a:t>
-            </a:r>
-            <a:r>
-              <a:rPr lang="en-US" altLang="ko-KR" sz="1600" dirty="0" err="1">
+              <a:t> : saving max 10 versions and dealing </a:t>
+            </a:r>
+            <a:r>
+              <a:rPr lang="en-US" altLang="ko-KR" sz="1600">
                 <a:solidFill>
                   <a:srgbClr val="424242"/>
                 </a:solidFill>
                 <a:latin typeface="-apple-system"/>
               </a:rPr>
-              <a:t>conflic</a:t>
+              <a:t>with conflict</a:t>
             </a:r>
             <a:br>
               <a:rPr lang="en-US" altLang="ko-KR" sz="1600" dirty="0">
